--- a/Arduino-PP.pptx
+++ b/Arduino-PP.pptx
@@ -164,7 +164,7 @@
 <file path=ppt/revisionInfo.xml><?xml version="1.0" encoding="utf-8"?>
 <p1510:revInfo xmlns:a="http://schemas.openxmlformats.org/drawingml/2006/main" xmlns:r="http://schemas.openxmlformats.org/officeDocument/2006/relationships" xmlns:p1510="http://schemas.microsoft.com/office/powerpoint/2015/10/main">
   <p1510:revLst>
-    <p1510:client id="{FF6329F3-2AD5-477E-8ADF-192E10221DA6}" v="200" dt="2023-04-24T15:08:21.613"/>
+    <p1510:client id="{FF6329F3-2AD5-477E-8ADF-192E10221DA6}" v="256" dt="2023-04-24T15:37:17.323"/>
   </p1510:revLst>
 </p1510:revInfo>
 </file>
@@ -579,7 +579,7 @@
   <pc:docChgLst>
     <pc:chgData name="Jonas Heilig" userId="c88d6a6d0bf8cbbf" providerId="LiveId" clId="{FF6329F3-2AD5-477E-8ADF-192E10221DA6}"/>
     <pc:docChg chg="undo custSel addSld delSld modSld sldOrd modNotesMaster">
-      <pc:chgData name="Jonas Heilig" userId="c88d6a6d0bf8cbbf" providerId="LiveId" clId="{FF6329F3-2AD5-477E-8ADF-192E10221DA6}" dt="2023-04-24T15:08:53.334" v="4253" actId="1076"/>
+      <pc:chgData name="Jonas Heilig" userId="c88d6a6d0bf8cbbf" providerId="LiveId" clId="{FF6329F3-2AD5-477E-8ADF-192E10221DA6}" dt="2023-04-24T15:37:17.323" v="4309" actId="20577"/>
       <pc:docMkLst>
         <pc:docMk/>
       </pc:docMkLst>
@@ -846,13 +846,13 @@
         </pc:spChg>
       </pc:sldChg>
       <pc:sldChg chg="modSp new mod modAnim">
-        <pc:chgData name="Jonas Heilig" userId="c88d6a6d0bf8cbbf" providerId="LiveId" clId="{FF6329F3-2AD5-477E-8ADF-192E10221DA6}" dt="2023-04-23T15:36:14.927" v="3806"/>
+        <pc:chgData name="Jonas Heilig" userId="c88d6a6d0bf8cbbf" providerId="LiveId" clId="{FF6329F3-2AD5-477E-8ADF-192E10221DA6}" dt="2023-04-24T15:35:13.497" v="4258" actId="20577"/>
         <pc:sldMkLst>
           <pc:docMk/>
           <pc:sldMk cId="3281085665" sldId="267"/>
         </pc:sldMkLst>
         <pc:spChg chg="mod">
-          <ac:chgData name="Jonas Heilig" userId="c88d6a6d0bf8cbbf" providerId="LiveId" clId="{FF6329F3-2AD5-477E-8ADF-192E10221DA6}" dt="2023-04-20T14:28:02.396" v="893" actId="20577"/>
+          <ac:chgData name="Jonas Heilig" userId="c88d6a6d0bf8cbbf" providerId="LiveId" clId="{FF6329F3-2AD5-477E-8ADF-192E10221DA6}" dt="2023-04-24T15:35:13.497" v="4258" actId="20577"/>
           <ac:spMkLst>
             <pc:docMk/>
             <pc:sldMk cId="3281085665" sldId="267"/>
@@ -999,7 +999,7 @@
         </pc:spChg>
       </pc:sldChg>
       <pc:sldChg chg="addSp delSp modSp new mod modClrScheme modAnim chgLayout">
-        <pc:chgData name="Jonas Heilig" userId="c88d6a6d0bf8cbbf" providerId="LiveId" clId="{FF6329F3-2AD5-477E-8ADF-192E10221DA6}" dt="2023-04-23T15:36:33.096" v="3810"/>
+        <pc:chgData name="Jonas Heilig" userId="c88d6a6d0bf8cbbf" providerId="LiveId" clId="{FF6329F3-2AD5-477E-8ADF-192E10221DA6}" dt="2023-04-24T15:28:30.968" v="4257" actId="20577"/>
         <pc:sldMkLst>
           <pc:docMk/>
           <pc:sldMk cId="3507767977" sldId="274"/>
@@ -1029,7 +1029,7 @@
           </ac:spMkLst>
         </pc:spChg>
         <pc:spChg chg="add mod">
-          <ac:chgData name="Jonas Heilig" userId="c88d6a6d0bf8cbbf" providerId="LiveId" clId="{FF6329F3-2AD5-477E-8ADF-192E10221DA6}" dt="2023-04-20T17:46:49.973" v="1405" actId="1076"/>
+          <ac:chgData name="Jonas Heilig" userId="c88d6a6d0bf8cbbf" providerId="LiveId" clId="{FF6329F3-2AD5-477E-8ADF-192E10221DA6}" dt="2023-04-24T15:28:30.968" v="4257" actId="20577"/>
           <ac:spMkLst>
             <pc:docMk/>
             <pc:sldMk cId="3507767977" sldId="274"/>
@@ -1099,13 +1099,13 @@
         </pc:sldMkLst>
       </pc:sldChg>
       <pc:sldChg chg="addSp delSp modSp new mod modAnim">
-        <pc:chgData name="Jonas Heilig" userId="c88d6a6d0bf8cbbf" providerId="LiveId" clId="{FF6329F3-2AD5-477E-8ADF-192E10221DA6}" dt="2023-04-23T15:38:35.328" v="3838"/>
+        <pc:chgData name="Jonas Heilig" userId="c88d6a6d0bf8cbbf" providerId="LiveId" clId="{FF6329F3-2AD5-477E-8ADF-192E10221DA6}" dt="2023-04-24T15:35:40.115" v="4279" actId="20577"/>
         <pc:sldMkLst>
           <pc:docMk/>
           <pc:sldMk cId="3848447049" sldId="277"/>
         </pc:sldMkLst>
         <pc:spChg chg="mod">
-          <ac:chgData name="Jonas Heilig" userId="c88d6a6d0bf8cbbf" providerId="LiveId" clId="{FF6329F3-2AD5-477E-8ADF-192E10221DA6}" dt="2023-04-22T16:56:01.991" v="1851" actId="1076"/>
+          <ac:chgData name="Jonas Heilig" userId="c88d6a6d0bf8cbbf" providerId="LiveId" clId="{FF6329F3-2AD5-477E-8ADF-192E10221DA6}" dt="2023-04-24T15:35:40.115" v="4279" actId="20577"/>
           <ac:spMkLst>
             <pc:docMk/>
             <pc:sldMk cId="3848447049" sldId="277"/>
@@ -1298,13 +1298,13 @@
         </pc:spChg>
       </pc:sldChg>
       <pc:sldChg chg="addSp modSp add mod ord modAnim">
-        <pc:chgData name="Jonas Heilig" userId="c88d6a6d0bf8cbbf" providerId="LiveId" clId="{FF6329F3-2AD5-477E-8ADF-192E10221DA6}" dt="2023-04-23T15:41:22.261" v="3872"/>
+        <pc:chgData name="Jonas Heilig" userId="c88d6a6d0bf8cbbf" providerId="LiveId" clId="{FF6329F3-2AD5-477E-8ADF-192E10221DA6}" dt="2023-04-24T15:37:17.323" v="4309" actId="20577"/>
         <pc:sldMkLst>
           <pc:docMk/>
           <pc:sldMk cId="68886031" sldId="286"/>
         </pc:sldMkLst>
         <pc:spChg chg="mod">
-          <ac:chgData name="Jonas Heilig" userId="c88d6a6d0bf8cbbf" providerId="LiveId" clId="{FF6329F3-2AD5-477E-8ADF-192E10221DA6}" dt="2023-04-23T05:32:16.273" v="2382" actId="20577"/>
+          <ac:chgData name="Jonas Heilig" userId="c88d6a6d0bf8cbbf" providerId="LiveId" clId="{FF6329F3-2AD5-477E-8ADF-192E10221DA6}" dt="2023-04-24T15:37:17.323" v="4309" actId="20577"/>
           <ac:spMkLst>
             <pc:docMk/>
             <pc:sldMk cId="68886031" sldId="286"/>
@@ -10087,7 +10087,7 @@
             <a:pPr algn="ctr"/>
             <a:r>
               <a:rPr lang="de-DE" dirty="0"/>
-              <a:t>Die Lösung --- Der Wiederstand</a:t>
+              <a:t>Die Lösung --- Der Widerstand</a:t>
             </a:r>
           </a:p>
         </p:txBody>
@@ -10630,7 +10630,7 @@
             <a:pPr algn="ctr"/>
             <a:r>
               <a:rPr lang="de-DE" sz="5400" b="1" dirty="0"/>
-              <a:t>(V - V_LED) / I</a:t>
+              <a:t>R = (V - V_LED) / I</a:t>
             </a:r>
             <a:endParaRPr lang="de-DE" sz="5400" dirty="0"/>
           </a:p>
@@ -12652,7 +12652,7 @@
             <a:pPr algn="ctr"/>
             <a:r>
               <a:rPr lang="de-DE" dirty="0"/>
-              <a:t>Was ist ein „I2C“?</a:t>
+              <a:t>Was ist ein „I2C-Schnitstelle“?</a:t>
             </a:r>
           </a:p>
         </p:txBody>
@@ -19506,8 +19506,12 @@
             <a:br>
               <a:rPr lang="de-DE" sz="4400" b="1" dirty="0"/>
             </a:br>
+            <a:r>
+              <a:rPr lang="de-DE" dirty="0"/>
+              <a:t>Schrittmotor</a:t>
+            </a:r>
             <a:br>
-              <a:rPr lang="de-DE" sz="4400" b="1" dirty="0"/>
+              <a:rPr lang="de-DE" sz="4400" b="1"/>
             </a:br>
             <a:br>
               <a:rPr lang="de-DE" sz="4400" b="1" dirty="0"/>

--- a/Arduino-PP.pptx
+++ b/Arduino-PP.pptx
@@ -164,7 +164,7 @@
 <file path=ppt/revisionInfo.xml><?xml version="1.0" encoding="utf-8"?>
 <p1510:revInfo xmlns:a="http://schemas.openxmlformats.org/drawingml/2006/main" xmlns:r="http://schemas.openxmlformats.org/officeDocument/2006/relationships" xmlns:p1510="http://schemas.microsoft.com/office/powerpoint/2015/10/main">
   <p1510:revLst>
-    <p1510:client id="{FF6329F3-2AD5-477E-8ADF-192E10221DA6}" v="256" dt="2023-04-24T15:37:17.323"/>
+    <p1510:client id="{FF6329F3-2AD5-477E-8ADF-192E10221DA6}" v="337" dt="2023-04-24T15:46:06.233"/>
   </p1510:revLst>
 </p1510:revInfo>
 </file>
@@ -579,7 +579,7 @@
   <pc:docChgLst>
     <pc:chgData name="Jonas Heilig" userId="c88d6a6d0bf8cbbf" providerId="LiveId" clId="{FF6329F3-2AD5-477E-8ADF-192E10221DA6}"/>
     <pc:docChg chg="undo custSel addSld delSld modSld sldOrd modNotesMaster">
-      <pc:chgData name="Jonas Heilig" userId="c88d6a6d0bf8cbbf" providerId="LiveId" clId="{FF6329F3-2AD5-477E-8ADF-192E10221DA6}" dt="2023-04-24T15:37:17.323" v="4309" actId="20577"/>
+      <pc:chgData name="Jonas Heilig" userId="c88d6a6d0bf8cbbf" providerId="LiveId" clId="{FF6329F3-2AD5-477E-8ADF-192E10221DA6}" dt="2023-04-24T15:46:06.232" v="4440" actId="20577"/>
       <pc:docMkLst>
         <pc:docMk/>
       </pc:docMkLst>
@@ -761,7 +761,7 @@
         </pc:picChg>
       </pc:sldChg>
       <pc:sldChg chg="addSp delSp modSp mod modAnim">
-        <pc:chgData name="Jonas Heilig" userId="c88d6a6d0bf8cbbf" providerId="LiveId" clId="{FF6329F3-2AD5-477E-8ADF-192E10221DA6}" dt="2023-04-23T15:37:12.201" v="3818"/>
+        <pc:chgData name="Jonas Heilig" userId="c88d6a6d0bf8cbbf" providerId="LiveId" clId="{FF6329F3-2AD5-477E-8ADF-192E10221DA6}" dt="2023-04-24T15:44:45.663" v="4438" actId="20577"/>
         <pc:sldMkLst>
           <pc:docMk/>
           <pc:sldMk cId="4077221750" sldId="264"/>
@@ -775,7 +775,7 @@
           </ac:spMkLst>
         </pc:spChg>
         <pc:spChg chg="mod">
-          <ac:chgData name="Jonas Heilig" userId="c88d6a6d0bf8cbbf" providerId="LiveId" clId="{FF6329F3-2AD5-477E-8ADF-192E10221DA6}" dt="2023-04-20T14:11:49.717" v="415" actId="1076"/>
+          <ac:chgData name="Jonas Heilig" userId="c88d6a6d0bf8cbbf" providerId="LiveId" clId="{FF6329F3-2AD5-477E-8ADF-192E10221DA6}" dt="2023-04-24T15:44:45.663" v="4438" actId="20577"/>
           <ac:spMkLst>
             <pc:docMk/>
             <pc:sldMk cId="4077221750" sldId="264"/>
@@ -846,13 +846,13 @@
         </pc:spChg>
       </pc:sldChg>
       <pc:sldChg chg="modSp new mod modAnim">
-        <pc:chgData name="Jonas Heilig" userId="c88d6a6d0bf8cbbf" providerId="LiveId" clId="{FF6329F3-2AD5-477E-8ADF-192E10221DA6}" dt="2023-04-24T15:35:13.497" v="4258" actId="20577"/>
+        <pc:chgData name="Jonas Heilig" userId="c88d6a6d0bf8cbbf" providerId="LiveId" clId="{FF6329F3-2AD5-477E-8ADF-192E10221DA6}" dt="2023-04-24T15:41:42.093" v="4330" actId="20577"/>
         <pc:sldMkLst>
           <pc:docMk/>
           <pc:sldMk cId="3281085665" sldId="267"/>
         </pc:sldMkLst>
         <pc:spChg chg="mod">
-          <ac:chgData name="Jonas Heilig" userId="c88d6a6d0bf8cbbf" providerId="LiveId" clId="{FF6329F3-2AD5-477E-8ADF-192E10221DA6}" dt="2023-04-24T15:35:13.497" v="4258" actId="20577"/>
+          <ac:chgData name="Jonas Heilig" userId="c88d6a6d0bf8cbbf" providerId="LiveId" clId="{FF6329F3-2AD5-477E-8ADF-192E10221DA6}" dt="2023-04-24T15:41:09.736" v="4322" actId="20577"/>
           <ac:spMkLst>
             <pc:docMk/>
             <pc:sldMk cId="3281085665" sldId="267"/>
@@ -860,7 +860,7 @@
           </ac:spMkLst>
         </pc:spChg>
         <pc:spChg chg="mod">
-          <ac:chgData name="Jonas Heilig" userId="c88d6a6d0bf8cbbf" providerId="LiveId" clId="{FF6329F3-2AD5-477E-8ADF-192E10221DA6}" dt="2023-04-20T17:47:19.570" v="1423" actId="20577"/>
+          <ac:chgData name="Jonas Heilig" userId="c88d6a6d0bf8cbbf" providerId="LiveId" clId="{FF6329F3-2AD5-477E-8ADF-192E10221DA6}" dt="2023-04-24T15:41:42.093" v="4330" actId="20577"/>
           <ac:spMkLst>
             <pc:docMk/>
             <pc:sldMk cId="3281085665" sldId="267"/>
@@ -869,7 +869,7 @@
         </pc:spChg>
       </pc:sldChg>
       <pc:sldChg chg="addSp modSp new mod modAnim">
-        <pc:chgData name="Jonas Heilig" userId="c88d6a6d0bf8cbbf" providerId="LiveId" clId="{FF6329F3-2AD5-477E-8ADF-192E10221DA6}" dt="2023-04-23T15:37:08.667" v="3817"/>
+        <pc:chgData name="Jonas Heilig" userId="c88d6a6d0bf8cbbf" providerId="LiveId" clId="{FF6329F3-2AD5-477E-8ADF-192E10221DA6}" dt="2023-04-24T15:44:30.935" v="4433" actId="313"/>
         <pc:sldMkLst>
           <pc:docMk/>
           <pc:sldMk cId="564990188" sldId="268"/>
@@ -883,7 +883,7 @@
           </ac:spMkLst>
         </pc:spChg>
         <pc:spChg chg="mod">
-          <ac:chgData name="Jonas Heilig" userId="c88d6a6d0bf8cbbf" providerId="LiveId" clId="{FF6329F3-2AD5-477E-8ADF-192E10221DA6}" dt="2023-04-20T14:40:05.894" v="1151" actId="14100"/>
+          <ac:chgData name="Jonas Heilig" userId="c88d6a6d0bf8cbbf" providerId="LiveId" clId="{FF6329F3-2AD5-477E-8ADF-192E10221DA6}" dt="2023-04-24T15:44:30.935" v="4433" actId="313"/>
           <ac:spMkLst>
             <pc:docMk/>
             <pc:sldMk cId="564990188" sldId="268"/>
@@ -999,11 +999,19 @@
         </pc:spChg>
       </pc:sldChg>
       <pc:sldChg chg="addSp delSp modSp new mod modClrScheme modAnim chgLayout">
-        <pc:chgData name="Jonas Heilig" userId="c88d6a6d0bf8cbbf" providerId="LiveId" clId="{FF6329F3-2AD5-477E-8ADF-192E10221DA6}" dt="2023-04-24T15:28:30.968" v="4257" actId="20577"/>
+        <pc:chgData name="Jonas Heilig" userId="c88d6a6d0bf8cbbf" providerId="LiveId" clId="{FF6329F3-2AD5-477E-8ADF-192E10221DA6}" dt="2023-04-24T15:43:07.340" v="4382" actId="313"/>
         <pc:sldMkLst>
           <pc:docMk/>
           <pc:sldMk cId="3507767977" sldId="274"/>
         </pc:sldMkLst>
+        <pc:spChg chg="add mod">
+          <ac:chgData name="Jonas Heilig" userId="c88d6a6d0bf8cbbf" providerId="LiveId" clId="{FF6329F3-2AD5-477E-8ADF-192E10221DA6}" dt="2023-04-24T15:43:07.340" v="4382" actId="313"/>
+          <ac:spMkLst>
+            <pc:docMk/>
+            <pc:sldMk cId="3507767977" sldId="274"/>
+            <ac:spMk id="2" creationId="{319B2DFB-5A9A-A04C-CEA3-7F3CA2783063}"/>
+          </ac:spMkLst>
+        </pc:spChg>
         <pc:spChg chg="del mod ord">
           <ac:chgData name="Jonas Heilig" userId="c88d6a6d0bf8cbbf" providerId="LiveId" clId="{FF6329F3-2AD5-477E-8ADF-192E10221DA6}" dt="2023-04-20T17:45:44.766" v="1374" actId="700"/>
           <ac:spMkLst>
@@ -1099,13 +1107,13 @@
         </pc:sldMkLst>
       </pc:sldChg>
       <pc:sldChg chg="addSp delSp modSp new mod modAnim">
-        <pc:chgData name="Jonas Heilig" userId="c88d6a6d0bf8cbbf" providerId="LiveId" clId="{FF6329F3-2AD5-477E-8ADF-192E10221DA6}" dt="2023-04-24T15:35:40.115" v="4279" actId="20577"/>
+        <pc:chgData name="Jonas Heilig" userId="c88d6a6d0bf8cbbf" providerId="LiveId" clId="{FF6329F3-2AD5-477E-8ADF-192E10221DA6}" dt="2023-04-24T15:46:06.232" v="4440" actId="20577"/>
         <pc:sldMkLst>
           <pc:docMk/>
           <pc:sldMk cId="3848447049" sldId="277"/>
         </pc:sldMkLst>
         <pc:spChg chg="mod">
-          <ac:chgData name="Jonas Heilig" userId="c88d6a6d0bf8cbbf" providerId="LiveId" clId="{FF6329F3-2AD5-477E-8ADF-192E10221DA6}" dt="2023-04-24T15:35:40.115" v="4279" actId="20577"/>
+          <ac:chgData name="Jonas Heilig" userId="c88d6a6d0bf8cbbf" providerId="LiveId" clId="{FF6329F3-2AD5-477E-8ADF-192E10221DA6}" dt="2023-04-24T15:46:06.232" v="4440" actId="20577"/>
           <ac:spMkLst>
             <pc:docMk/>
             <pc:sldMk cId="3848447049" sldId="277"/>
@@ -10087,7 +10095,7 @@
             <a:pPr algn="ctr"/>
             <a:r>
               <a:rPr lang="de-DE" dirty="0"/>
-              <a:t>Die Lösung --- Der Widerstand</a:t>
+              <a:t>Die Lösung --- Ein Vorwiderstand</a:t>
             </a:r>
           </a:p>
         </p:txBody>
@@ -10120,7 +10128,7 @@
             </a:pPr>
             <a:r>
               <a:rPr lang="de-DE" dirty="0"/>
-              <a:t>Wie errechnet man den Wiederstand?</a:t>
+              <a:t>Wie errechnet man den Widerstand?</a:t>
             </a:r>
           </a:p>
           <a:p>
@@ -10129,7 +10137,7 @@
             </a:pPr>
             <a:r>
               <a:rPr lang="de-DE" dirty="0"/>
-              <a:t>Man benötigt dafür drei daten:</a:t>
+              <a:t>Man benötigt dafür drei Werte:</a:t>
             </a:r>
           </a:p>
           <a:p>
@@ -10636,6 +10644,42 @@
           </a:p>
         </p:txBody>
       </p:sp>
+      <p:sp>
+        <p:nvSpPr>
+          <p:cNvPr id="2" name="Textfeld 1">
+            <a:extLst>
+              <a:ext uri="{FF2B5EF4-FFF2-40B4-BE49-F238E27FC236}">
+                <a16:creationId xmlns:a16="http://schemas.microsoft.com/office/drawing/2014/main" id="{319B2DFB-5A9A-A04C-CEA3-7F3CA2783063}"/>
+              </a:ext>
+            </a:extLst>
+          </p:cNvPr>
+          <p:cNvSpPr txBox="1"/>
+          <p:nvPr/>
+        </p:nvSpPr>
+        <p:spPr>
+          <a:xfrm>
+            <a:off x="3773260" y="4457700"/>
+            <a:ext cx="4645479" cy="369332"/>
+          </a:xfrm>
+          <a:prstGeom prst="rect">
+            <a:avLst/>
+          </a:prstGeom>
+          <a:noFill/>
+        </p:spPr>
+        <p:txBody>
+          <a:bodyPr wrap="square" rtlCol="0">
+            <a:spAutoFit/>
+          </a:bodyPr>
+          <a:lstStyle/>
+          <a:p>
+            <a:pPr algn="ctr"/>
+            <a:r>
+              <a:rPr lang="de-DE" dirty="0"/>
+              <a:t>(Das Ohmsche Gesetz)</a:t>
+            </a:r>
+          </a:p>
+        </p:txBody>
+      </p:sp>
     </p:spTree>
     <p:extLst>
       <p:ext uri="{BB962C8B-B14F-4D97-AF65-F5344CB8AC3E}">
@@ -11168,13 +11212,13 @@
           <a:p>
             <a:r>
               <a:rPr lang="de-DE" dirty="0"/>
-              <a:t>Wiederstand zwischen Anode und Positive Stromquelle </a:t>
+              <a:t>Widerstand zwischen Anode und Pluspol Batterie</a:t>
             </a:r>
           </a:p>
           <a:p>
             <a:r>
               <a:rPr lang="de-DE" dirty="0"/>
-              <a:t>Strom Quelle Anschließen</a:t>
+              <a:t>Stromquelle anschließen</a:t>
             </a:r>
           </a:p>
           <a:p>
@@ -12652,7 +12696,7 @@
             <a:pPr algn="ctr"/>
             <a:r>
               <a:rPr lang="de-DE" dirty="0"/>
-              <a:t>Was ist ein „I2C-Schnitstelle“?</a:t>
+              <a:t>Was ist eine „I2C-Schnittstelle“?</a:t>
             </a:r>
           </a:p>
         </p:txBody>
@@ -34103,7 +34147,7 @@
           <a:p>
             <a:r>
               <a:rPr lang="de-DE" dirty="0"/>
-              <a:t>Strom Quelle Anschließen</a:t>
+              <a:t>Stromquelle anschließen</a:t>
             </a:r>
           </a:p>
         </p:txBody>

--- a/Arduino-PP.pptx
+++ b/Arduino-PP.pptx
@@ -164,7 +164,7 @@
 <file path=ppt/revisionInfo.xml><?xml version="1.0" encoding="utf-8"?>
 <p1510:revInfo xmlns:a="http://schemas.openxmlformats.org/drawingml/2006/main" xmlns:r="http://schemas.openxmlformats.org/officeDocument/2006/relationships" xmlns:p1510="http://schemas.microsoft.com/office/powerpoint/2015/10/main">
   <p1510:revLst>
-    <p1510:client id="{FF6329F3-2AD5-477E-8ADF-192E10221DA6}" v="337" dt="2023-04-24T15:46:06.233"/>
+    <p1510:client id="{FF6329F3-2AD5-477E-8ADF-192E10221DA6}" v="360" dt="2023-04-24T17:09:34.857"/>
   </p1510:revLst>
 </p1510:revInfo>
 </file>
@@ -579,7 +579,7 @@
   <pc:docChgLst>
     <pc:chgData name="Jonas Heilig" userId="c88d6a6d0bf8cbbf" providerId="LiveId" clId="{FF6329F3-2AD5-477E-8ADF-192E10221DA6}"/>
     <pc:docChg chg="undo custSel addSld delSld modSld sldOrd modNotesMaster">
-      <pc:chgData name="Jonas Heilig" userId="c88d6a6d0bf8cbbf" providerId="LiveId" clId="{FF6329F3-2AD5-477E-8ADF-192E10221DA6}" dt="2023-04-24T15:46:06.232" v="4440" actId="20577"/>
+      <pc:chgData name="Jonas Heilig" userId="c88d6a6d0bf8cbbf" providerId="LiveId" clId="{FF6329F3-2AD5-477E-8ADF-192E10221DA6}" dt="2023-04-24T17:11:26.062" v="4488" actId="122"/>
       <pc:docMkLst>
         <pc:docMk/>
       </pc:docMkLst>
@@ -1813,7 +1813,7 @@
         </pc:spChg>
       </pc:sldChg>
       <pc:sldChg chg="addSp modSp new mod modAnim">
-        <pc:chgData name="Jonas Heilig" userId="c88d6a6d0bf8cbbf" providerId="LiveId" clId="{FF6329F3-2AD5-477E-8ADF-192E10221DA6}" dt="2023-04-23T15:51:40.348" v="4215"/>
+        <pc:chgData name="Jonas Heilig" userId="c88d6a6d0bf8cbbf" providerId="LiveId" clId="{FF6329F3-2AD5-477E-8ADF-192E10221DA6}" dt="2023-04-24T17:09:34.857" v="4463" actId="20577"/>
         <pc:sldMkLst>
           <pc:docMk/>
           <pc:sldMk cId="1013835917" sldId="305"/>
@@ -1843,7 +1843,7 @@
           </ac:spMkLst>
         </pc:spChg>
         <pc:spChg chg="add mod">
-          <ac:chgData name="Jonas Heilig" userId="c88d6a6d0bf8cbbf" providerId="LiveId" clId="{FF6329F3-2AD5-477E-8ADF-192E10221DA6}" dt="2023-04-23T15:50:50.944" v="4141" actId="1076"/>
+          <ac:chgData name="Jonas Heilig" userId="c88d6a6d0bf8cbbf" providerId="LiveId" clId="{FF6329F3-2AD5-477E-8ADF-192E10221DA6}" dt="2023-04-24T17:09:34.857" v="4463" actId="20577"/>
           <ac:spMkLst>
             <pc:docMk/>
             <pc:sldMk cId="1013835917" sldId="305"/>
@@ -1852,13 +1852,13 @@
         </pc:spChg>
       </pc:sldChg>
       <pc:sldChg chg="addSp modSp new mod setBg">
-        <pc:chgData name="Jonas Heilig" userId="c88d6a6d0bf8cbbf" providerId="LiveId" clId="{FF6329F3-2AD5-477E-8ADF-192E10221DA6}" dt="2023-04-24T15:08:53.334" v="4253" actId="1076"/>
+        <pc:chgData name="Jonas Heilig" userId="c88d6a6d0bf8cbbf" providerId="LiveId" clId="{FF6329F3-2AD5-477E-8ADF-192E10221DA6}" dt="2023-04-24T17:11:26.062" v="4488" actId="122"/>
         <pc:sldMkLst>
           <pc:docMk/>
           <pc:sldMk cId="2299786883" sldId="306"/>
         </pc:sldMkLst>
         <pc:spChg chg="add mod">
-          <ac:chgData name="Jonas Heilig" userId="c88d6a6d0bf8cbbf" providerId="LiveId" clId="{FF6329F3-2AD5-477E-8ADF-192E10221DA6}" dt="2023-04-24T15:08:53.334" v="4253" actId="1076"/>
+          <ac:chgData name="Jonas Heilig" userId="c88d6a6d0bf8cbbf" providerId="LiveId" clId="{FF6329F3-2AD5-477E-8ADF-192E10221DA6}" dt="2023-04-24T17:11:26.062" v="4488" actId="122"/>
           <ac:spMkLst>
             <pc:docMk/>
             <pc:sldMk cId="2299786883" sldId="306"/>
@@ -32607,7 +32607,7 @@
           <a:p>
             <a:r>
               <a:rPr lang="de-DE" sz="2800" dirty="0"/>
-              <a:t>Was machen die Verwendeten Bauelemente?</a:t>
+              <a:t>Was macht das Verwendet Bauelemente? (DF-Player)</a:t>
             </a:r>
           </a:p>
         </p:txBody>
@@ -33019,7 +33019,7 @@
         <p:spPr>
           <a:xfrm>
             <a:off x="4046764" y="3013501"/>
-            <a:ext cx="4098471" cy="830997"/>
+            <a:ext cx="4098471" cy="1569660"/>
           </a:xfrm>
           <a:prstGeom prst="rect">
             <a:avLst/>
@@ -33032,13 +33032,14 @@
           </a:bodyPr>
           <a:lstStyle/>
           <a:p>
+            <a:pPr algn="ctr"/>
             <a:r>
               <a:rPr lang="de-DE" sz="4800" dirty="0">
                 <a:solidFill>
                   <a:schemeClr val="bg1"/>
                 </a:solidFill>
               </a:rPr>
-              <a:t>Ende &amp; Fragen</a:t>
+              <a:t>Habt ihr noch Fragen?</a:t>
             </a:r>
           </a:p>
         </p:txBody>

--- a/Arduino-PP.pptx
+++ b/Arduino-PP.pptx
@@ -57,7 +57,7 @@
     <p:sldId id="257" r:id="rId48"/>
   </p:sldIdLst>
   <p:sldSz cx="12192000" cy="6858000"/>
-  <p:notesSz cx="6797675" cy="9928225"/>
+  <p:notesSz cx="9928225" cy="6797675"/>
   <p:defaultTextStyle>
     <a:defPPr>
       <a:defRPr lang="de-DE"/>
@@ -164,7 +164,7 @@
 <file path=ppt/revisionInfo.xml><?xml version="1.0" encoding="utf-8"?>
 <p1510:revInfo xmlns:a="http://schemas.openxmlformats.org/drawingml/2006/main" xmlns:r="http://schemas.openxmlformats.org/officeDocument/2006/relationships" xmlns:p1510="http://schemas.microsoft.com/office/powerpoint/2015/10/main">
   <p1510:revLst>
-    <p1510:client id="{FF6329F3-2AD5-477E-8ADF-192E10221DA6}" v="360" dt="2023-04-24T17:09:34.857"/>
+    <p1510:client id="{FF6329F3-2AD5-477E-8ADF-192E10221DA6}" v="361" dt="2023-04-24T17:39:09.897"/>
   </p1510:revLst>
 </p1510:revInfo>
 </file>
@@ -172,414 +172,432 @@
 <file path=ppt/changesInfos/changesInfo1.xml><?xml version="1.0" encoding="utf-8"?>
 <pc:chgInfo xmlns:a="http://schemas.openxmlformats.org/drawingml/2006/main" xmlns:r="http://schemas.openxmlformats.org/officeDocument/2006/relationships" xmlns:ac="http://schemas.microsoft.com/office/drawing/2013/main/command" xmlns:pc="http://schemas.microsoft.com/office/powerpoint/2013/main/command">
   <pc:docChgLst>
-    <pc:chgData name="Jonas Heilig" userId="c88d6a6d0bf8cbbf" providerId="LiveId" clId="{07F6A8F3-3CDF-6A4A-B5AD-98839B57D09B}"/>
-    <pc:docChg chg="undo custSel addSld delSld modSld">
-      <pc:chgData name="Jonas Heilig" userId="c88d6a6d0bf8cbbf" providerId="LiveId" clId="{07F6A8F3-3CDF-6A4A-B5AD-98839B57D09B}" dt="2022-12-31T08:38:33.748" v="246" actId="20577"/>
+    <pc:chgData name="Jonas Heilig" userId="c88d6a6d0bf8cbbf" providerId="LiveId" clId="{8FAB23F0-ADE3-47C6-8875-5BCBBF6293AC}"/>
+    <pc:docChg chg="undo custSel addSld delSld modSld sldOrd modMainMaster">
+      <pc:chgData name="Jonas Heilig" userId="c88d6a6d0bf8cbbf" providerId="LiveId" clId="{8FAB23F0-ADE3-47C6-8875-5BCBBF6293AC}" dt="2023-04-04T09:49:47.908" v="1842" actId="20577"/>
       <pc:docMkLst>
         <pc:docMk/>
       </pc:docMkLst>
-      <pc:sldChg chg="addSp modSp">
-        <pc:chgData name="Jonas Heilig" userId="c88d6a6d0bf8cbbf" providerId="LiveId" clId="{07F6A8F3-3CDF-6A4A-B5AD-98839B57D09B}" dt="2022-12-30T09:29:56.303" v="121" actId="14100"/>
+      <pc:sldChg chg="addSp delSp modSp mod setBg">
+        <pc:chgData name="Jonas Heilig" userId="c88d6a6d0bf8cbbf" providerId="LiveId" clId="{8FAB23F0-ADE3-47C6-8875-5BCBBF6293AC}" dt="2023-04-04T09:35:55.260" v="1657" actId="1076"/>
         <pc:sldMkLst>
           <pc:docMk/>
           <pc:sldMk cId="2532186171" sldId="257"/>
         </pc:sldMkLst>
-        <pc:spChg chg="add">
-          <ac:chgData name="Jonas Heilig" userId="c88d6a6d0bf8cbbf" providerId="LiveId" clId="{07F6A8F3-3CDF-6A4A-B5AD-98839B57D09B}" dt="2022-12-30T09:28:34.631" v="13" actId="139"/>
-          <ac:spMkLst>
-            <pc:docMk/>
-            <pc:sldMk cId="2532186171" sldId="257"/>
-            <ac:spMk id="4" creationId="{098AAC6E-88FB-9199-7024-6D86C199007D}"/>
-          </ac:spMkLst>
-        </pc:spChg>
-        <pc:spChg chg="add mod">
-          <ac:chgData name="Jonas Heilig" userId="c88d6a6d0bf8cbbf" providerId="LiveId" clId="{07F6A8F3-3CDF-6A4A-B5AD-98839B57D09B}" dt="2022-12-30T09:29:56.303" v="121" actId="14100"/>
+        <pc:spChg chg="del mod">
+          <ac:chgData name="Jonas Heilig" userId="c88d6a6d0bf8cbbf" providerId="LiveId" clId="{8FAB23F0-ADE3-47C6-8875-5BCBBF6293AC}" dt="2023-04-04T09:22:19.902" v="1549"/>
           <ac:spMkLst>
             <pc:docMk/>
             <pc:sldMk cId="2532186171" sldId="257"/>
             <ac:spMk id="5" creationId="{F0D73193-E896-2CFB-CF72-1F5F577CE25F}"/>
           </ac:spMkLst>
         </pc:spChg>
+        <pc:spChg chg="add mod">
+          <ac:chgData name="Jonas Heilig" userId="c88d6a6d0bf8cbbf" providerId="LiveId" clId="{8FAB23F0-ADE3-47C6-8875-5BCBBF6293AC}" dt="2023-04-04T09:35:55.260" v="1657" actId="1076"/>
+          <ac:spMkLst>
+            <pc:docMk/>
+            <pc:sldMk cId="2532186171" sldId="257"/>
+            <ac:spMk id="7" creationId="{D491E141-84B2-048A-85B0-25FA58CC9C82}"/>
+          </ac:spMkLst>
+        </pc:spChg>
       </pc:sldChg>
-      <pc:sldChg chg="addSp delSp">
-        <pc:chgData name="Jonas Heilig" userId="c88d6a6d0bf8cbbf" providerId="LiveId" clId="{07F6A8F3-3CDF-6A4A-B5AD-98839B57D09B}" dt="2022-12-30T09:28:12.974" v="12"/>
+      <pc:sldChg chg="addSp delSp modSp mod setBg addAnim delAnim">
+        <pc:chgData name="Jonas Heilig" userId="c88d6a6d0bf8cbbf" providerId="LiveId" clId="{8FAB23F0-ADE3-47C6-8875-5BCBBF6293AC}" dt="2023-04-04T09:11:22.006" v="1351" actId="14861"/>
         <pc:sldMkLst>
           <pc:docMk/>
           <pc:sldMk cId="3141509305" sldId="258"/>
         </pc:sldMkLst>
-        <pc:inkChg chg="add del">
-          <ac:chgData name="Jonas Heilig" userId="c88d6a6d0bf8cbbf" providerId="LiveId" clId="{07F6A8F3-3CDF-6A4A-B5AD-98839B57D09B}" dt="2022-12-30T09:28:12.974" v="12"/>
-          <ac:inkMkLst>
+        <pc:spChg chg="add del mod">
+          <ac:chgData name="Jonas Heilig" userId="c88d6a6d0bf8cbbf" providerId="LiveId" clId="{8FAB23F0-ADE3-47C6-8875-5BCBBF6293AC}" dt="2023-04-04T08:44:39.023" v="73"/>
+          <ac:spMkLst>
             <pc:docMk/>
             <pc:sldMk cId="3141509305" sldId="258"/>
-            <ac:inkMk id="2" creationId="{69B19C71-BAA9-75FE-9617-2520D11B9666}"/>
-          </ac:inkMkLst>
-        </pc:inkChg>
-        <pc:inkChg chg="add del">
-          <ac:chgData name="Jonas Heilig" userId="c88d6a6d0bf8cbbf" providerId="LiveId" clId="{07F6A8F3-3CDF-6A4A-B5AD-98839B57D09B}" dt="2022-12-29T12:05:06.187" v="2"/>
-          <ac:inkMkLst>
+            <ac:spMk id="2" creationId="{35E3091F-BC7E-B038-1A89-BAB4B11BC426}"/>
+          </ac:spMkLst>
+        </pc:spChg>
+        <pc:spChg chg="mod">
+          <ac:chgData name="Jonas Heilig" userId="c88d6a6d0bf8cbbf" providerId="LiveId" clId="{8FAB23F0-ADE3-47C6-8875-5BCBBF6293AC}" dt="2023-04-04T09:08:28.073" v="1321" actId="1076"/>
+          <ac:spMkLst>
             <pc:docMk/>
             <pc:sldMk cId="3141509305" sldId="258"/>
-            <ac:inkMk id="2" creationId="{FA5B281E-5C32-0AB6-BA91-7A35DBAB50FE}"/>
-          </ac:inkMkLst>
-        </pc:inkChg>
-        <pc:inkChg chg="add del">
-          <ac:chgData name="Jonas Heilig" userId="c88d6a6d0bf8cbbf" providerId="LiveId" clId="{07F6A8F3-3CDF-6A4A-B5AD-98839B57D09B}" dt="2022-12-29T12:05:06.187" v="2"/>
-          <ac:inkMkLst>
+            <ac:spMk id="3" creationId="{BF19C5DE-A2EA-80EC-B665-8FEB6C1C32F6}"/>
+          </ac:spMkLst>
+        </pc:spChg>
+        <pc:spChg chg="del mod">
+          <ac:chgData name="Jonas Heilig" userId="c88d6a6d0bf8cbbf" providerId="LiveId" clId="{8FAB23F0-ADE3-47C6-8875-5BCBBF6293AC}" dt="2023-04-04T09:10:40.496" v="1344"/>
+          <ac:spMkLst>
             <pc:docMk/>
             <pc:sldMk cId="3141509305" sldId="258"/>
-            <ac:inkMk id="5" creationId="{CA06ADA4-4FF7-938E-89D3-C2FDEF4D0B9C}"/>
-          </ac:inkMkLst>
-        </pc:inkChg>
-        <pc:inkChg chg="add del reco">
-          <ac:chgData name="Jonas Heilig" userId="c88d6a6d0bf8cbbf" providerId="LiveId" clId="{07F6A8F3-3CDF-6A4A-B5AD-98839B57D09B}" dt="2022-12-29T12:06:05.534" v="10"/>
-          <ac:inkMkLst>
+            <ac:spMk id="4" creationId="{4462AFAA-242E-1E72-E91A-312554ED6053}"/>
+          </ac:spMkLst>
+        </pc:spChg>
+        <pc:spChg chg="add del">
+          <ac:chgData name="Jonas Heilig" userId="c88d6a6d0bf8cbbf" providerId="LiveId" clId="{8FAB23F0-ADE3-47C6-8875-5BCBBF6293AC}" dt="2023-04-04T08:51:48.502" v="1020" actId="22"/>
+          <ac:spMkLst>
             <pc:docMk/>
             <pc:sldMk cId="3141509305" sldId="258"/>
-            <ac:inkMk id="6" creationId="{5FF0005E-C627-018E-66A0-2AB06D79BBE3}"/>
-          </ac:inkMkLst>
-        </pc:inkChg>
-        <pc:inkChg chg="add del">
-          <ac:chgData name="Jonas Heilig" userId="c88d6a6d0bf8cbbf" providerId="LiveId" clId="{07F6A8F3-3CDF-6A4A-B5AD-98839B57D09B}" dt="2022-12-29T12:05:12.635" v="9"/>
-          <ac:inkMkLst>
+            <ac:spMk id="7" creationId="{628E1919-174A-2025-8A22-3134C85C73BE}"/>
+          </ac:spMkLst>
+        </pc:spChg>
+        <pc:spChg chg="add mod">
+          <ac:chgData name="Jonas Heilig" userId="c88d6a6d0bf8cbbf" providerId="LiveId" clId="{8FAB23F0-ADE3-47C6-8875-5BCBBF6293AC}" dt="2023-04-04T09:11:22.006" v="1351" actId="14861"/>
+          <ac:spMkLst>
             <pc:docMk/>
             <pc:sldMk cId="3141509305" sldId="258"/>
-            <ac:inkMk id="7" creationId="{1F9F1CEA-6C12-D292-B989-98BA43EA6FB9}"/>
-          </ac:inkMkLst>
-        </pc:inkChg>
-        <pc:inkChg chg="add del">
-          <ac:chgData name="Jonas Heilig" userId="c88d6a6d0bf8cbbf" providerId="LiveId" clId="{07F6A8F3-3CDF-6A4A-B5AD-98839B57D09B}" dt="2022-12-29T12:05:10.245" v="8"/>
-          <ac:inkMkLst>
+            <ac:spMk id="8" creationId="{324D693F-C1A7-E7E8-88FF-0722D96E2E77}"/>
+          </ac:spMkLst>
+        </pc:spChg>
+        <pc:graphicFrameChg chg="add del mod modGraphic">
+          <ac:chgData name="Jonas Heilig" userId="c88d6a6d0bf8cbbf" providerId="LiveId" clId="{8FAB23F0-ADE3-47C6-8875-5BCBBF6293AC}" dt="2023-04-04T08:47:02.761" v="80" actId="478"/>
+          <ac:graphicFrameMkLst>
             <pc:docMk/>
             <pc:sldMk cId="3141509305" sldId="258"/>
-            <ac:inkMk id="8" creationId="{837E2EE7-7AA9-3D9F-304C-335E85EAEB40}"/>
-          </ac:inkMkLst>
-        </pc:inkChg>
-        <pc:inkChg chg="add del">
-          <ac:chgData name="Jonas Heilig" userId="c88d6a6d0bf8cbbf" providerId="LiveId" clId="{07F6A8F3-3CDF-6A4A-B5AD-98839B57D09B}" dt="2022-12-29T12:05:10.087" v="7"/>
-          <ac:inkMkLst>
-            <pc:docMk/>
-            <pc:sldMk cId="3141509305" sldId="258"/>
-            <ac:inkMk id="9" creationId="{069B5179-F030-D288-54F6-D6AB2021EC99}"/>
-          </ac:inkMkLst>
-        </pc:inkChg>
-        <pc:inkChg chg="add del reco">
-          <ac:chgData name="Jonas Heilig" userId="c88d6a6d0bf8cbbf" providerId="LiveId" clId="{07F6A8F3-3CDF-6A4A-B5AD-98839B57D09B}" dt="2022-12-29T12:05:10.087" v="7"/>
-          <ac:inkMkLst>
-            <pc:docMk/>
-            <pc:sldMk cId="3141509305" sldId="258"/>
-            <ac:inkMk id="10" creationId="{03521B74-3471-D845-9865-EF4E5659FB14}"/>
-          </ac:inkMkLst>
-        </pc:inkChg>
+            <ac:graphicFrameMk id="5" creationId="{8B13809C-D61F-B8C2-0DEE-CBA575384E43}"/>
+          </ac:graphicFrameMkLst>
+        </pc:graphicFrameChg>
       </pc:sldChg>
-      <pc:sldChg chg="new del">
-        <pc:chgData name="Jonas Heilig" userId="c88d6a6d0bf8cbbf" providerId="LiveId" clId="{07F6A8F3-3CDF-6A4A-B5AD-98839B57D09B}" dt="2022-12-31T08:28:03.064" v="123" actId="680"/>
-        <pc:sldMkLst>
-          <pc:docMk/>
-          <pc:sldMk cId="469737624" sldId="259"/>
-        </pc:sldMkLst>
-      </pc:sldChg>
-      <pc:sldChg chg="addSp delSp modSp new">
-        <pc:chgData name="Jonas Heilig" userId="c88d6a6d0bf8cbbf" providerId="LiveId" clId="{07F6A8F3-3CDF-6A4A-B5AD-98839B57D09B}" dt="2022-12-31T08:38:33.748" v="246" actId="20577"/>
+      <pc:sldChg chg="addSp delSp modSp mod">
+        <pc:chgData name="Jonas Heilig" userId="c88d6a6d0bf8cbbf" providerId="LiveId" clId="{8FAB23F0-ADE3-47C6-8875-5BCBBF6293AC}" dt="2023-04-04T09:22:06.270" v="1546" actId="1076"/>
         <pc:sldMkLst>
           <pc:docMk/>
           <pc:sldMk cId="3832334216" sldId="259"/>
         </pc:sldMkLst>
         <pc:spChg chg="add mod">
-          <ac:chgData name="Jonas Heilig" userId="c88d6a6d0bf8cbbf" providerId="LiveId" clId="{07F6A8F3-3CDF-6A4A-B5AD-98839B57D09B}" dt="2022-12-31T08:37:39.786" v="230" actId="1076"/>
+          <ac:chgData name="Jonas Heilig" userId="c88d6a6d0bf8cbbf" providerId="LiveId" clId="{8FAB23F0-ADE3-47C6-8875-5BCBBF6293AC}" dt="2023-04-04T09:22:06.270" v="1546" actId="1076"/>
+          <ac:spMkLst>
+            <pc:docMk/>
+            <pc:sldMk cId="3832334216" sldId="259"/>
+            <ac:spMk id="2" creationId="{342E9493-DD10-EFA4-79E0-DBD85BFDC267}"/>
+          </ac:spMkLst>
+        </pc:spChg>
+        <pc:spChg chg="mod">
+          <ac:chgData name="Jonas Heilig" userId="c88d6a6d0bf8cbbf" providerId="LiveId" clId="{8FAB23F0-ADE3-47C6-8875-5BCBBF6293AC}" dt="2023-04-04T09:12:57.521" v="1384" actId="1076"/>
           <ac:spMkLst>
             <pc:docMk/>
             <pc:sldMk cId="3832334216" sldId="259"/>
             <ac:spMk id="5" creationId="{4479643A-6CD3-43B6-BB5D-3EAF0CE97B4C}"/>
           </ac:spMkLst>
         </pc:spChg>
-        <pc:spChg chg="add mod">
-          <ac:chgData name="Jonas Heilig" userId="c88d6a6d0bf8cbbf" providerId="LiveId" clId="{07F6A8F3-3CDF-6A4A-B5AD-98839B57D09B}" dt="2022-12-31T08:38:33.748" v="246" actId="20577"/>
+        <pc:spChg chg="del mod">
+          <ac:chgData name="Jonas Heilig" userId="c88d6a6d0bf8cbbf" providerId="LiveId" clId="{8FAB23F0-ADE3-47C6-8875-5BCBBF6293AC}" dt="2023-04-04T09:12:44.776" v="1383"/>
           <ac:spMkLst>
             <pc:docMk/>
             <pc:sldMk cId="3832334216" sldId="259"/>
             <ac:spMk id="15" creationId="{03FB0F51-1FD1-400E-A958-7C21C22FB126}"/>
           </ac:spMkLst>
         </pc:spChg>
-        <pc:spChg chg="add del">
-          <ac:chgData name="Jonas Heilig" userId="c88d6a6d0bf8cbbf" providerId="LiveId" clId="{07F6A8F3-3CDF-6A4A-B5AD-98839B57D09B}" dt="2022-12-31T08:33:40.863" v="176" actId="34124"/>
-          <ac:spMkLst>
-            <pc:docMk/>
-            <pc:sldMk cId="3832334216" sldId="259"/>
-            <ac:spMk id="16" creationId="{78F56B15-F059-4BA5-85B3-A7D37FACBBDB}"/>
-          </ac:spMkLst>
-        </pc:spChg>
-        <pc:spChg chg="add mod">
-          <ac:chgData name="Jonas Heilig" userId="c88d6a6d0bf8cbbf" providerId="LiveId" clId="{07F6A8F3-3CDF-6A4A-B5AD-98839B57D09B}" dt="2022-12-31T08:34:35.289" v="185" actId="20577"/>
-          <ac:spMkLst>
-            <pc:docMk/>
-            <pc:sldMk cId="3832334216" sldId="259"/>
-            <ac:spMk id="36" creationId="{DEEF936A-46C5-2434-A4A4-F5827A3FD775}"/>
-          </ac:spMkLst>
-        </pc:spChg>
-        <pc:picChg chg="add mod">
-          <ac:chgData name="Jonas Heilig" userId="c88d6a6d0bf8cbbf" providerId="LiveId" clId="{07F6A8F3-3CDF-6A4A-B5AD-98839B57D09B}" dt="2022-12-31T08:38:23.365" v="242" actId="1076"/>
-          <ac:picMkLst>
-            <pc:docMk/>
-            <pc:sldMk cId="3832334216" sldId="259"/>
-            <ac:picMk id="4" creationId="{28405CFB-B660-CAC5-AACC-8C4C2E3EEF70}"/>
-          </ac:picMkLst>
-        </pc:picChg>
-        <pc:inkChg chg="add del">
-          <ac:chgData name="Jonas Heilig" userId="c88d6a6d0bf8cbbf" providerId="LiveId" clId="{07F6A8F3-3CDF-6A4A-B5AD-98839B57D09B}" dt="2022-12-31T08:30:35.123" v="132"/>
-          <ac:inkMkLst>
-            <pc:docMk/>
-            <pc:sldMk cId="3832334216" sldId="259"/>
-            <ac:inkMk id="5" creationId="{904B23AA-A2D2-0E44-5AE5-0675CB72BB36}"/>
-          </ac:inkMkLst>
-        </pc:inkChg>
-        <pc:inkChg chg="add del">
-          <ac:chgData name="Jonas Heilig" userId="c88d6a6d0bf8cbbf" providerId="LiveId" clId="{07F6A8F3-3CDF-6A4A-B5AD-98839B57D09B}" dt="2022-12-31T08:30:34.622" v="131"/>
-          <ac:inkMkLst>
-            <pc:docMk/>
-            <pc:sldMk cId="3832334216" sldId="259"/>
-            <ac:inkMk id="6" creationId="{77A2F779-D398-24A2-3163-8CB51CA803DA}"/>
-          </ac:inkMkLst>
-        </pc:inkChg>
-        <pc:inkChg chg="add del">
-          <ac:chgData name="Jonas Heilig" userId="c88d6a6d0bf8cbbf" providerId="LiveId" clId="{07F6A8F3-3CDF-6A4A-B5AD-98839B57D09B}" dt="2022-12-31T08:30:33.929" v="130"/>
-          <ac:inkMkLst>
-            <pc:docMk/>
-            <pc:sldMk cId="3832334216" sldId="259"/>
-            <ac:inkMk id="7" creationId="{E1BB90C1-0859-0031-9B81-5B544CDB362C}"/>
-          </ac:inkMkLst>
-        </pc:inkChg>
-        <pc:inkChg chg="add del">
-          <ac:chgData name="Jonas Heilig" userId="c88d6a6d0bf8cbbf" providerId="LiveId" clId="{07F6A8F3-3CDF-6A4A-B5AD-98839B57D09B}" dt="2022-12-31T08:30:56.835" v="138"/>
-          <ac:inkMkLst>
-            <pc:docMk/>
-            <pc:sldMk cId="3832334216" sldId="259"/>
-            <ac:inkMk id="8" creationId="{A4101532-BBC6-5661-D56A-5AD3FE57C6E1}"/>
-          </ac:inkMkLst>
-        </pc:inkChg>
-        <pc:inkChg chg="add del">
-          <ac:chgData name="Jonas Heilig" userId="c88d6a6d0bf8cbbf" providerId="LiveId" clId="{07F6A8F3-3CDF-6A4A-B5AD-98839B57D09B}" dt="2022-12-31T08:31:48.662" v="158"/>
-          <ac:inkMkLst>
-            <pc:docMk/>
-            <pc:sldMk cId="3832334216" sldId="259"/>
-            <ac:inkMk id="9" creationId="{C0C830A1-61EB-4DEF-F819-F6E2E760DC6E}"/>
-          </ac:inkMkLst>
-        </pc:inkChg>
-        <pc:inkChg chg="add del">
-          <ac:chgData name="Jonas Heilig" userId="c88d6a6d0bf8cbbf" providerId="LiveId" clId="{07F6A8F3-3CDF-6A4A-B5AD-98839B57D09B}" dt="2022-12-31T08:31:48.662" v="158"/>
-          <ac:inkMkLst>
-            <pc:docMk/>
-            <pc:sldMk cId="3832334216" sldId="259"/>
-            <ac:inkMk id="10" creationId="{AF0920CD-B121-4570-1F70-4AB9690AF278}"/>
-          </ac:inkMkLst>
-        </pc:inkChg>
-        <pc:inkChg chg="add del">
-          <ac:chgData name="Jonas Heilig" userId="c88d6a6d0bf8cbbf" providerId="LiveId" clId="{07F6A8F3-3CDF-6A4A-B5AD-98839B57D09B}" dt="2022-12-31T08:31:48.662" v="158"/>
-          <ac:inkMkLst>
-            <pc:docMk/>
-            <pc:sldMk cId="3832334216" sldId="259"/>
-            <ac:inkMk id="11" creationId="{19068B21-40CE-CA61-7ECE-99A01903FB32}"/>
-          </ac:inkMkLst>
-        </pc:inkChg>
-        <pc:inkChg chg="add del">
-          <ac:chgData name="Jonas Heilig" userId="c88d6a6d0bf8cbbf" providerId="LiveId" clId="{07F6A8F3-3CDF-6A4A-B5AD-98839B57D09B}" dt="2022-12-31T08:31:48.662" v="158"/>
-          <ac:inkMkLst>
-            <pc:docMk/>
-            <pc:sldMk cId="3832334216" sldId="259"/>
-            <ac:inkMk id="12" creationId="{1D9802E7-6121-0ACC-10CC-B83F9ED8408E}"/>
-          </ac:inkMkLst>
-        </pc:inkChg>
-        <pc:inkChg chg="add del">
-          <ac:chgData name="Jonas Heilig" userId="c88d6a6d0bf8cbbf" providerId="LiveId" clId="{07F6A8F3-3CDF-6A4A-B5AD-98839B57D09B}" dt="2022-12-31T08:31:48.662" v="158"/>
-          <ac:inkMkLst>
-            <pc:docMk/>
-            <pc:sldMk cId="3832334216" sldId="259"/>
-            <ac:inkMk id="13" creationId="{43AB4872-EDEB-D44B-0349-BA24115229E1}"/>
-          </ac:inkMkLst>
-        </pc:inkChg>
-        <pc:inkChg chg="add del">
-          <ac:chgData name="Jonas Heilig" userId="c88d6a6d0bf8cbbf" providerId="LiveId" clId="{07F6A8F3-3CDF-6A4A-B5AD-98839B57D09B}" dt="2022-12-31T08:31:48.662" v="158"/>
-          <ac:inkMkLst>
-            <pc:docMk/>
-            <pc:sldMk cId="3832334216" sldId="259"/>
-            <ac:inkMk id="14" creationId="{C6636DE1-F930-EFD2-410F-215B8AD78C9C}"/>
-          </ac:inkMkLst>
-        </pc:inkChg>
-        <pc:inkChg chg="add del">
-          <ac:chgData name="Jonas Heilig" userId="c88d6a6d0bf8cbbf" providerId="LiveId" clId="{07F6A8F3-3CDF-6A4A-B5AD-98839B57D09B}" dt="2022-12-31T08:31:48.662" v="158"/>
-          <ac:inkMkLst>
-            <pc:docMk/>
-            <pc:sldMk cId="3832334216" sldId="259"/>
-            <ac:inkMk id="15" creationId="{32B4B37F-F469-C61C-DF2B-CD199F098668}"/>
-          </ac:inkMkLst>
-        </pc:inkChg>
-        <pc:inkChg chg="add del">
-          <ac:chgData name="Jonas Heilig" userId="c88d6a6d0bf8cbbf" providerId="LiveId" clId="{07F6A8F3-3CDF-6A4A-B5AD-98839B57D09B}" dt="2022-12-31T08:31:48.662" v="158"/>
-          <ac:inkMkLst>
-            <pc:docMk/>
-            <pc:sldMk cId="3832334216" sldId="259"/>
-            <ac:inkMk id="16" creationId="{1179D927-7AE0-A426-5F61-01CB54BBE027}"/>
-          </ac:inkMkLst>
-        </pc:inkChg>
-        <pc:inkChg chg="add del">
-          <ac:chgData name="Jonas Heilig" userId="c88d6a6d0bf8cbbf" providerId="LiveId" clId="{07F6A8F3-3CDF-6A4A-B5AD-98839B57D09B}" dt="2022-12-31T08:31:48.662" v="158"/>
-          <ac:inkMkLst>
-            <pc:docMk/>
-            <pc:sldMk cId="3832334216" sldId="259"/>
-            <ac:inkMk id="17" creationId="{8D1BF84F-676E-228B-0E8F-59DDC6C4F371}"/>
-          </ac:inkMkLst>
-        </pc:inkChg>
-        <pc:inkChg chg="add del">
-          <ac:chgData name="Jonas Heilig" userId="c88d6a6d0bf8cbbf" providerId="LiveId" clId="{07F6A8F3-3CDF-6A4A-B5AD-98839B57D09B}" dt="2022-12-31T08:31:48.662" v="158"/>
-          <ac:inkMkLst>
-            <pc:docMk/>
-            <pc:sldMk cId="3832334216" sldId="259"/>
-            <ac:inkMk id="18" creationId="{54EB949C-E5C5-E65C-2EBF-412C45FBCED1}"/>
-          </ac:inkMkLst>
-        </pc:inkChg>
-        <pc:inkChg chg="add del">
-          <ac:chgData name="Jonas Heilig" userId="c88d6a6d0bf8cbbf" providerId="LiveId" clId="{07F6A8F3-3CDF-6A4A-B5AD-98839B57D09B}" dt="2022-12-31T08:31:48.662" v="158"/>
-          <ac:inkMkLst>
-            <pc:docMk/>
-            <pc:sldMk cId="3832334216" sldId="259"/>
-            <ac:inkMk id="19" creationId="{CB895E04-B336-3AF1-81A1-BA76D88FB7E9}"/>
-          </ac:inkMkLst>
-        </pc:inkChg>
-        <pc:inkChg chg="add del">
-          <ac:chgData name="Jonas Heilig" userId="c88d6a6d0bf8cbbf" providerId="LiveId" clId="{07F6A8F3-3CDF-6A4A-B5AD-98839B57D09B}" dt="2022-12-31T08:31:48.662" v="158"/>
-          <ac:inkMkLst>
-            <pc:docMk/>
-            <pc:sldMk cId="3832334216" sldId="259"/>
-            <ac:inkMk id="20" creationId="{3930A81D-689D-7E6E-B27A-4070D91B04BC}"/>
-          </ac:inkMkLst>
-        </pc:inkChg>
-        <pc:inkChg chg="add del">
-          <ac:chgData name="Jonas Heilig" userId="c88d6a6d0bf8cbbf" providerId="LiveId" clId="{07F6A8F3-3CDF-6A4A-B5AD-98839B57D09B}" dt="2022-12-31T08:31:48.662" v="158"/>
-          <ac:inkMkLst>
-            <pc:docMk/>
-            <pc:sldMk cId="3832334216" sldId="259"/>
-            <ac:inkMk id="21" creationId="{21DE5EE0-7673-79E5-7025-2856CA4E5239}"/>
-          </ac:inkMkLst>
-        </pc:inkChg>
-        <pc:inkChg chg="add del">
-          <ac:chgData name="Jonas Heilig" userId="c88d6a6d0bf8cbbf" providerId="LiveId" clId="{07F6A8F3-3CDF-6A4A-B5AD-98839B57D09B}" dt="2022-12-31T08:31:48.662" v="158"/>
-          <ac:inkMkLst>
-            <pc:docMk/>
-            <pc:sldMk cId="3832334216" sldId="259"/>
-            <ac:inkMk id="22" creationId="{E006BCF5-15A8-B2D1-E80C-20062A170F90}"/>
-          </ac:inkMkLst>
-        </pc:inkChg>
-        <pc:inkChg chg="add del">
-          <ac:chgData name="Jonas Heilig" userId="c88d6a6d0bf8cbbf" providerId="LiveId" clId="{07F6A8F3-3CDF-6A4A-B5AD-98839B57D09B}" dt="2022-12-31T08:31:48.662" v="158"/>
-          <ac:inkMkLst>
-            <pc:docMk/>
-            <pc:sldMk cId="3832334216" sldId="259"/>
-            <ac:inkMk id="23" creationId="{F83475B1-D27F-37DA-F84E-CFF879CCD8C8}"/>
-          </ac:inkMkLst>
-        </pc:inkChg>
-        <pc:inkChg chg="add del">
-          <ac:chgData name="Jonas Heilig" userId="c88d6a6d0bf8cbbf" providerId="LiveId" clId="{07F6A8F3-3CDF-6A4A-B5AD-98839B57D09B}" dt="2022-12-31T08:31:48.662" v="158"/>
-          <ac:inkMkLst>
-            <pc:docMk/>
-            <pc:sldMk cId="3832334216" sldId="259"/>
-            <ac:inkMk id="24" creationId="{F8215D61-1715-CE68-2CAE-51EE89E9D460}"/>
-          </ac:inkMkLst>
-        </pc:inkChg>
-        <pc:inkChg chg="add del">
-          <ac:chgData name="Jonas Heilig" userId="c88d6a6d0bf8cbbf" providerId="LiveId" clId="{07F6A8F3-3CDF-6A4A-B5AD-98839B57D09B}" dt="2022-12-31T08:31:48.662" v="158"/>
-          <ac:inkMkLst>
-            <pc:docMk/>
-            <pc:sldMk cId="3832334216" sldId="259"/>
-            <ac:inkMk id="25" creationId="{C139DD37-16F8-6B6D-6AD2-E5C412EFC697}"/>
-          </ac:inkMkLst>
-        </pc:inkChg>
-        <pc:inkChg chg="add del reco">
-          <ac:chgData name="Jonas Heilig" userId="c88d6a6d0bf8cbbf" providerId="LiveId" clId="{07F6A8F3-3CDF-6A4A-B5AD-98839B57D09B}" dt="2022-12-31T08:33:23.310" v="175" actId="34122"/>
-          <ac:inkMkLst>
-            <pc:docMk/>
-            <pc:sldMk cId="3832334216" sldId="259"/>
-            <ac:inkMk id="26" creationId="{3289E0E9-B65C-9743-4AAA-46B39EE9C24D}"/>
-          </ac:inkMkLst>
-        </pc:inkChg>
-        <pc:inkChg chg="add del mod reco">
-          <ac:chgData name="Jonas Heilig" userId="c88d6a6d0bf8cbbf" providerId="LiveId" clId="{07F6A8F3-3CDF-6A4A-B5AD-98839B57D09B}" dt="2022-12-31T08:33:14.276" v="174" actId="34122"/>
-          <ac:inkMkLst>
-            <pc:docMk/>
-            <pc:sldMk cId="3832334216" sldId="259"/>
-            <ac:inkMk id="27" creationId="{35C659D8-BD57-71FD-4E4D-DB02B76A8524}"/>
-          </ac:inkMkLst>
-        </pc:inkChg>
-        <pc:inkChg chg="add">
-          <ac:chgData name="Jonas Heilig" userId="c88d6a6d0bf8cbbf" providerId="LiveId" clId="{07F6A8F3-3CDF-6A4A-B5AD-98839B57D09B}" dt="2022-12-31T08:31:51.248" v="159"/>
+        <pc:inkChg chg="del mod">
+          <ac:chgData name="Jonas Heilig" userId="c88d6a6d0bf8cbbf" providerId="LiveId" clId="{8FAB23F0-ADE3-47C6-8875-5BCBBF6293AC}" dt="2023-04-04T09:12:23.793" v="1375" actId="478"/>
           <ac:inkMkLst>
             <pc:docMk/>
             <pc:sldMk cId="3832334216" sldId="259"/>
             <ac:inkMk id="28" creationId="{CEEF09BF-67CA-087B-8FA1-347CB490894A}"/>
           </ac:inkMkLst>
         </pc:inkChg>
-        <pc:inkChg chg="add del">
-          <ac:chgData name="Jonas Heilig" userId="c88d6a6d0bf8cbbf" providerId="LiveId" clId="{07F6A8F3-3CDF-6A4A-B5AD-98839B57D09B}" dt="2022-12-31T08:31:57.448" v="161"/>
-          <ac:inkMkLst>
+      </pc:sldChg>
+      <pc:sldChg chg="new ord setBg">
+        <pc:chgData name="Jonas Heilig" userId="c88d6a6d0bf8cbbf" providerId="LiveId" clId="{8FAB23F0-ADE3-47C6-8875-5BCBBF6293AC}" dt="2023-04-04T09:03:09.660" v="1308"/>
+        <pc:sldMkLst>
+          <pc:docMk/>
+          <pc:sldMk cId="758329672" sldId="260"/>
+        </pc:sldMkLst>
+      </pc:sldChg>
+      <pc:sldChg chg="addSp modSp new del mod">
+        <pc:chgData name="Jonas Heilig" userId="c88d6a6d0bf8cbbf" providerId="LiveId" clId="{8FAB23F0-ADE3-47C6-8875-5BCBBF6293AC}" dt="2023-04-04T08:58:10.140" v="1025" actId="2696"/>
+        <pc:sldMkLst>
+          <pc:docMk/>
+          <pc:sldMk cId="3550947273" sldId="261"/>
+        </pc:sldMkLst>
+        <pc:graphicFrameChg chg="add mod">
+          <ac:chgData name="Jonas Heilig" userId="c88d6a6d0bf8cbbf" providerId="LiveId" clId="{8FAB23F0-ADE3-47C6-8875-5BCBBF6293AC}" dt="2023-04-04T08:57:59.697" v="1024" actId="14100"/>
+          <ac:graphicFrameMkLst>
             <pc:docMk/>
-            <pc:sldMk cId="3832334216" sldId="259"/>
-            <ac:inkMk id="29" creationId="{75393FC5-BBD8-DEB6-7B30-69B6805D3D5B}"/>
-          </ac:inkMkLst>
-        </pc:inkChg>
-        <pc:inkChg chg="add del">
-          <ac:chgData name="Jonas Heilig" userId="c88d6a6d0bf8cbbf" providerId="LiveId" clId="{07F6A8F3-3CDF-6A4A-B5AD-98839B57D09B}" dt="2022-12-31T08:32:13.915" v="165"/>
-          <ac:inkMkLst>
+            <pc:sldMk cId="3550947273" sldId="261"/>
+            <ac:graphicFrameMk id="2" creationId="{46DD37A0-5279-278B-0E54-09418D2BDDF5}"/>
+          </ac:graphicFrameMkLst>
+        </pc:graphicFrameChg>
+      </pc:sldChg>
+      <pc:sldChg chg="addSp delSp modSp new mod ord setBg modClrScheme chgLayout">
+        <pc:chgData name="Jonas Heilig" userId="c88d6a6d0bf8cbbf" providerId="LiveId" clId="{8FAB23F0-ADE3-47C6-8875-5BCBBF6293AC}" dt="2023-04-04T09:20:40.189" v="1506" actId="20577"/>
+        <pc:sldMkLst>
+          <pc:docMk/>
+          <pc:sldMk cId="3725499112" sldId="261"/>
+        </pc:sldMkLst>
+        <pc:spChg chg="add mod ord">
+          <ac:chgData name="Jonas Heilig" userId="c88d6a6d0bf8cbbf" providerId="LiveId" clId="{8FAB23F0-ADE3-47C6-8875-5BCBBF6293AC}" dt="2023-04-04T09:20:40.189" v="1506" actId="20577"/>
+          <ac:spMkLst>
             <pc:docMk/>
-            <pc:sldMk cId="3832334216" sldId="259"/>
-            <ac:inkMk id="30" creationId="{944A74DB-11C9-5A55-8464-78BD27B7C751}"/>
-          </ac:inkMkLst>
-        </pc:inkChg>
-        <pc:inkChg chg="add del">
-          <ac:chgData name="Jonas Heilig" userId="c88d6a6d0bf8cbbf" providerId="LiveId" clId="{07F6A8F3-3CDF-6A4A-B5AD-98839B57D09B}" dt="2022-12-31T08:32:13.413" v="164"/>
-          <ac:inkMkLst>
+            <pc:sldMk cId="3725499112" sldId="261"/>
+            <ac:spMk id="4" creationId="{D4B4EED9-1591-277B-6936-7E44E84EBC87}"/>
+          </ac:spMkLst>
+        </pc:spChg>
+        <pc:spChg chg="add del mod">
+          <ac:chgData name="Jonas Heilig" userId="c88d6a6d0bf8cbbf" providerId="LiveId" clId="{8FAB23F0-ADE3-47C6-8875-5BCBBF6293AC}" dt="2023-04-04T09:13:28.470" v="1386" actId="700"/>
+          <ac:spMkLst>
             <pc:docMk/>
-            <pc:sldMk cId="3832334216" sldId="259"/>
-            <ac:inkMk id="31" creationId="{3AA9D75A-0378-FADD-7A3E-9D187B675897}"/>
-          </ac:inkMkLst>
-        </pc:inkChg>
-        <pc:inkChg chg="add del">
-          <ac:chgData name="Jonas Heilig" userId="c88d6a6d0bf8cbbf" providerId="LiveId" clId="{07F6A8F3-3CDF-6A4A-B5AD-98839B57D09B}" dt="2022-12-31T08:32:48.793" v="171"/>
-          <ac:inkMkLst>
+            <pc:sldMk cId="3725499112" sldId="261"/>
+            <ac:spMk id="5" creationId="{FA38CC8F-5DA6-D37B-E00B-53F21CE10715}"/>
+          </ac:spMkLst>
+        </pc:spChg>
+        <pc:spChg chg="add del mod">
+          <ac:chgData name="Jonas Heilig" userId="c88d6a6d0bf8cbbf" providerId="LiveId" clId="{8FAB23F0-ADE3-47C6-8875-5BCBBF6293AC}" dt="2023-04-04T09:00:28.916" v="1043"/>
+          <ac:spMkLst>
             <pc:docMk/>
-            <pc:sldMk cId="3832334216" sldId="259"/>
-            <ac:inkMk id="32" creationId="{72C2764D-9E52-5EC2-58E6-812E1AAF2B4D}"/>
-          </ac:inkMkLst>
-        </pc:inkChg>
-        <pc:inkChg chg="add del">
-          <ac:chgData name="Jonas Heilig" userId="c88d6a6d0bf8cbbf" providerId="LiveId" clId="{07F6A8F3-3CDF-6A4A-B5AD-98839B57D09B}" dt="2022-12-31T08:32:48.627" v="170"/>
-          <ac:inkMkLst>
+            <pc:sldMk cId="3725499112" sldId="261"/>
+            <ac:spMk id="6" creationId="{B1572D15-E2EC-22A1-0659-1AC9A1773A9D}"/>
+          </ac:spMkLst>
+        </pc:spChg>
+        <pc:spChg chg="add del mod">
+          <ac:chgData name="Jonas Heilig" userId="c88d6a6d0bf8cbbf" providerId="LiveId" clId="{8FAB23F0-ADE3-47C6-8875-5BCBBF6293AC}" dt="2023-04-04T09:14:20.852" v="1393"/>
+          <ac:spMkLst>
             <pc:docMk/>
-            <pc:sldMk cId="3832334216" sldId="259"/>
-            <ac:inkMk id="33" creationId="{5671A836-9276-859D-B409-AF43734178E8}"/>
-          </ac:inkMkLst>
-        </pc:inkChg>
-        <pc:inkChg chg="add del">
-          <ac:chgData name="Jonas Heilig" userId="c88d6a6d0bf8cbbf" providerId="LiveId" clId="{07F6A8F3-3CDF-6A4A-B5AD-98839B57D09B}" dt="2022-12-31T08:32:48.183" v="169"/>
-          <ac:inkMkLst>
+            <pc:sldMk cId="3725499112" sldId="261"/>
+            <ac:spMk id="7" creationId="{DB93098D-CC21-1F8D-7DBE-6A02E3536AE5}"/>
+          </ac:spMkLst>
+        </pc:spChg>
+        <pc:spChg chg="add del mod">
+          <ac:chgData name="Jonas Heilig" userId="c88d6a6d0bf8cbbf" providerId="LiveId" clId="{8FAB23F0-ADE3-47C6-8875-5BCBBF6293AC}" dt="2023-04-04T09:14:20.852" v="1395"/>
+          <ac:spMkLst>
             <pc:docMk/>
-            <pc:sldMk cId="3832334216" sldId="259"/>
-            <ac:inkMk id="34" creationId="{33B95365-91D5-A9AE-E5CF-81D3FF4C45A3}"/>
-          </ac:inkMkLst>
-        </pc:inkChg>
-        <pc:inkChg chg="add del">
-          <ac:chgData name="Jonas Heilig" userId="c88d6a6d0bf8cbbf" providerId="LiveId" clId="{07F6A8F3-3CDF-6A4A-B5AD-98839B57D09B}" dt="2022-12-31T08:34:26.352" v="182"/>
-          <ac:inkMkLst>
+            <pc:sldMk cId="3725499112" sldId="261"/>
+            <ac:spMk id="8" creationId="{6889982C-6C46-6F2F-1010-91D1DE476920}"/>
+          </ac:spMkLst>
+        </pc:spChg>
+        <pc:spChg chg="add mod">
+          <ac:chgData name="Jonas Heilig" userId="c88d6a6d0bf8cbbf" providerId="LiveId" clId="{8FAB23F0-ADE3-47C6-8875-5BCBBF6293AC}" dt="2023-04-04T09:18:30.786" v="1437" actId="113"/>
+          <ac:spMkLst>
             <pc:docMk/>
-            <pc:sldMk cId="3832334216" sldId="259"/>
-            <ac:inkMk id="35" creationId="{585AE61C-E111-C7D7-194C-9F2B8F6D344C}"/>
-          </ac:inkMkLst>
-        </pc:inkChg>
+            <pc:sldMk cId="3725499112" sldId="261"/>
+            <ac:spMk id="9" creationId="{5CC9725D-1056-92D3-457A-81A4B76A821C}"/>
+          </ac:spMkLst>
+        </pc:spChg>
+        <pc:graphicFrameChg chg="add del">
+          <ac:chgData name="Jonas Heilig" userId="c88d6a6d0bf8cbbf" providerId="LiveId" clId="{8FAB23F0-ADE3-47C6-8875-5BCBBF6293AC}" dt="2023-04-04T08:58:45.676" v="1030" actId="478"/>
+          <ac:graphicFrameMkLst>
+            <pc:docMk/>
+            <pc:sldMk cId="3725499112" sldId="261"/>
+            <ac:graphicFrameMk id="2" creationId="{3D0AE5FE-5BD7-548D-6D18-1D7461EBDBFF}"/>
+          </ac:graphicFrameMkLst>
+        </pc:graphicFrameChg>
+        <pc:graphicFrameChg chg="add del">
+          <ac:chgData name="Jonas Heilig" userId="c88d6a6d0bf8cbbf" providerId="LiveId" clId="{8FAB23F0-ADE3-47C6-8875-5BCBBF6293AC}" dt="2023-04-04T08:59:11.715" v="1032" actId="478"/>
+          <ac:graphicFrameMkLst>
+            <pc:docMk/>
+            <pc:sldMk cId="3725499112" sldId="261"/>
+            <ac:graphicFrameMk id="3" creationId="{E5BFB70B-0B9A-C839-2AC8-DF3D086D7CA5}"/>
+          </ac:graphicFrameMkLst>
+        </pc:graphicFrameChg>
       </pc:sldChg>
+      <pc:sldChg chg="modSp add mod ord">
+        <pc:chgData name="Jonas Heilig" userId="c88d6a6d0bf8cbbf" providerId="LiveId" clId="{8FAB23F0-ADE3-47C6-8875-5BCBBF6293AC}" dt="2023-04-04T09:39:52.403" v="1750" actId="14100"/>
+        <pc:sldMkLst>
+          <pc:docMk/>
+          <pc:sldMk cId="4191634011" sldId="262"/>
+        </pc:sldMkLst>
+        <pc:spChg chg="mod">
+          <ac:chgData name="Jonas Heilig" userId="c88d6a6d0bf8cbbf" providerId="LiveId" clId="{8FAB23F0-ADE3-47C6-8875-5BCBBF6293AC}" dt="2023-04-04T09:39:52.403" v="1750" actId="14100"/>
+          <ac:spMkLst>
+            <pc:docMk/>
+            <pc:sldMk cId="4191634011" sldId="262"/>
+            <ac:spMk id="4" creationId="{D4B4EED9-1591-277B-6936-7E44E84EBC87}"/>
+          </ac:spMkLst>
+        </pc:spChg>
+        <pc:spChg chg="mod">
+          <ac:chgData name="Jonas Heilig" userId="c88d6a6d0bf8cbbf" providerId="LiveId" clId="{8FAB23F0-ADE3-47C6-8875-5BCBBF6293AC}" dt="2023-04-04T09:24:04.449" v="1554" actId="20577"/>
+          <ac:spMkLst>
+            <pc:docMk/>
+            <pc:sldMk cId="4191634011" sldId="262"/>
+            <ac:spMk id="9" creationId="{5CC9725D-1056-92D3-457A-81A4B76A821C}"/>
+          </ac:spMkLst>
+        </pc:spChg>
+      </pc:sldChg>
+      <pc:sldChg chg="addSp delSp modSp new mod modClrScheme chgLayout">
+        <pc:chgData name="Jonas Heilig" userId="c88d6a6d0bf8cbbf" providerId="LiveId" clId="{8FAB23F0-ADE3-47C6-8875-5BCBBF6293AC}" dt="2023-04-04T09:45:51.598" v="1758" actId="700"/>
+        <pc:sldMkLst>
+          <pc:docMk/>
+          <pc:sldMk cId="3359190613" sldId="263"/>
+        </pc:sldMkLst>
+        <pc:spChg chg="del mod ord">
+          <ac:chgData name="Jonas Heilig" userId="c88d6a6d0bf8cbbf" providerId="LiveId" clId="{8FAB23F0-ADE3-47C6-8875-5BCBBF6293AC}" dt="2023-04-04T09:36:51.463" v="1659" actId="700"/>
+          <ac:spMkLst>
+            <pc:docMk/>
+            <pc:sldMk cId="3359190613" sldId="263"/>
+            <ac:spMk id="2" creationId="{4F0DE048-C2B8-B832-C40A-7E3623BA4CBC}"/>
+          </ac:spMkLst>
+        </pc:spChg>
+        <pc:spChg chg="del">
+          <ac:chgData name="Jonas Heilig" userId="c88d6a6d0bf8cbbf" providerId="LiveId" clId="{8FAB23F0-ADE3-47C6-8875-5BCBBF6293AC}" dt="2023-04-04T09:36:51.463" v="1659" actId="700"/>
+          <ac:spMkLst>
+            <pc:docMk/>
+            <pc:sldMk cId="3359190613" sldId="263"/>
+            <ac:spMk id="3" creationId="{A6BBCF4B-E3AE-6F36-7CD2-0F60BEE939EC}"/>
+          </ac:spMkLst>
+        </pc:spChg>
+        <pc:spChg chg="add mod ord">
+          <ac:chgData name="Jonas Heilig" userId="c88d6a6d0bf8cbbf" providerId="LiveId" clId="{8FAB23F0-ADE3-47C6-8875-5BCBBF6293AC}" dt="2023-04-04T09:45:51.598" v="1758" actId="700"/>
+          <ac:spMkLst>
+            <pc:docMk/>
+            <pc:sldMk cId="3359190613" sldId="263"/>
+            <ac:spMk id="4" creationId="{0B7541E0-5B93-2ECE-AE35-2A60244163AC}"/>
+          </ac:spMkLst>
+        </pc:spChg>
+        <pc:spChg chg="add del">
+          <ac:chgData name="Jonas Heilig" userId="c88d6a6d0bf8cbbf" providerId="LiveId" clId="{8FAB23F0-ADE3-47C6-8875-5BCBBF6293AC}" dt="2023-04-04T09:40:54.480" v="1754" actId="22"/>
+          <ac:spMkLst>
+            <pc:docMk/>
+            <pc:sldMk cId="3359190613" sldId="263"/>
+            <ac:spMk id="8" creationId="{47EFC562-D833-50A3-C454-840B220E3771}"/>
+          </ac:spMkLst>
+        </pc:spChg>
+        <pc:spChg chg="add del mod ord">
+          <ac:chgData name="Jonas Heilig" userId="c88d6a6d0bf8cbbf" providerId="LiveId" clId="{8FAB23F0-ADE3-47C6-8875-5BCBBF6293AC}" dt="2023-04-04T09:45:51.598" v="1758" actId="700"/>
+          <ac:spMkLst>
+            <pc:docMk/>
+            <pc:sldMk cId="3359190613" sldId="263"/>
+            <ac:spMk id="10" creationId="{0110C2E1-4C95-BB99-34D9-EE0904EFDF7D}"/>
+          </ac:spMkLst>
+        </pc:spChg>
+        <pc:picChg chg="add del">
+          <ac:chgData name="Jonas Heilig" userId="c88d6a6d0bf8cbbf" providerId="LiveId" clId="{8FAB23F0-ADE3-47C6-8875-5BCBBF6293AC}" dt="2023-04-04T09:40:40.138" v="1752" actId="22"/>
+          <ac:picMkLst>
+            <pc:docMk/>
+            <pc:sldMk cId="3359190613" sldId="263"/>
+            <ac:picMk id="6" creationId="{E3218086-ECA0-EC70-0F96-596A6C86A574}"/>
+          </ac:picMkLst>
+        </pc:picChg>
+        <pc:picChg chg="add mod">
+          <ac:chgData name="Jonas Heilig" userId="c88d6a6d0bf8cbbf" providerId="LiveId" clId="{8FAB23F0-ADE3-47C6-8875-5BCBBF6293AC}" dt="2023-04-04T09:44:22.067" v="1756" actId="1076"/>
+          <ac:picMkLst>
+            <pc:docMk/>
+            <pc:sldMk cId="3359190613" sldId="263"/>
+            <ac:picMk id="9" creationId="{F459E6D9-49B9-C7CF-1B03-B9F38C0330A8}"/>
+          </ac:picMkLst>
+        </pc:picChg>
+      </pc:sldChg>
+      <pc:sldChg chg="addSp modSp new mod modClrScheme chgLayout">
+        <pc:chgData name="Jonas Heilig" userId="c88d6a6d0bf8cbbf" providerId="LiveId" clId="{8FAB23F0-ADE3-47C6-8875-5BCBBF6293AC}" dt="2023-04-04T09:49:47.908" v="1842" actId="20577"/>
+        <pc:sldMkLst>
+          <pc:docMk/>
+          <pc:sldMk cId="4077221750" sldId="264"/>
+        </pc:sldMkLst>
+        <pc:spChg chg="mod ord">
+          <ac:chgData name="Jonas Heilig" userId="c88d6a6d0bf8cbbf" providerId="LiveId" clId="{8FAB23F0-ADE3-47C6-8875-5BCBBF6293AC}" dt="2023-04-04T09:46:31.608" v="1776" actId="700"/>
+          <ac:spMkLst>
+            <pc:docMk/>
+            <pc:sldMk cId="4077221750" sldId="264"/>
+            <ac:spMk id="2" creationId="{470C0384-C4BB-95D5-4A40-F1708FA8EE6F}"/>
+          </ac:spMkLst>
+        </pc:spChg>
+        <pc:spChg chg="add mod ord">
+          <ac:chgData name="Jonas Heilig" userId="c88d6a6d0bf8cbbf" providerId="LiveId" clId="{8FAB23F0-ADE3-47C6-8875-5BCBBF6293AC}" dt="2023-04-04T09:49:47.908" v="1842" actId="20577"/>
+          <ac:spMkLst>
+            <pc:docMk/>
+            <pc:sldMk cId="4077221750" sldId="264"/>
+            <ac:spMk id="3" creationId="{B4095489-9E6C-2FDB-8E29-DF83EA8199F5}"/>
+          </ac:spMkLst>
+        </pc:spChg>
+      </pc:sldChg>
+      <pc:sldMasterChg chg="setBg modSldLayout">
+        <pc:chgData name="Jonas Heilig" userId="c88d6a6d0bf8cbbf" providerId="LiveId" clId="{8FAB23F0-ADE3-47C6-8875-5BCBBF6293AC}" dt="2023-04-04T09:03:01.791" v="1306"/>
+        <pc:sldMasterMkLst>
+          <pc:docMk/>
+          <pc:sldMasterMk cId="3552469858" sldId="2147483648"/>
+        </pc:sldMasterMkLst>
+        <pc:sldLayoutChg chg="setBg">
+          <pc:chgData name="Jonas Heilig" userId="c88d6a6d0bf8cbbf" providerId="LiveId" clId="{8FAB23F0-ADE3-47C6-8875-5BCBBF6293AC}" dt="2023-04-04T09:03:01.791" v="1306"/>
+          <pc:sldLayoutMkLst>
+            <pc:docMk/>
+            <pc:sldMasterMk cId="3552469858" sldId="2147483648"/>
+            <pc:sldLayoutMk cId="153255027" sldId="2147483649"/>
+          </pc:sldLayoutMkLst>
+        </pc:sldLayoutChg>
+        <pc:sldLayoutChg chg="setBg">
+          <pc:chgData name="Jonas Heilig" userId="c88d6a6d0bf8cbbf" providerId="LiveId" clId="{8FAB23F0-ADE3-47C6-8875-5BCBBF6293AC}" dt="2023-04-04T09:03:01.791" v="1306"/>
+          <pc:sldLayoutMkLst>
+            <pc:docMk/>
+            <pc:sldMasterMk cId="3552469858" sldId="2147483648"/>
+            <pc:sldLayoutMk cId="484307115" sldId="2147483650"/>
+          </pc:sldLayoutMkLst>
+        </pc:sldLayoutChg>
+        <pc:sldLayoutChg chg="setBg">
+          <pc:chgData name="Jonas Heilig" userId="c88d6a6d0bf8cbbf" providerId="LiveId" clId="{8FAB23F0-ADE3-47C6-8875-5BCBBF6293AC}" dt="2023-04-04T09:03:01.791" v="1306"/>
+          <pc:sldLayoutMkLst>
+            <pc:docMk/>
+            <pc:sldMasterMk cId="3552469858" sldId="2147483648"/>
+            <pc:sldLayoutMk cId="2138607954" sldId="2147483651"/>
+          </pc:sldLayoutMkLst>
+        </pc:sldLayoutChg>
+        <pc:sldLayoutChg chg="setBg">
+          <pc:chgData name="Jonas Heilig" userId="c88d6a6d0bf8cbbf" providerId="LiveId" clId="{8FAB23F0-ADE3-47C6-8875-5BCBBF6293AC}" dt="2023-04-04T09:03:01.791" v="1306"/>
+          <pc:sldLayoutMkLst>
+            <pc:docMk/>
+            <pc:sldMasterMk cId="3552469858" sldId="2147483648"/>
+            <pc:sldLayoutMk cId="1420246937" sldId="2147483652"/>
+          </pc:sldLayoutMkLst>
+        </pc:sldLayoutChg>
+        <pc:sldLayoutChg chg="setBg">
+          <pc:chgData name="Jonas Heilig" userId="c88d6a6d0bf8cbbf" providerId="LiveId" clId="{8FAB23F0-ADE3-47C6-8875-5BCBBF6293AC}" dt="2023-04-04T09:03:01.791" v="1306"/>
+          <pc:sldLayoutMkLst>
+            <pc:docMk/>
+            <pc:sldMasterMk cId="3552469858" sldId="2147483648"/>
+            <pc:sldLayoutMk cId="2256316812" sldId="2147483653"/>
+          </pc:sldLayoutMkLst>
+        </pc:sldLayoutChg>
+        <pc:sldLayoutChg chg="setBg">
+          <pc:chgData name="Jonas Heilig" userId="c88d6a6d0bf8cbbf" providerId="LiveId" clId="{8FAB23F0-ADE3-47C6-8875-5BCBBF6293AC}" dt="2023-04-04T09:03:01.791" v="1306"/>
+          <pc:sldLayoutMkLst>
+            <pc:docMk/>
+            <pc:sldMasterMk cId="3552469858" sldId="2147483648"/>
+            <pc:sldLayoutMk cId="1665554077" sldId="2147483654"/>
+          </pc:sldLayoutMkLst>
+        </pc:sldLayoutChg>
+        <pc:sldLayoutChg chg="setBg">
+          <pc:chgData name="Jonas Heilig" userId="c88d6a6d0bf8cbbf" providerId="LiveId" clId="{8FAB23F0-ADE3-47C6-8875-5BCBBF6293AC}" dt="2023-04-04T09:03:01.791" v="1306"/>
+          <pc:sldLayoutMkLst>
+            <pc:docMk/>
+            <pc:sldMasterMk cId="3552469858" sldId="2147483648"/>
+            <pc:sldLayoutMk cId="2037769083" sldId="2147483655"/>
+          </pc:sldLayoutMkLst>
+        </pc:sldLayoutChg>
+        <pc:sldLayoutChg chg="setBg">
+          <pc:chgData name="Jonas Heilig" userId="c88d6a6d0bf8cbbf" providerId="LiveId" clId="{8FAB23F0-ADE3-47C6-8875-5BCBBF6293AC}" dt="2023-04-04T09:03:01.791" v="1306"/>
+          <pc:sldLayoutMkLst>
+            <pc:docMk/>
+            <pc:sldMasterMk cId="3552469858" sldId="2147483648"/>
+            <pc:sldLayoutMk cId="3058392341" sldId="2147483656"/>
+          </pc:sldLayoutMkLst>
+        </pc:sldLayoutChg>
+        <pc:sldLayoutChg chg="setBg">
+          <pc:chgData name="Jonas Heilig" userId="c88d6a6d0bf8cbbf" providerId="LiveId" clId="{8FAB23F0-ADE3-47C6-8875-5BCBBF6293AC}" dt="2023-04-04T09:03:01.791" v="1306"/>
+          <pc:sldLayoutMkLst>
+            <pc:docMk/>
+            <pc:sldMasterMk cId="3552469858" sldId="2147483648"/>
+            <pc:sldLayoutMk cId="1012410426" sldId="2147483657"/>
+          </pc:sldLayoutMkLst>
+        </pc:sldLayoutChg>
+        <pc:sldLayoutChg chg="setBg">
+          <pc:chgData name="Jonas Heilig" userId="c88d6a6d0bf8cbbf" providerId="LiveId" clId="{8FAB23F0-ADE3-47C6-8875-5BCBBF6293AC}" dt="2023-04-04T09:03:01.791" v="1306"/>
+          <pc:sldLayoutMkLst>
+            <pc:docMk/>
+            <pc:sldMasterMk cId="3552469858" sldId="2147483648"/>
+            <pc:sldLayoutMk cId="4041454996" sldId="2147483658"/>
+          </pc:sldLayoutMkLst>
+        </pc:sldLayoutChg>
+        <pc:sldLayoutChg chg="setBg">
+          <pc:chgData name="Jonas Heilig" userId="c88d6a6d0bf8cbbf" providerId="LiveId" clId="{8FAB23F0-ADE3-47C6-8875-5BCBBF6293AC}" dt="2023-04-04T09:03:01.791" v="1306"/>
+          <pc:sldLayoutMkLst>
+            <pc:docMk/>
+            <pc:sldMasterMk cId="3552469858" sldId="2147483648"/>
+            <pc:sldLayoutMk cId="4122334913" sldId="2147483659"/>
+          </pc:sldLayoutMkLst>
+        </pc:sldLayoutChg>
+      </pc:sldMasterChg>
     </pc:docChg>
   </pc:docChgLst>
   <pc:docChgLst>
     <pc:chgData name="Jonas Heilig" userId="c88d6a6d0bf8cbbf" providerId="LiveId" clId="{FF6329F3-2AD5-477E-8ADF-192E10221DA6}"/>
     <pc:docChg chg="undo custSel addSld delSld modSld sldOrd modNotesMaster">
-      <pc:chgData name="Jonas Heilig" userId="c88d6a6d0bf8cbbf" providerId="LiveId" clId="{FF6329F3-2AD5-477E-8ADF-192E10221DA6}" dt="2023-04-24T17:11:26.062" v="4488" actId="122"/>
+      <pc:chgData name="Jonas Heilig" userId="c88d6a6d0bf8cbbf" providerId="LiveId" clId="{FF6329F3-2AD5-477E-8ADF-192E10221DA6}" dt="2023-04-24T17:39:09.897" v="4489"/>
       <pc:docMkLst>
         <pc:docMk/>
       </pc:docMkLst>
@@ -2102,426 +2120,408 @@
     </pc:docChg>
   </pc:docChgLst>
   <pc:docChgLst>
-    <pc:chgData name="Jonas Heilig" userId="c88d6a6d0bf8cbbf" providerId="LiveId" clId="{8FAB23F0-ADE3-47C6-8875-5BCBBF6293AC}"/>
-    <pc:docChg chg="undo custSel addSld delSld modSld sldOrd modMainMaster">
-      <pc:chgData name="Jonas Heilig" userId="c88d6a6d0bf8cbbf" providerId="LiveId" clId="{8FAB23F0-ADE3-47C6-8875-5BCBBF6293AC}" dt="2023-04-04T09:49:47.908" v="1842" actId="20577"/>
+    <pc:chgData name="Jonas Heilig" userId="c88d6a6d0bf8cbbf" providerId="LiveId" clId="{07F6A8F3-3CDF-6A4A-B5AD-98839B57D09B}"/>
+    <pc:docChg chg="undo custSel addSld delSld modSld">
+      <pc:chgData name="Jonas Heilig" userId="c88d6a6d0bf8cbbf" providerId="LiveId" clId="{07F6A8F3-3CDF-6A4A-B5AD-98839B57D09B}" dt="2022-12-31T08:38:33.748" v="246" actId="20577"/>
       <pc:docMkLst>
         <pc:docMk/>
       </pc:docMkLst>
-      <pc:sldChg chg="addSp delSp modSp mod setBg">
-        <pc:chgData name="Jonas Heilig" userId="c88d6a6d0bf8cbbf" providerId="LiveId" clId="{8FAB23F0-ADE3-47C6-8875-5BCBBF6293AC}" dt="2023-04-04T09:35:55.260" v="1657" actId="1076"/>
+      <pc:sldChg chg="addSp modSp">
+        <pc:chgData name="Jonas Heilig" userId="c88d6a6d0bf8cbbf" providerId="LiveId" clId="{07F6A8F3-3CDF-6A4A-B5AD-98839B57D09B}" dt="2022-12-30T09:29:56.303" v="121" actId="14100"/>
         <pc:sldMkLst>
           <pc:docMk/>
           <pc:sldMk cId="2532186171" sldId="257"/>
         </pc:sldMkLst>
-        <pc:spChg chg="del mod">
-          <ac:chgData name="Jonas Heilig" userId="c88d6a6d0bf8cbbf" providerId="LiveId" clId="{8FAB23F0-ADE3-47C6-8875-5BCBBF6293AC}" dt="2023-04-04T09:22:19.902" v="1549"/>
+        <pc:spChg chg="add">
+          <ac:chgData name="Jonas Heilig" userId="c88d6a6d0bf8cbbf" providerId="LiveId" clId="{07F6A8F3-3CDF-6A4A-B5AD-98839B57D09B}" dt="2022-12-30T09:28:34.631" v="13" actId="139"/>
+          <ac:spMkLst>
+            <pc:docMk/>
+            <pc:sldMk cId="2532186171" sldId="257"/>
+            <ac:spMk id="4" creationId="{098AAC6E-88FB-9199-7024-6D86C199007D}"/>
+          </ac:spMkLst>
+        </pc:spChg>
+        <pc:spChg chg="add mod">
+          <ac:chgData name="Jonas Heilig" userId="c88d6a6d0bf8cbbf" providerId="LiveId" clId="{07F6A8F3-3CDF-6A4A-B5AD-98839B57D09B}" dt="2022-12-30T09:29:56.303" v="121" actId="14100"/>
           <ac:spMkLst>
             <pc:docMk/>
             <pc:sldMk cId="2532186171" sldId="257"/>
             <ac:spMk id="5" creationId="{F0D73193-E896-2CFB-CF72-1F5F577CE25F}"/>
           </ac:spMkLst>
         </pc:spChg>
-        <pc:spChg chg="add mod">
-          <ac:chgData name="Jonas Heilig" userId="c88d6a6d0bf8cbbf" providerId="LiveId" clId="{8FAB23F0-ADE3-47C6-8875-5BCBBF6293AC}" dt="2023-04-04T09:35:55.260" v="1657" actId="1076"/>
-          <ac:spMkLst>
-            <pc:docMk/>
-            <pc:sldMk cId="2532186171" sldId="257"/>
-            <ac:spMk id="7" creationId="{D491E141-84B2-048A-85B0-25FA58CC9C82}"/>
-          </ac:spMkLst>
-        </pc:spChg>
       </pc:sldChg>
-      <pc:sldChg chg="addSp delSp modSp mod setBg addAnim delAnim">
-        <pc:chgData name="Jonas Heilig" userId="c88d6a6d0bf8cbbf" providerId="LiveId" clId="{8FAB23F0-ADE3-47C6-8875-5BCBBF6293AC}" dt="2023-04-04T09:11:22.006" v="1351" actId="14861"/>
+      <pc:sldChg chg="addSp delSp">
+        <pc:chgData name="Jonas Heilig" userId="c88d6a6d0bf8cbbf" providerId="LiveId" clId="{07F6A8F3-3CDF-6A4A-B5AD-98839B57D09B}" dt="2022-12-30T09:28:12.974" v="12"/>
         <pc:sldMkLst>
           <pc:docMk/>
           <pc:sldMk cId="3141509305" sldId="258"/>
         </pc:sldMkLst>
-        <pc:spChg chg="add del mod">
-          <ac:chgData name="Jonas Heilig" userId="c88d6a6d0bf8cbbf" providerId="LiveId" clId="{8FAB23F0-ADE3-47C6-8875-5BCBBF6293AC}" dt="2023-04-04T08:44:39.023" v="73"/>
-          <ac:spMkLst>
+        <pc:inkChg chg="add del">
+          <ac:chgData name="Jonas Heilig" userId="c88d6a6d0bf8cbbf" providerId="LiveId" clId="{07F6A8F3-3CDF-6A4A-B5AD-98839B57D09B}" dt="2022-12-30T09:28:12.974" v="12"/>
+          <ac:inkMkLst>
             <pc:docMk/>
             <pc:sldMk cId="3141509305" sldId="258"/>
-            <ac:spMk id="2" creationId="{35E3091F-BC7E-B038-1A89-BAB4B11BC426}"/>
-          </ac:spMkLst>
-        </pc:spChg>
-        <pc:spChg chg="mod">
-          <ac:chgData name="Jonas Heilig" userId="c88d6a6d0bf8cbbf" providerId="LiveId" clId="{8FAB23F0-ADE3-47C6-8875-5BCBBF6293AC}" dt="2023-04-04T09:08:28.073" v="1321" actId="1076"/>
-          <ac:spMkLst>
+            <ac:inkMk id="2" creationId="{69B19C71-BAA9-75FE-9617-2520D11B9666}"/>
+          </ac:inkMkLst>
+        </pc:inkChg>
+        <pc:inkChg chg="add del">
+          <ac:chgData name="Jonas Heilig" userId="c88d6a6d0bf8cbbf" providerId="LiveId" clId="{07F6A8F3-3CDF-6A4A-B5AD-98839B57D09B}" dt="2022-12-29T12:05:06.187" v="2"/>
+          <ac:inkMkLst>
             <pc:docMk/>
             <pc:sldMk cId="3141509305" sldId="258"/>
-            <ac:spMk id="3" creationId="{BF19C5DE-A2EA-80EC-B665-8FEB6C1C32F6}"/>
-          </ac:spMkLst>
-        </pc:spChg>
-        <pc:spChg chg="del mod">
-          <ac:chgData name="Jonas Heilig" userId="c88d6a6d0bf8cbbf" providerId="LiveId" clId="{8FAB23F0-ADE3-47C6-8875-5BCBBF6293AC}" dt="2023-04-04T09:10:40.496" v="1344"/>
-          <ac:spMkLst>
+            <ac:inkMk id="2" creationId="{FA5B281E-5C32-0AB6-BA91-7A35DBAB50FE}"/>
+          </ac:inkMkLst>
+        </pc:inkChg>
+        <pc:inkChg chg="add del">
+          <ac:chgData name="Jonas Heilig" userId="c88d6a6d0bf8cbbf" providerId="LiveId" clId="{07F6A8F3-3CDF-6A4A-B5AD-98839B57D09B}" dt="2022-12-29T12:05:06.187" v="2"/>
+          <ac:inkMkLst>
             <pc:docMk/>
             <pc:sldMk cId="3141509305" sldId="258"/>
-            <ac:spMk id="4" creationId="{4462AFAA-242E-1E72-E91A-312554ED6053}"/>
-          </ac:spMkLst>
-        </pc:spChg>
-        <pc:spChg chg="add del">
-          <ac:chgData name="Jonas Heilig" userId="c88d6a6d0bf8cbbf" providerId="LiveId" clId="{8FAB23F0-ADE3-47C6-8875-5BCBBF6293AC}" dt="2023-04-04T08:51:48.502" v="1020" actId="22"/>
-          <ac:spMkLst>
+            <ac:inkMk id="5" creationId="{CA06ADA4-4FF7-938E-89D3-C2FDEF4D0B9C}"/>
+          </ac:inkMkLst>
+        </pc:inkChg>
+        <pc:inkChg chg="add del reco">
+          <ac:chgData name="Jonas Heilig" userId="c88d6a6d0bf8cbbf" providerId="LiveId" clId="{07F6A8F3-3CDF-6A4A-B5AD-98839B57D09B}" dt="2022-12-29T12:06:05.534" v="10"/>
+          <ac:inkMkLst>
             <pc:docMk/>
             <pc:sldMk cId="3141509305" sldId="258"/>
-            <ac:spMk id="7" creationId="{628E1919-174A-2025-8A22-3134C85C73BE}"/>
-          </ac:spMkLst>
-        </pc:spChg>
-        <pc:spChg chg="add mod">
-          <ac:chgData name="Jonas Heilig" userId="c88d6a6d0bf8cbbf" providerId="LiveId" clId="{8FAB23F0-ADE3-47C6-8875-5BCBBF6293AC}" dt="2023-04-04T09:11:22.006" v="1351" actId="14861"/>
-          <ac:spMkLst>
+            <ac:inkMk id="6" creationId="{5FF0005E-C627-018E-66A0-2AB06D79BBE3}"/>
+          </ac:inkMkLst>
+        </pc:inkChg>
+        <pc:inkChg chg="add del">
+          <ac:chgData name="Jonas Heilig" userId="c88d6a6d0bf8cbbf" providerId="LiveId" clId="{07F6A8F3-3CDF-6A4A-B5AD-98839B57D09B}" dt="2022-12-29T12:05:12.635" v="9"/>
+          <ac:inkMkLst>
             <pc:docMk/>
             <pc:sldMk cId="3141509305" sldId="258"/>
-            <ac:spMk id="8" creationId="{324D693F-C1A7-E7E8-88FF-0722D96E2E77}"/>
-          </ac:spMkLst>
-        </pc:spChg>
-        <pc:graphicFrameChg chg="add del mod modGraphic">
-          <ac:chgData name="Jonas Heilig" userId="c88d6a6d0bf8cbbf" providerId="LiveId" clId="{8FAB23F0-ADE3-47C6-8875-5BCBBF6293AC}" dt="2023-04-04T08:47:02.761" v="80" actId="478"/>
-          <ac:graphicFrameMkLst>
+            <ac:inkMk id="7" creationId="{1F9F1CEA-6C12-D292-B989-98BA43EA6FB9}"/>
+          </ac:inkMkLst>
+        </pc:inkChg>
+        <pc:inkChg chg="add del">
+          <ac:chgData name="Jonas Heilig" userId="c88d6a6d0bf8cbbf" providerId="LiveId" clId="{07F6A8F3-3CDF-6A4A-B5AD-98839B57D09B}" dt="2022-12-29T12:05:10.245" v="8"/>
+          <ac:inkMkLst>
             <pc:docMk/>
             <pc:sldMk cId="3141509305" sldId="258"/>
-            <ac:graphicFrameMk id="5" creationId="{8B13809C-D61F-B8C2-0DEE-CBA575384E43}"/>
-          </ac:graphicFrameMkLst>
-        </pc:graphicFrameChg>
+            <ac:inkMk id="8" creationId="{837E2EE7-7AA9-3D9F-304C-335E85EAEB40}"/>
+          </ac:inkMkLst>
+        </pc:inkChg>
+        <pc:inkChg chg="add del">
+          <ac:chgData name="Jonas Heilig" userId="c88d6a6d0bf8cbbf" providerId="LiveId" clId="{07F6A8F3-3CDF-6A4A-B5AD-98839B57D09B}" dt="2022-12-29T12:05:10.087" v="7"/>
+          <ac:inkMkLst>
+            <pc:docMk/>
+            <pc:sldMk cId="3141509305" sldId="258"/>
+            <ac:inkMk id="9" creationId="{069B5179-F030-D288-54F6-D6AB2021EC99}"/>
+          </ac:inkMkLst>
+        </pc:inkChg>
+        <pc:inkChg chg="add del reco">
+          <ac:chgData name="Jonas Heilig" userId="c88d6a6d0bf8cbbf" providerId="LiveId" clId="{07F6A8F3-3CDF-6A4A-B5AD-98839B57D09B}" dt="2022-12-29T12:05:10.087" v="7"/>
+          <ac:inkMkLst>
+            <pc:docMk/>
+            <pc:sldMk cId="3141509305" sldId="258"/>
+            <ac:inkMk id="10" creationId="{03521B74-3471-D845-9865-EF4E5659FB14}"/>
+          </ac:inkMkLst>
+        </pc:inkChg>
       </pc:sldChg>
-      <pc:sldChg chg="addSp delSp modSp mod">
-        <pc:chgData name="Jonas Heilig" userId="c88d6a6d0bf8cbbf" providerId="LiveId" clId="{8FAB23F0-ADE3-47C6-8875-5BCBBF6293AC}" dt="2023-04-04T09:22:06.270" v="1546" actId="1076"/>
+      <pc:sldChg chg="new del">
+        <pc:chgData name="Jonas Heilig" userId="c88d6a6d0bf8cbbf" providerId="LiveId" clId="{07F6A8F3-3CDF-6A4A-B5AD-98839B57D09B}" dt="2022-12-31T08:28:03.064" v="123" actId="680"/>
+        <pc:sldMkLst>
+          <pc:docMk/>
+          <pc:sldMk cId="469737624" sldId="259"/>
+        </pc:sldMkLst>
+      </pc:sldChg>
+      <pc:sldChg chg="addSp delSp modSp new">
+        <pc:chgData name="Jonas Heilig" userId="c88d6a6d0bf8cbbf" providerId="LiveId" clId="{07F6A8F3-3CDF-6A4A-B5AD-98839B57D09B}" dt="2022-12-31T08:38:33.748" v="246" actId="20577"/>
         <pc:sldMkLst>
           <pc:docMk/>
           <pc:sldMk cId="3832334216" sldId="259"/>
         </pc:sldMkLst>
         <pc:spChg chg="add mod">
-          <ac:chgData name="Jonas Heilig" userId="c88d6a6d0bf8cbbf" providerId="LiveId" clId="{8FAB23F0-ADE3-47C6-8875-5BCBBF6293AC}" dt="2023-04-04T09:22:06.270" v="1546" actId="1076"/>
-          <ac:spMkLst>
-            <pc:docMk/>
-            <pc:sldMk cId="3832334216" sldId="259"/>
-            <ac:spMk id="2" creationId="{342E9493-DD10-EFA4-79E0-DBD85BFDC267}"/>
-          </ac:spMkLst>
-        </pc:spChg>
-        <pc:spChg chg="mod">
-          <ac:chgData name="Jonas Heilig" userId="c88d6a6d0bf8cbbf" providerId="LiveId" clId="{8FAB23F0-ADE3-47C6-8875-5BCBBF6293AC}" dt="2023-04-04T09:12:57.521" v="1384" actId="1076"/>
+          <ac:chgData name="Jonas Heilig" userId="c88d6a6d0bf8cbbf" providerId="LiveId" clId="{07F6A8F3-3CDF-6A4A-B5AD-98839B57D09B}" dt="2022-12-31T08:37:39.786" v="230" actId="1076"/>
           <ac:spMkLst>
             <pc:docMk/>
             <pc:sldMk cId="3832334216" sldId="259"/>
             <ac:spMk id="5" creationId="{4479643A-6CD3-43B6-BB5D-3EAF0CE97B4C}"/>
           </ac:spMkLst>
         </pc:spChg>
-        <pc:spChg chg="del mod">
-          <ac:chgData name="Jonas Heilig" userId="c88d6a6d0bf8cbbf" providerId="LiveId" clId="{8FAB23F0-ADE3-47C6-8875-5BCBBF6293AC}" dt="2023-04-04T09:12:44.776" v="1383"/>
+        <pc:spChg chg="add mod">
+          <ac:chgData name="Jonas Heilig" userId="c88d6a6d0bf8cbbf" providerId="LiveId" clId="{07F6A8F3-3CDF-6A4A-B5AD-98839B57D09B}" dt="2022-12-31T08:38:33.748" v="246" actId="20577"/>
           <ac:spMkLst>
             <pc:docMk/>
             <pc:sldMk cId="3832334216" sldId="259"/>
             <ac:spMk id="15" creationId="{03FB0F51-1FD1-400E-A958-7C21C22FB126}"/>
           </ac:spMkLst>
         </pc:spChg>
-        <pc:inkChg chg="del mod">
-          <ac:chgData name="Jonas Heilig" userId="c88d6a6d0bf8cbbf" providerId="LiveId" clId="{8FAB23F0-ADE3-47C6-8875-5BCBBF6293AC}" dt="2023-04-04T09:12:23.793" v="1375" actId="478"/>
+        <pc:spChg chg="add del">
+          <ac:chgData name="Jonas Heilig" userId="c88d6a6d0bf8cbbf" providerId="LiveId" clId="{07F6A8F3-3CDF-6A4A-B5AD-98839B57D09B}" dt="2022-12-31T08:33:40.863" v="176" actId="34124"/>
+          <ac:spMkLst>
+            <pc:docMk/>
+            <pc:sldMk cId="3832334216" sldId="259"/>
+            <ac:spMk id="16" creationId="{78F56B15-F059-4BA5-85B3-A7D37FACBBDB}"/>
+          </ac:spMkLst>
+        </pc:spChg>
+        <pc:spChg chg="add mod">
+          <ac:chgData name="Jonas Heilig" userId="c88d6a6d0bf8cbbf" providerId="LiveId" clId="{07F6A8F3-3CDF-6A4A-B5AD-98839B57D09B}" dt="2022-12-31T08:34:35.289" v="185" actId="20577"/>
+          <ac:spMkLst>
+            <pc:docMk/>
+            <pc:sldMk cId="3832334216" sldId="259"/>
+            <ac:spMk id="36" creationId="{DEEF936A-46C5-2434-A4A4-F5827A3FD775}"/>
+          </ac:spMkLst>
+        </pc:spChg>
+        <pc:picChg chg="add mod">
+          <ac:chgData name="Jonas Heilig" userId="c88d6a6d0bf8cbbf" providerId="LiveId" clId="{07F6A8F3-3CDF-6A4A-B5AD-98839B57D09B}" dt="2022-12-31T08:38:23.365" v="242" actId="1076"/>
+          <ac:picMkLst>
+            <pc:docMk/>
+            <pc:sldMk cId="3832334216" sldId="259"/>
+            <ac:picMk id="4" creationId="{28405CFB-B660-CAC5-AACC-8C4C2E3EEF70}"/>
+          </ac:picMkLst>
+        </pc:picChg>
+        <pc:inkChg chg="add del">
+          <ac:chgData name="Jonas Heilig" userId="c88d6a6d0bf8cbbf" providerId="LiveId" clId="{07F6A8F3-3CDF-6A4A-B5AD-98839B57D09B}" dt="2022-12-31T08:30:35.123" v="132"/>
+          <ac:inkMkLst>
+            <pc:docMk/>
+            <pc:sldMk cId="3832334216" sldId="259"/>
+            <ac:inkMk id="5" creationId="{904B23AA-A2D2-0E44-5AE5-0675CB72BB36}"/>
+          </ac:inkMkLst>
+        </pc:inkChg>
+        <pc:inkChg chg="add del">
+          <ac:chgData name="Jonas Heilig" userId="c88d6a6d0bf8cbbf" providerId="LiveId" clId="{07F6A8F3-3CDF-6A4A-B5AD-98839B57D09B}" dt="2022-12-31T08:30:34.622" v="131"/>
+          <ac:inkMkLst>
+            <pc:docMk/>
+            <pc:sldMk cId="3832334216" sldId="259"/>
+            <ac:inkMk id="6" creationId="{77A2F779-D398-24A2-3163-8CB51CA803DA}"/>
+          </ac:inkMkLst>
+        </pc:inkChg>
+        <pc:inkChg chg="add del">
+          <ac:chgData name="Jonas Heilig" userId="c88d6a6d0bf8cbbf" providerId="LiveId" clId="{07F6A8F3-3CDF-6A4A-B5AD-98839B57D09B}" dt="2022-12-31T08:30:33.929" v="130"/>
+          <ac:inkMkLst>
+            <pc:docMk/>
+            <pc:sldMk cId="3832334216" sldId="259"/>
+            <ac:inkMk id="7" creationId="{E1BB90C1-0859-0031-9B81-5B544CDB362C}"/>
+          </ac:inkMkLst>
+        </pc:inkChg>
+        <pc:inkChg chg="add del">
+          <ac:chgData name="Jonas Heilig" userId="c88d6a6d0bf8cbbf" providerId="LiveId" clId="{07F6A8F3-3CDF-6A4A-B5AD-98839B57D09B}" dt="2022-12-31T08:30:56.835" v="138"/>
+          <ac:inkMkLst>
+            <pc:docMk/>
+            <pc:sldMk cId="3832334216" sldId="259"/>
+            <ac:inkMk id="8" creationId="{A4101532-BBC6-5661-D56A-5AD3FE57C6E1}"/>
+          </ac:inkMkLst>
+        </pc:inkChg>
+        <pc:inkChg chg="add del">
+          <ac:chgData name="Jonas Heilig" userId="c88d6a6d0bf8cbbf" providerId="LiveId" clId="{07F6A8F3-3CDF-6A4A-B5AD-98839B57D09B}" dt="2022-12-31T08:31:48.662" v="158"/>
+          <ac:inkMkLst>
+            <pc:docMk/>
+            <pc:sldMk cId="3832334216" sldId="259"/>
+            <ac:inkMk id="9" creationId="{C0C830A1-61EB-4DEF-F819-F6E2E760DC6E}"/>
+          </ac:inkMkLst>
+        </pc:inkChg>
+        <pc:inkChg chg="add del">
+          <ac:chgData name="Jonas Heilig" userId="c88d6a6d0bf8cbbf" providerId="LiveId" clId="{07F6A8F3-3CDF-6A4A-B5AD-98839B57D09B}" dt="2022-12-31T08:31:48.662" v="158"/>
+          <ac:inkMkLst>
+            <pc:docMk/>
+            <pc:sldMk cId="3832334216" sldId="259"/>
+            <ac:inkMk id="10" creationId="{AF0920CD-B121-4570-1F70-4AB9690AF278}"/>
+          </ac:inkMkLst>
+        </pc:inkChg>
+        <pc:inkChg chg="add del">
+          <ac:chgData name="Jonas Heilig" userId="c88d6a6d0bf8cbbf" providerId="LiveId" clId="{07F6A8F3-3CDF-6A4A-B5AD-98839B57D09B}" dt="2022-12-31T08:31:48.662" v="158"/>
+          <ac:inkMkLst>
+            <pc:docMk/>
+            <pc:sldMk cId="3832334216" sldId="259"/>
+            <ac:inkMk id="11" creationId="{19068B21-40CE-CA61-7ECE-99A01903FB32}"/>
+          </ac:inkMkLst>
+        </pc:inkChg>
+        <pc:inkChg chg="add del">
+          <ac:chgData name="Jonas Heilig" userId="c88d6a6d0bf8cbbf" providerId="LiveId" clId="{07F6A8F3-3CDF-6A4A-B5AD-98839B57D09B}" dt="2022-12-31T08:31:48.662" v="158"/>
+          <ac:inkMkLst>
+            <pc:docMk/>
+            <pc:sldMk cId="3832334216" sldId="259"/>
+            <ac:inkMk id="12" creationId="{1D9802E7-6121-0ACC-10CC-B83F9ED8408E}"/>
+          </ac:inkMkLst>
+        </pc:inkChg>
+        <pc:inkChg chg="add del">
+          <ac:chgData name="Jonas Heilig" userId="c88d6a6d0bf8cbbf" providerId="LiveId" clId="{07F6A8F3-3CDF-6A4A-B5AD-98839B57D09B}" dt="2022-12-31T08:31:48.662" v="158"/>
+          <ac:inkMkLst>
+            <pc:docMk/>
+            <pc:sldMk cId="3832334216" sldId="259"/>
+            <ac:inkMk id="13" creationId="{43AB4872-EDEB-D44B-0349-BA24115229E1}"/>
+          </ac:inkMkLst>
+        </pc:inkChg>
+        <pc:inkChg chg="add del">
+          <ac:chgData name="Jonas Heilig" userId="c88d6a6d0bf8cbbf" providerId="LiveId" clId="{07F6A8F3-3CDF-6A4A-B5AD-98839B57D09B}" dt="2022-12-31T08:31:48.662" v="158"/>
+          <ac:inkMkLst>
+            <pc:docMk/>
+            <pc:sldMk cId="3832334216" sldId="259"/>
+            <ac:inkMk id="14" creationId="{C6636DE1-F930-EFD2-410F-215B8AD78C9C}"/>
+          </ac:inkMkLst>
+        </pc:inkChg>
+        <pc:inkChg chg="add del">
+          <ac:chgData name="Jonas Heilig" userId="c88d6a6d0bf8cbbf" providerId="LiveId" clId="{07F6A8F3-3CDF-6A4A-B5AD-98839B57D09B}" dt="2022-12-31T08:31:48.662" v="158"/>
+          <ac:inkMkLst>
+            <pc:docMk/>
+            <pc:sldMk cId="3832334216" sldId="259"/>
+            <ac:inkMk id="15" creationId="{32B4B37F-F469-C61C-DF2B-CD199F098668}"/>
+          </ac:inkMkLst>
+        </pc:inkChg>
+        <pc:inkChg chg="add del">
+          <ac:chgData name="Jonas Heilig" userId="c88d6a6d0bf8cbbf" providerId="LiveId" clId="{07F6A8F3-3CDF-6A4A-B5AD-98839B57D09B}" dt="2022-12-31T08:31:48.662" v="158"/>
+          <ac:inkMkLst>
+            <pc:docMk/>
+            <pc:sldMk cId="3832334216" sldId="259"/>
+            <ac:inkMk id="16" creationId="{1179D927-7AE0-A426-5F61-01CB54BBE027}"/>
+          </ac:inkMkLst>
+        </pc:inkChg>
+        <pc:inkChg chg="add del">
+          <ac:chgData name="Jonas Heilig" userId="c88d6a6d0bf8cbbf" providerId="LiveId" clId="{07F6A8F3-3CDF-6A4A-B5AD-98839B57D09B}" dt="2022-12-31T08:31:48.662" v="158"/>
+          <ac:inkMkLst>
+            <pc:docMk/>
+            <pc:sldMk cId="3832334216" sldId="259"/>
+            <ac:inkMk id="17" creationId="{8D1BF84F-676E-228B-0E8F-59DDC6C4F371}"/>
+          </ac:inkMkLst>
+        </pc:inkChg>
+        <pc:inkChg chg="add del">
+          <ac:chgData name="Jonas Heilig" userId="c88d6a6d0bf8cbbf" providerId="LiveId" clId="{07F6A8F3-3CDF-6A4A-B5AD-98839B57D09B}" dt="2022-12-31T08:31:48.662" v="158"/>
+          <ac:inkMkLst>
+            <pc:docMk/>
+            <pc:sldMk cId="3832334216" sldId="259"/>
+            <ac:inkMk id="18" creationId="{54EB949C-E5C5-E65C-2EBF-412C45FBCED1}"/>
+          </ac:inkMkLst>
+        </pc:inkChg>
+        <pc:inkChg chg="add del">
+          <ac:chgData name="Jonas Heilig" userId="c88d6a6d0bf8cbbf" providerId="LiveId" clId="{07F6A8F3-3CDF-6A4A-B5AD-98839B57D09B}" dt="2022-12-31T08:31:48.662" v="158"/>
+          <ac:inkMkLst>
+            <pc:docMk/>
+            <pc:sldMk cId="3832334216" sldId="259"/>
+            <ac:inkMk id="19" creationId="{CB895E04-B336-3AF1-81A1-BA76D88FB7E9}"/>
+          </ac:inkMkLst>
+        </pc:inkChg>
+        <pc:inkChg chg="add del">
+          <ac:chgData name="Jonas Heilig" userId="c88d6a6d0bf8cbbf" providerId="LiveId" clId="{07F6A8F3-3CDF-6A4A-B5AD-98839B57D09B}" dt="2022-12-31T08:31:48.662" v="158"/>
+          <ac:inkMkLst>
+            <pc:docMk/>
+            <pc:sldMk cId="3832334216" sldId="259"/>
+            <ac:inkMk id="20" creationId="{3930A81D-689D-7E6E-B27A-4070D91B04BC}"/>
+          </ac:inkMkLst>
+        </pc:inkChg>
+        <pc:inkChg chg="add del">
+          <ac:chgData name="Jonas Heilig" userId="c88d6a6d0bf8cbbf" providerId="LiveId" clId="{07F6A8F3-3CDF-6A4A-B5AD-98839B57D09B}" dt="2022-12-31T08:31:48.662" v="158"/>
+          <ac:inkMkLst>
+            <pc:docMk/>
+            <pc:sldMk cId="3832334216" sldId="259"/>
+            <ac:inkMk id="21" creationId="{21DE5EE0-7673-79E5-7025-2856CA4E5239}"/>
+          </ac:inkMkLst>
+        </pc:inkChg>
+        <pc:inkChg chg="add del">
+          <ac:chgData name="Jonas Heilig" userId="c88d6a6d0bf8cbbf" providerId="LiveId" clId="{07F6A8F3-3CDF-6A4A-B5AD-98839B57D09B}" dt="2022-12-31T08:31:48.662" v="158"/>
+          <ac:inkMkLst>
+            <pc:docMk/>
+            <pc:sldMk cId="3832334216" sldId="259"/>
+            <ac:inkMk id="22" creationId="{E006BCF5-15A8-B2D1-E80C-20062A170F90}"/>
+          </ac:inkMkLst>
+        </pc:inkChg>
+        <pc:inkChg chg="add del">
+          <ac:chgData name="Jonas Heilig" userId="c88d6a6d0bf8cbbf" providerId="LiveId" clId="{07F6A8F3-3CDF-6A4A-B5AD-98839B57D09B}" dt="2022-12-31T08:31:48.662" v="158"/>
+          <ac:inkMkLst>
+            <pc:docMk/>
+            <pc:sldMk cId="3832334216" sldId="259"/>
+            <ac:inkMk id="23" creationId="{F83475B1-D27F-37DA-F84E-CFF879CCD8C8}"/>
+          </ac:inkMkLst>
+        </pc:inkChg>
+        <pc:inkChg chg="add del">
+          <ac:chgData name="Jonas Heilig" userId="c88d6a6d0bf8cbbf" providerId="LiveId" clId="{07F6A8F3-3CDF-6A4A-B5AD-98839B57D09B}" dt="2022-12-31T08:31:48.662" v="158"/>
+          <ac:inkMkLst>
+            <pc:docMk/>
+            <pc:sldMk cId="3832334216" sldId="259"/>
+            <ac:inkMk id="24" creationId="{F8215D61-1715-CE68-2CAE-51EE89E9D460}"/>
+          </ac:inkMkLst>
+        </pc:inkChg>
+        <pc:inkChg chg="add del">
+          <ac:chgData name="Jonas Heilig" userId="c88d6a6d0bf8cbbf" providerId="LiveId" clId="{07F6A8F3-3CDF-6A4A-B5AD-98839B57D09B}" dt="2022-12-31T08:31:48.662" v="158"/>
+          <ac:inkMkLst>
+            <pc:docMk/>
+            <pc:sldMk cId="3832334216" sldId="259"/>
+            <ac:inkMk id="25" creationId="{C139DD37-16F8-6B6D-6AD2-E5C412EFC697}"/>
+          </ac:inkMkLst>
+        </pc:inkChg>
+        <pc:inkChg chg="add del reco">
+          <ac:chgData name="Jonas Heilig" userId="c88d6a6d0bf8cbbf" providerId="LiveId" clId="{07F6A8F3-3CDF-6A4A-B5AD-98839B57D09B}" dt="2022-12-31T08:33:23.310" v="175" actId="34122"/>
+          <ac:inkMkLst>
+            <pc:docMk/>
+            <pc:sldMk cId="3832334216" sldId="259"/>
+            <ac:inkMk id="26" creationId="{3289E0E9-B65C-9743-4AAA-46B39EE9C24D}"/>
+          </ac:inkMkLst>
+        </pc:inkChg>
+        <pc:inkChg chg="add del mod reco">
+          <ac:chgData name="Jonas Heilig" userId="c88d6a6d0bf8cbbf" providerId="LiveId" clId="{07F6A8F3-3CDF-6A4A-B5AD-98839B57D09B}" dt="2022-12-31T08:33:14.276" v="174" actId="34122"/>
+          <ac:inkMkLst>
+            <pc:docMk/>
+            <pc:sldMk cId="3832334216" sldId="259"/>
+            <ac:inkMk id="27" creationId="{35C659D8-BD57-71FD-4E4D-DB02B76A8524}"/>
+          </ac:inkMkLst>
+        </pc:inkChg>
+        <pc:inkChg chg="add">
+          <ac:chgData name="Jonas Heilig" userId="c88d6a6d0bf8cbbf" providerId="LiveId" clId="{07F6A8F3-3CDF-6A4A-B5AD-98839B57D09B}" dt="2022-12-31T08:31:51.248" v="159"/>
           <ac:inkMkLst>
             <pc:docMk/>
             <pc:sldMk cId="3832334216" sldId="259"/>
             <ac:inkMk id="28" creationId="{CEEF09BF-67CA-087B-8FA1-347CB490894A}"/>
           </ac:inkMkLst>
         </pc:inkChg>
+        <pc:inkChg chg="add del">
+          <ac:chgData name="Jonas Heilig" userId="c88d6a6d0bf8cbbf" providerId="LiveId" clId="{07F6A8F3-3CDF-6A4A-B5AD-98839B57D09B}" dt="2022-12-31T08:31:57.448" v="161"/>
+          <ac:inkMkLst>
+            <pc:docMk/>
+            <pc:sldMk cId="3832334216" sldId="259"/>
+            <ac:inkMk id="29" creationId="{75393FC5-BBD8-DEB6-7B30-69B6805D3D5B}"/>
+          </ac:inkMkLst>
+        </pc:inkChg>
+        <pc:inkChg chg="add del">
+          <ac:chgData name="Jonas Heilig" userId="c88d6a6d0bf8cbbf" providerId="LiveId" clId="{07F6A8F3-3CDF-6A4A-B5AD-98839B57D09B}" dt="2022-12-31T08:32:13.915" v="165"/>
+          <ac:inkMkLst>
+            <pc:docMk/>
+            <pc:sldMk cId="3832334216" sldId="259"/>
+            <ac:inkMk id="30" creationId="{944A74DB-11C9-5A55-8464-78BD27B7C751}"/>
+          </ac:inkMkLst>
+        </pc:inkChg>
+        <pc:inkChg chg="add del">
+          <ac:chgData name="Jonas Heilig" userId="c88d6a6d0bf8cbbf" providerId="LiveId" clId="{07F6A8F3-3CDF-6A4A-B5AD-98839B57D09B}" dt="2022-12-31T08:32:13.413" v="164"/>
+          <ac:inkMkLst>
+            <pc:docMk/>
+            <pc:sldMk cId="3832334216" sldId="259"/>
+            <ac:inkMk id="31" creationId="{3AA9D75A-0378-FADD-7A3E-9D187B675897}"/>
+          </ac:inkMkLst>
+        </pc:inkChg>
+        <pc:inkChg chg="add del">
+          <ac:chgData name="Jonas Heilig" userId="c88d6a6d0bf8cbbf" providerId="LiveId" clId="{07F6A8F3-3CDF-6A4A-B5AD-98839B57D09B}" dt="2022-12-31T08:32:48.793" v="171"/>
+          <ac:inkMkLst>
+            <pc:docMk/>
+            <pc:sldMk cId="3832334216" sldId="259"/>
+            <ac:inkMk id="32" creationId="{72C2764D-9E52-5EC2-58E6-812E1AAF2B4D}"/>
+          </ac:inkMkLst>
+        </pc:inkChg>
+        <pc:inkChg chg="add del">
+          <ac:chgData name="Jonas Heilig" userId="c88d6a6d0bf8cbbf" providerId="LiveId" clId="{07F6A8F3-3CDF-6A4A-B5AD-98839B57D09B}" dt="2022-12-31T08:32:48.627" v="170"/>
+          <ac:inkMkLst>
+            <pc:docMk/>
+            <pc:sldMk cId="3832334216" sldId="259"/>
+            <ac:inkMk id="33" creationId="{5671A836-9276-859D-B409-AF43734178E8}"/>
+          </ac:inkMkLst>
+        </pc:inkChg>
+        <pc:inkChg chg="add del">
+          <ac:chgData name="Jonas Heilig" userId="c88d6a6d0bf8cbbf" providerId="LiveId" clId="{07F6A8F3-3CDF-6A4A-B5AD-98839B57D09B}" dt="2022-12-31T08:32:48.183" v="169"/>
+          <ac:inkMkLst>
+            <pc:docMk/>
+            <pc:sldMk cId="3832334216" sldId="259"/>
+            <ac:inkMk id="34" creationId="{33B95365-91D5-A9AE-E5CF-81D3FF4C45A3}"/>
+          </ac:inkMkLst>
+        </pc:inkChg>
+        <pc:inkChg chg="add del">
+          <ac:chgData name="Jonas Heilig" userId="c88d6a6d0bf8cbbf" providerId="LiveId" clId="{07F6A8F3-3CDF-6A4A-B5AD-98839B57D09B}" dt="2022-12-31T08:34:26.352" v="182"/>
+          <ac:inkMkLst>
+            <pc:docMk/>
+            <pc:sldMk cId="3832334216" sldId="259"/>
+            <ac:inkMk id="35" creationId="{585AE61C-E111-C7D7-194C-9F2B8F6D344C}"/>
+          </ac:inkMkLst>
+        </pc:inkChg>
       </pc:sldChg>
-      <pc:sldChg chg="new ord setBg">
-        <pc:chgData name="Jonas Heilig" userId="c88d6a6d0bf8cbbf" providerId="LiveId" clId="{8FAB23F0-ADE3-47C6-8875-5BCBBF6293AC}" dt="2023-04-04T09:03:09.660" v="1308"/>
-        <pc:sldMkLst>
-          <pc:docMk/>
-          <pc:sldMk cId="758329672" sldId="260"/>
-        </pc:sldMkLst>
-      </pc:sldChg>
-      <pc:sldChg chg="addSp modSp new del mod">
-        <pc:chgData name="Jonas Heilig" userId="c88d6a6d0bf8cbbf" providerId="LiveId" clId="{8FAB23F0-ADE3-47C6-8875-5BCBBF6293AC}" dt="2023-04-04T08:58:10.140" v="1025" actId="2696"/>
-        <pc:sldMkLst>
-          <pc:docMk/>
-          <pc:sldMk cId="3550947273" sldId="261"/>
-        </pc:sldMkLst>
-        <pc:graphicFrameChg chg="add mod">
-          <ac:chgData name="Jonas Heilig" userId="c88d6a6d0bf8cbbf" providerId="LiveId" clId="{8FAB23F0-ADE3-47C6-8875-5BCBBF6293AC}" dt="2023-04-04T08:57:59.697" v="1024" actId="14100"/>
-          <ac:graphicFrameMkLst>
-            <pc:docMk/>
-            <pc:sldMk cId="3550947273" sldId="261"/>
-            <ac:graphicFrameMk id="2" creationId="{46DD37A0-5279-278B-0E54-09418D2BDDF5}"/>
-          </ac:graphicFrameMkLst>
-        </pc:graphicFrameChg>
-      </pc:sldChg>
-      <pc:sldChg chg="addSp delSp modSp new mod ord setBg modClrScheme chgLayout">
-        <pc:chgData name="Jonas Heilig" userId="c88d6a6d0bf8cbbf" providerId="LiveId" clId="{8FAB23F0-ADE3-47C6-8875-5BCBBF6293AC}" dt="2023-04-04T09:20:40.189" v="1506" actId="20577"/>
-        <pc:sldMkLst>
-          <pc:docMk/>
-          <pc:sldMk cId="3725499112" sldId="261"/>
-        </pc:sldMkLst>
-        <pc:spChg chg="add mod ord">
-          <ac:chgData name="Jonas Heilig" userId="c88d6a6d0bf8cbbf" providerId="LiveId" clId="{8FAB23F0-ADE3-47C6-8875-5BCBBF6293AC}" dt="2023-04-04T09:20:40.189" v="1506" actId="20577"/>
-          <ac:spMkLst>
-            <pc:docMk/>
-            <pc:sldMk cId="3725499112" sldId="261"/>
-            <ac:spMk id="4" creationId="{D4B4EED9-1591-277B-6936-7E44E84EBC87}"/>
-          </ac:spMkLst>
-        </pc:spChg>
-        <pc:spChg chg="add del mod">
-          <ac:chgData name="Jonas Heilig" userId="c88d6a6d0bf8cbbf" providerId="LiveId" clId="{8FAB23F0-ADE3-47C6-8875-5BCBBF6293AC}" dt="2023-04-04T09:13:28.470" v="1386" actId="700"/>
-          <ac:spMkLst>
-            <pc:docMk/>
-            <pc:sldMk cId="3725499112" sldId="261"/>
-            <ac:spMk id="5" creationId="{FA38CC8F-5DA6-D37B-E00B-53F21CE10715}"/>
-          </ac:spMkLst>
-        </pc:spChg>
-        <pc:spChg chg="add del mod">
-          <ac:chgData name="Jonas Heilig" userId="c88d6a6d0bf8cbbf" providerId="LiveId" clId="{8FAB23F0-ADE3-47C6-8875-5BCBBF6293AC}" dt="2023-04-04T09:00:28.916" v="1043"/>
-          <ac:spMkLst>
-            <pc:docMk/>
-            <pc:sldMk cId="3725499112" sldId="261"/>
-            <ac:spMk id="6" creationId="{B1572D15-E2EC-22A1-0659-1AC9A1773A9D}"/>
-          </ac:spMkLst>
-        </pc:spChg>
-        <pc:spChg chg="add del mod">
-          <ac:chgData name="Jonas Heilig" userId="c88d6a6d0bf8cbbf" providerId="LiveId" clId="{8FAB23F0-ADE3-47C6-8875-5BCBBF6293AC}" dt="2023-04-04T09:14:20.852" v="1393"/>
-          <ac:spMkLst>
-            <pc:docMk/>
-            <pc:sldMk cId="3725499112" sldId="261"/>
-            <ac:spMk id="7" creationId="{DB93098D-CC21-1F8D-7DBE-6A02E3536AE5}"/>
-          </ac:spMkLst>
-        </pc:spChg>
-        <pc:spChg chg="add del mod">
-          <ac:chgData name="Jonas Heilig" userId="c88d6a6d0bf8cbbf" providerId="LiveId" clId="{8FAB23F0-ADE3-47C6-8875-5BCBBF6293AC}" dt="2023-04-04T09:14:20.852" v="1395"/>
-          <ac:spMkLst>
-            <pc:docMk/>
-            <pc:sldMk cId="3725499112" sldId="261"/>
-            <ac:spMk id="8" creationId="{6889982C-6C46-6F2F-1010-91D1DE476920}"/>
-          </ac:spMkLst>
-        </pc:spChg>
-        <pc:spChg chg="add mod">
-          <ac:chgData name="Jonas Heilig" userId="c88d6a6d0bf8cbbf" providerId="LiveId" clId="{8FAB23F0-ADE3-47C6-8875-5BCBBF6293AC}" dt="2023-04-04T09:18:30.786" v="1437" actId="113"/>
-          <ac:spMkLst>
-            <pc:docMk/>
-            <pc:sldMk cId="3725499112" sldId="261"/>
-            <ac:spMk id="9" creationId="{5CC9725D-1056-92D3-457A-81A4B76A821C}"/>
-          </ac:spMkLst>
-        </pc:spChg>
-        <pc:graphicFrameChg chg="add del">
-          <ac:chgData name="Jonas Heilig" userId="c88d6a6d0bf8cbbf" providerId="LiveId" clId="{8FAB23F0-ADE3-47C6-8875-5BCBBF6293AC}" dt="2023-04-04T08:58:45.676" v="1030" actId="478"/>
-          <ac:graphicFrameMkLst>
-            <pc:docMk/>
-            <pc:sldMk cId="3725499112" sldId="261"/>
-            <ac:graphicFrameMk id="2" creationId="{3D0AE5FE-5BD7-548D-6D18-1D7461EBDBFF}"/>
-          </ac:graphicFrameMkLst>
-        </pc:graphicFrameChg>
-        <pc:graphicFrameChg chg="add del">
-          <ac:chgData name="Jonas Heilig" userId="c88d6a6d0bf8cbbf" providerId="LiveId" clId="{8FAB23F0-ADE3-47C6-8875-5BCBBF6293AC}" dt="2023-04-04T08:59:11.715" v="1032" actId="478"/>
-          <ac:graphicFrameMkLst>
-            <pc:docMk/>
-            <pc:sldMk cId="3725499112" sldId="261"/>
-            <ac:graphicFrameMk id="3" creationId="{E5BFB70B-0B9A-C839-2AC8-DF3D086D7CA5}"/>
-          </ac:graphicFrameMkLst>
-        </pc:graphicFrameChg>
-      </pc:sldChg>
-      <pc:sldChg chg="modSp add mod ord">
-        <pc:chgData name="Jonas Heilig" userId="c88d6a6d0bf8cbbf" providerId="LiveId" clId="{8FAB23F0-ADE3-47C6-8875-5BCBBF6293AC}" dt="2023-04-04T09:39:52.403" v="1750" actId="14100"/>
-        <pc:sldMkLst>
-          <pc:docMk/>
-          <pc:sldMk cId="4191634011" sldId="262"/>
-        </pc:sldMkLst>
-        <pc:spChg chg="mod">
-          <ac:chgData name="Jonas Heilig" userId="c88d6a6d0bf8cbbf" providerId="LiveId" clId="{8FAB23F0-ADE3-47C6-8875-5BCBBF6293AC}" dt="2023-04-04T09:39:52.403" v="1750" actId="14100"/>
-          <ac:spMkLst>
-            <pc:docMk/>
-            <pc:sldMk cId="4191634011" sldId="262"/>
-            <ac:spMk id="4" creationId="{D4B4EED9-1591-277B-6936-7E44E84EBC87}"/>
-          </ac:spMkLst>
-        </pc:spChg>
-        <pc:spChg chg="mod">
-          <ac:chgData name="Jonas Heilig" userId="c88d6a6d0bf8cbbf" providerId="LiveId" clId="{8FAB23F0-ADE3-47C6-8875-5BCBBF6293AC}" dt="2023-04-04T09:24:04.449" v="1554" actId="20577"/>
-          <ac:spMkLst>
-            <pc:docMk/>
-            <pc:sldMk cId="4191634011" sldId="262"/>
-            <ac:spMk id="9" creationId="{5CC9725D-1056-92D3-457A-81A4B76A821C}"/>
-          </ac:spMkLst>
-        </pc:spChg>
-      </pc:sldChg>
-      <pc:sldChg chg="addSp delSp modSp new mod modClrScheme chgLayout">
-        <pc:chgData name="Jonas Heilig" userId="c88d6a6d0bf8cbbf" providerId="LiveId" clId="{8FAB23F0-ADE3-47C6-8875-5BCBBF6293AC}" dt="2023-04-04T09:45:51.598" v="1758" actId="700"/>
-        <pc:sldMkLst>
-          <pc:docMk/>
-          <pc:sldMk cId="3359190613" sldId="263"/>
-        </pc:sldMkLst>
-        <pc:spChg chg="del mod ord">
-          <ac:chgData name="Jonas Heilig" userId="c88d6a6d0bf8cbbf" providerId="LiveId" clId="{8FAB23F0-ADE3-47C6-8875-5BCBBF6293AC}" dt="2023-04-04T09:36:51.463" v="1659" actId="700"/>
-          <ac:spMkLst>
-            <pc:docMk/>
-            <pc:sldMk cId="3359190613" sldId="263"/>
-            <ac:spMk id="2" creationId="{4F0DE048-C2B8-B832-C40A-7E3623BA4CBC}"/>
-          </ac:spMkLst>
-        </pc:spChg>
-        <pc:spChg chg="del">
-          <ac:chgData name="Jonas Heilig" userId="c88d6a6d0bf8cbbf" providerId="LiveId" clId="{8FAB23F0-ADE3-47C6-8875-5BCBBF6293AC}" dt="2023-04-04T09:36:51.463" v="1659" actId="700"/>
-          <ac:spMkLst>
-            <pc:docMk/>
-            <pc:sldMk cId="3359190613" sldId="263"/>
-            <ac:spMk id="3" creationId="{A6BBCF4B-E3AE-6F36-7CD2-0F60BEE939EC}"/>
-          </ac:spMkLst>
-        </pc:spChg>
-        <pc:spChg chg="add mod ord">
-          <ac:chgData name="Jonas Heilig" userId="c88d6a6d0bf8cbbf" providerId="LiveId" clId="{8FAB23F0-ADE3-47C6-8875-5BCBBF6293AC}" dt="2023-04-04T09:45:51.598" v="1758" actId="700"/>
-          <ac:spMkLst>
-            <pc:docMk/>
-            <pc:sldMk cId="3359190613" sldId="263"/>
-            <ac:spMk id="4" creationId="{0B7541E0-5B93-2ECE-AE35-2A60244163AC}"/>
-          </ac:spMkLst>
-        </pc:spChg>
-        <pc:spChg chg="add del">
-          <ac:chgData name="Jonas Heilig" userId="c88d6a6d0bf8cbbf" providerId="LiveId" clId="{8FAB23F0-ADE3-47C6-8875-5BCBBF6293AC}" dt="2023-04-04T09:40:54.480" v="1754" actId="22"/>
-          <ac:spMkLst>
-            <pc:docMk/>
-            <pc:sldMk cId="3359190613" sldId="263"/>
-            <ac:spMk id="8" creationId="{47EFC562-D833-50A3-C454-840B220E3771}"/>
-          </ac:spMkLst>
-        </pc:spChg>
-        <pc:spChg chg="add del mod ord">
-          <ac:chgData name="Jonas Heilig" userId="c88d6a6d0bf8cbbf" providerId="LiveId" clId="{8FAB23F0-ADE3-47C6-8875-5BCBBF6293AC}" dt="2023-04-04T09:45:51.598" v="1758" actId="700"/>
-          <ac:spMkLst>
-            <pc:docMk/>
-            <pc:sldMk cId="3359190613" sldId="263"/>
-            <ac:spMk id="10" creationId="{0110C2E1-4C95-BB99-34D9-EE0904EFDF7D}"/>
-          </ac:spMkLst>
-        </pc:spChg>
-        <pc:picChg chg="add del">
-          <ac:chgData name="Jonas Heilig" userId="c88d6a6d0bf8cbbf" providerId="LiveId" clId="{8FAB23F0-ADE3-47C6-8875-5BCBBF6293AC}" dt="2023-04-04T09:40:40.138" v="1752" actId="22"/>
-          <ac:picMkLst>
-            <pc:docMk/>
-            <pc:sldMk cId="3359190613" sldId="263"/>
-            <ac:picMk id="6" creationId="{E3218086-ECA0-EC70-0F96-596A6C86A574}"/>
-          </ac:picMkLst>
-        </pc:picChg>
-        <pc:picChg chg="add mod">
-          <ac:chgData name="Jonas Heilig" userId="c88d6a6d0bf8cbbf" providerId="LiveId" clId="{8FAB23F0-ADE3-47C6-8875-5BCBBF6293AC}" dt="2023-04-04T09:44:22.067" v="1756" actId="1076"/>
-          <ac:picMkLst>
-            <pc:docMk/>
-            <pc:sldMk cId="3359190613" sldId="263"/>
-            <ac:picMk id="9" creationId="{F459E6D9-49B9-C7CF-1B03-B9F38C0330A8}"/>
-          </ac:picMkLst>
-        </pc:picChg>
-      </pc:sldChg>
-      <pc:sldChg chg="addSp modSp new mod modClrScheme chgLayout">
-        <pc:chgData name="Jonas Heilig" userId="c88d6a6d0bf8cbbf" providerId="LiveId" clId="{8FAB23F0-ADE3-47C6-8875-5BCBBF6293AC}" dt="2023-04-04T09:49:47.908" v="1842" actId="20577"/>
-        <pc:sldMkLst>
-          <pc:docMk/>
-          <pc:sldMk cId="4077221750" sldId="264"/>
-        </pc:sldMkLst>
-        <pc:spChg chg="mod ord">
-          <ac:chgData name="Jonas Heilig" userId="c88d6a6d0bf8cbbf" providerId="LiveId" clId="{8FAB23F0-ADE3-47C6-8875-5BCBBF6293AC}" dt="2023-04-04T09:46:31.608" v="1776" actId="700"/>
-          <ac:spMkLst>
-            <pc:docMk/>
-            <pc:sldMk cId="4077221750" sldId="264"/>
-            <ac:spMk id="2" creationId="{470C0384-C4BB-95D5-4A40-F1708FA8EE6F}"/>
-          </ac:spMkLst>
-        </pc:spChg>
-        <pc:spChg chg="add mod ord">
-          <ac:chgData name="Jonas Heilig" userId="c88d6a6d0bf8cbbf" providerId="LiveId" clId="{8FAB23F0-ADE3-47C6-8875-5BCBBF6293AC}" dt="2023-04-04T09:49:47.908" v="1842" actId="20577"/>
-          <ac:spMkLst>
-            <pc:docMk/>
-            <pc:sldMk cId="4077221750" sldId="264"/>
-            <ac:spMk id="3" creationId="{B4095489-9E6C-2FDB-8E29-DF83EA8199F5}"/>
-          </ac:spMkLst>
-        </pc:spChg>
-      </pc:sldChg>
-      <pc:sldMasterChg chg="setBg modSldLayout">
-        <pc:chgData name="Jonas Heilig" userId="c88d6a6d0bf8cbbf" providerId="LiveId" clId="{8FAB23F0-ADE3-47C6-8875-5BCBBF6293AC}" dt="2023-04-04T09:03:01.791" v="1306"/>
-        <pc:sldMasterMkLst>
-          <pc:docMk/>
-          <pc:sldMasterMk cId="3552469858" sldId="2147483648"/>
-        </pc:sldMasterMkLst>
-        <pc:sldLayoutChg chg="setBg">
-          <pc:chgData name="Jonas Heilig" userId="c88d6a6d0bf8cbbf" providerId="LiveId" clId="{8FAB23F0-ADE3-47C6-8875-5BCBBF6293AC}" dt="2023-04-04T09:03:01.791" v="1306"/>
-          <pc:sldLayoutMkLst>
-            <pc:docMk/>
-            <pc:sldMasterMk cId="3552469858" sldId="2147483648"/>
-            <pc:sldLayoutMk cId="153255027" sldId="2147483649"/>
-          </pc:sldLayoutMkLst>
-        </pc:sldLayoutChg>
-        <pc:sldLayoutChg chg="setBg">
-          <pc:chgData name="Jonas Heilig" userId="c88d6a6d0bf8cbbf" providerId="LiveId" clId="{8FAB23F0-ADE3-47C6-8875-5BCBBF6293AC}" dt="2023-04-04T09:03:01.791" v="1306"/>
-          <pc:sldLayoutMkLst>
-            <pc:docMk/>
-            <pc:sldMasterMk cId="3552469858" sldId="2147483648"/>
-            <pc:sldLayoutMk cId="484307115" sldId="2147483650"/>
-          </pc:sldLayoutMkLst>
-        </pc:sldLayoutChg>
-        <pc:sldLayoutChg chg="setBg">
-          <pc:chgData name="Jonas Heilig" userId="c88d6a6d0bf8cbbf" providerId="LiveId" clId="{8FAB23F0-ADE3-47C6-8875-5BCBBF6293AC}" dt="2023-04-04T09:03:01.791" v="1306"/>
-          <pc:sldLayoutMkLst>
-            <pc:docMk/>
-            <pc:sldMasterMk cId="3552469858" sldId="2147483648"/>
-            <pc:sldLayoutMk cId="2138607954" sldId="2147483651"/>
-          </pc:sldLayoutMkLst>
-        </pc:sldLayoutChg>
-        <pc:sldLayoutChg chg="setBg">
-          <pc:chgData name="Jonas Heilig" userId="c88d6a6d0bf8cbbf" providerId="LiveId" clId="{8FAB23F0-ADE3-47C6-8875-5BCBBF6293AC}" dt="2023-04-04T09:03:01.791" v="1306"/>
-          <pc:sldLayoutMkLst>
-            <pc:docMk/>
-            <pc:sldMasterMk cId="3552469858" sldId="2147483648"/>
-            <pc:sldLayoutMk cId="1420246937" sldId="2147483652"/>
-          </pc:sldLayoutMkLst>
-        </pc:sldLayoutChg>
-        <pc:sldLayoutChg chg="setBg">
-          <pc:chgData name="Jonas Heilig" userId="c88d6a6d0bf8cbbf" providerId="LiveId" clId="{8FAB23F0-ADE3-47C6-8875-5BCBBF6293AC}" dt="2023-04-04T09:03:01.791" v="1306"/>
-          <pc:sldLayoutMkLst>
-            <pc:docMk/>
-            <pc:sldMasterMk cId="3552469858" sldId="2147483648"/>
-            <pc:sldLayoutMk cId="2256316812" sldId="2147483653"/>
-          </pc:sldLayoutMkLst>
-        </pc:sldLayoutChg>
-        <pc:sldLayoutChg chg="setBg">
-          <pc:chgData name="Jonas Heilig" userId="c88d6a6d0bf8cbbf" providerId="LiveId" clId="{8FAB23F0-ADE3-47C6-8875-5BCBBF6293AC}" dt="2023-04-04T09:03:01.791" v="1306"/>
-          <pc:sldLayoutMkLst>
-            <pc:docMk/>
-            <pc:sldMasterMk cId="3552469858" sldId="2147483648"/>
-            <pc:sldLayoutMk cId="1665554077" sldId="2147483654"/>
-          </pc:sldLayoutMkLst>
-        </pc:sldLayoutChg>
-        <pc:sldLayoutChg chg="setBg">
-          <pc:chgData name="Jonas Heilig" userId="c88d6a6d0bf8cbbf" providerId="LiveId" clId="{8FAB23F0-ADE3-47C6-8875-5BCBBF6293AC}" dt="2023-04-04T09:03:01.791" v="1306"/>
-          <pc:sldLayoutMkLst>
-            <pc:docMk/>
-            <pc:sldMasterMk cId="3552469858" sldId="2147483648"/>
-            <pc:sldLayoutMk cId="2037769083" sldId="2147483655"/>
-          </pc:sldLayoutMkLst>
-        </pc:sldLayoutChg>
-        <pc:sldLayoutChg chg="setBg">
-          <pc:chgData name="Jonas Heilig" userId="c88d6a6d0bf8cbbf" providerId="LiveId" clId="{8FAB23F0-ADE3-47C6-8875-5BCBBF6293AC}" dt="2023-04-04T09:03:01.791" v="1306"/>
-          <pc:sldLayoutMkLst>
-            <pc:docMk/>
-            <pc:sldMasterMk cId="3552469858" sldId="2147483648"/>
-            <pc:sldLayoutMk cId="3058392341" sldId="2147483656"/>
-          </pc:sldLayoutMkLst>
-        </pc:sldLayoutChg>
-        <pc:sldLayoutChg chg="setBg">
-          <pc:chgData name="Jonas Heilig" userId="c88d6a6d0bf8cbbf" providerId="LiveId" clId="{8FAB23F0-ADE3-47C6-8875-5BCBBF6293AC}" dt="2023-04-04T09:03:01.791" v="1306"/>
-          <pc:sldLayoutMkLst>
-            <pc:docMk/>
-            <pc:sldMasterMk cId="3552469858" sldId="2147483648"/>
-            <pc:sldLayoutMk cId="1012410426" sldId="2147483657"/>
-          </pc:sldLayoutMkLst>
-        </pc:sldLayoutChg>
-        <pc:sldLayoutChg chg="setBg">
-          <pc:chgData name="Jonas Heilig" userId="c88d6a6d0bf8cbbf" providerId="LiveId" clId="{8FAB23F0-ADE3-47C6-8875-5BCBBF6293AC}" dt="2023-04-04T09:03:01.791" v="1306"/>
-          <pc:sldLayoutMkLst>
-            <pc:docMk/>
-            <pc:sldMasterMk cId="3552469858" sldId="2147483648"/>
-            <pc:sldLayoutMk cId="4041454996" sldId="2147483658"/>
-          </pc:sldLayoutMkLst>
-        </pc:sldLayoutChg>
-        <pc:sldLayoutChg chg="setBg">
-          <pc:chgData name="Jonas Heilig" userId="c88d6a6d0bf8cbbf" providerId="LiveId" clId="{8FAB23F0-ADE3-47C6-8875-5BCBBF6293AC}" dt="2023-04-04T09:03:01.791" v="1306"/>
-          <pc:sldLayoutMkLst>
-            <pc:docMk/>
-            <pc:sldMasterMk cId="3552469858" sldId="2147483648"/>
-            <pc:sldLayoutMk cId="4122334913" sldId="2147483659"/>
-          </pc:sldLayoutMkLst>
-        </pc:sldLayoutChg>
-      </pc:sldMasterChg>
     </pc:docChg>
   </pc:docChgLst>
 </pc:chgInfo>
@@ -2561,8 +2561,8 @@
         </p:nvSpPr>
         <p:spPr>
           <a:xfrm>
-            <a:off x="0" y="0"/>
-            <a:ext cx="2945659" cy="498135"/>
+            <a:off x="1" y="0"/>
+            <a:ext cx="4302231" cy="341064"/>
           </a:xfrm>
           <a:prstGeom prst="rect">
             <a:avLst/>
@@ -2592,8 +2592,8 @@
         </p:nvSpPr>
         <p:spPr>
           <a:xfrm>
-            <a:off x="3850443" y="0"/>
-            <a:ext cx="2945659" cy="498135"/>
+            <a:off x="5623698" y="0"/>
+            <a:ext cx="4302231" cy="341064"/>
           </a:xfrm>
           <a:prstGeom prst="rect">
             <a:avLst/>
@@ -2627,8 +2627,8 @@
         </p:nvSpPr>
         <p:spPr>
           <a:xfrm>
-            <a:off x="422275" y="1241425"/>
-            <a:ext cx="5953125" cy="3349625"/>
+            <a:off x="2925763" y="849313"/>
+            <a:ext cx="4076700" cy="2293937"/>
           </a:xfrm>
           <a:prstGeom prst="rect">
             <a:avLst/>
@@ -2660,8 +2660,8 @@
         </p:nvSpPr>
         <p:spPr>
           <a:xfrm>
-            <a:off x="679768" y="4777958"/>
-            <a:ext cx="5438140" cy="3909239"/>
+            <a:off x="992823" y="3271381"/>
+            <a:ext cx="7942580" cy="2676585"/>
           </a:xfrm>
           <a:prstGeom prst="rect">
             <a:avLst/>
@@ -2719,8 +2719,8 @@
         </p:nvSpPr>
         <p:spPr>
           <a:xfrm>
-            <a:off x="0" y="9430091"/>
-            <a:ext cx="2945659" cy="498134"/>
+            <a:off x="1" y="6456612"/>
+            <a:ext cx="4302231" cy="341063"/>
           </a:xfrm>
           <a:prstGeom prst="rect">
             <a:avLst/>
@@ -2750,8 +2750,8 @@
         </p:nvSpPr>
         <p:spPr>
           <a:xfrm>
-            <a:off x="3850443" y="9430091"/>
-            <a:ext cx="2945659" cy="498134"/>
+            <a:off x="5623698" y="6456612"/>
+            <a:ext cx="4302231" cy="341063"/>
           </a:xfrm>
           <a:prstGeom prst="rect">
             <a:avLst/>
@@ -10017,7 +10017,7 @@
           <a:p>
             <a:pPr algn="ctr"/>
             <a:r>
-              <a:rPr lang="de-DE" sz="4400" dirty="0">
+              <a:rPr lang="de-DE" sz="4400">
                 <a:solidFill>
                   <a:schemeClr val="bg1"/>
                 </a:solidFill>
@@ -10025,7 +10025,7 @@
               <a:t>Bitte bildet </a:t>
             </a:r>
             <a:r>
-              <a:rPr lang="de-DE" sz="4400" i="0" dirty="0">
+              <a:rPr lang="de-DE" sz="4400" i="0">
                 <a:solidFill>
                   <a:schemeClr val="bg1"/>
                 </a:solidFill>
@@ -10033,7 +10033,7 @@
               </a:rPr>
               <a:t>Zweiergruppen</a:t>
             </a:r>
-            <a:endParaRPr lang="de-DE" sz="4400" dirty="0">
+            <a:endParaRPr lang="de-DE" sz="4400">
               <a:solidFill>
                 <a:schemeClr val="bg1"/>
               </a:solidFill>
@@ -10094,7 +10094,7 @@
           <a:p>
             <a:pPr algn="ctr"/>
             <a:r>
-              <a:rPr lang="de-DE" dirty="0"/>
+              <a:rPr lang="de-DE"/>
               <a:t>Die Lösung --- Ein Vorwiderstand</a:t>
             </a:r>
           </a:p>
@@ -10127,7 +10127,7 @@
               <a:buNone/>
             </a:pPr>
             <a:r>
-              <a:rPr lang="de-DE" dirty="0"/>
+              <a:rPr lang="de-DE"/>
               <a:t>Wie errechnet man den Widerstand?</a:t>
             </a:r>
           </a:p>
@@ -10136,7 +10136,7 @@
               <a:buNone/>
             </a:pPr>
             <a:r>
-              <a:rPr lang="de-DE" dirty="0"/>
+              <a:rPr lang="de-DE"/>
               <a:t>Man benötigt dafür drei Werte:</a:t>
             </a:r>
           </a:p>
@@ -10144,7 +10144,7 @@
             <a:pPr marL="0" indent="0" algn="ctr">
               <a:buNone/>
             </a:pPr>
-            <a:endParaRPr lang="de-DE" sz="1600" dirty="0"/>
+            <a:endParaRPr lang="de-DE" sz="1600"/>
           </a:p>
           <a:p>
             <a:pPr marL="342900" indent="-342900">
@@ -10155,11 +10155,11 @@
               <a:buChar char="-"/>
             </a:pPr>
             <a:r>
-              <a:rPr lang="de-DE" dirty="0"/>
+              <a:rPr lang="de-DE"/>
               <a:t>V = Betriebsspannung (in Volt</a:t>
             </a:r>
             <a:r>
-              <a:rPr lang="de-DE" dirty="0">
+              <a:rPr lang="de-DE">
                 <a:effectLst/>
                 <a:latin typeface="Calibri" panose="020F0502020204030204" pitchFamily="34" charset="0"/>
                 <a:ea typeface="Calibri" panose="020F0502020204030204" pitchFamily="34" charset="0"/>
@@ -10168,7 +10168,7 @@
               <a:t>, Quelle</a:t>
             </a:r>
             <a:r>
-              <a:rPr lang="de-DE" dirty="0"/>
+              <a:rPr lang="de-DE"/>
               <a:t>)</a:t>
             </a:r>
           </a:p>
@@ -10181,11 +10181,11 @@
               <a:buChar char="-"/>
             </a:pPr>
             <a:r>
-              <a:rPr lang="de-DE" dirty="0"/>
+              <a:rPr lang="de-DE"/>
               <a:t>V_LED = Durchlassspannung der LED </a:t>
             </a:r>
             <a:r>
-              <a:rPr lang="de-DE" kern="100" dirty="0">
+              <a:rPr lang="de-DE" kern="100">
                 <a:effectLst/>
                 <a:latin typeface="Calibri" panose="020F0502020204030204" pitchFamily="34" charset="0"/>
                 <a:ea typeface="Calibri" panose="020F0502020204030204" pitchFamily="34" charset="0"/>
@@ -10203,11 +10203,11 @@
               <a:buChar char="-"/>
             </a:pPr>
             <a:r>
-              <a:rPr lang="de-DE" dirty="0"/>
+              <a:rPr lang="de-DE"/>
               <a:t>I = gewünschter Betriebsstrom </a:t>
             </a:r>
             <a:r>
-              <a:rPr lang="de-DE" kern="100" dirty="0">
+              <a:rPr lang="de-DE" kern="100">
                 <a:effectLst/>
                 <a:latin typeface="Calibri" panose="020F0502020204030204" pitchFamily="34" charset="0"/>
                 <a:ea typeface="Calibri" panose="020F0502020204030204" pitchFamily="34" charset="0"/>
@@ -10601,7 +10601,7 @@
           <a:p>
             <a:pPr marL="0" indent="0" algn="ctr"/>
             <a:r>
-              <a:rPr lang="de-DE" dirty="0"/>
+              <a:rPr lang="de-DE"/>
               <a:t>Die Formel:</a:t>
             </a:r>
           </a:p>
@@ -10637,10 +10637,10 @@
           <a:p>
             <a:pPr algn="ctr"/>
             <a:r>
-              <a:rPr lang="de-DE" sz="5400" b="1" dirty="0"/>
+              <a:rPr lang="de-DE" sz="5400" b="1"/>
               <a:t>R = (V - V_LED) / I</a:t>
             </a:r>
-            <a:endParaRPr lang="de-DE" sz="5400" dirty="0"/>
+            <a:endParaRPr lang="de-DE" sz="5400"/>
           </a:p>
         </p:txBody>
       </p:sp>
@@ -10674,7 +10674,7 @@
           <a:p>
             <a:pPr algn="ctr"/>
             <a:r>
-              <a:rPr lang="de-DE" dirty="0"/>
+              <a:rPr lang="de-DE"/>
               <a:t>(Das Ohmsche Gesetz)</a:t>
             </a:r>
           </a:p>
@@ -10908,7 +10908,7 @@
           <a:p>
             <a:pPr algn="ctr"/>
             <a:r>
-              <a:rPr lang="de-DE" dirty="0"/>
+              <a:rPr lang="de-DE"/>
               <a:t>Farbcodes Widerstände</a:t>
             </a:r>
           </a:p>
@@ -11172,7 +11172,7 @@
           <a:p>
             <a:pPr algn="ctr"/>
             <a:r>
-              <a:rPr lang="de-DE" dirty="0"/>
+              <a:rPr lang="de-DE"/>
               <a:t>Der Zweite Versuch</a:t>
             </a:r>
           </a:p>
@@ -11205,24 +11205,24 @@
           <a:lstStyle/>
           <a:p>
             <a:r>
-              <a:rPr lang="de-DE" dirty="0"/>
+              <a:rPr lang="de-DE"/>
               <a:t>Die LED auf das Steckbrett stecken</a:t>
             </a:r>
           </a:p>
           <a:p>
             <a:r>
-              <a:rPr lang="de-DE" dirty="0"/>
+              <a:rPr lang="de-DE"/>
               <a:t>Widerstand zwischen Anode und Pluspol Batterie</a:t>
             </a:r>
           </a:p>
           <a:p>
             <a:r>
-              <a:rPr lang="de-DE" dirty="0"/>
+              <a:rPr lang="de-DE"/>
               <a:t>Stromquelle anschließen</a:t>
             </a:r>
           </a:p>
           <a:p>
-            <a:endParaRPr lang="de-DE" dirty="0"/>
+            <a:endParaRPr lang="de-DE"/>
           </a:p>
         </p:txBody>
       </p:sp>
@@ -11638,17 +11638,17 @@
           <a:p>
             <a:pPr algn="ctr"/>
             <a:r>
-              <a:rPr lang="de-DE" b="1" dirty="0"/>
+              <a:rPr lang="de-DE" b="1"/>
               <a:t>Theorie zu Microcontroller</a:t>
             </a:r>
             <a:br>
-              <a:rPr lang="de-DE" sz="4400" b="1" dirty="0"/>
+              <a:rPr lang="de-DE" sz="4400" b="1"/>
             </a:br>
             <a:r>
-              <a:rPr lang="de-DE" sz="1000" b="1" dirty="0"/>
+              <a:rPr lang="de-DE" sz="1000" b="1"/>
               <a:t> </a:t>
             </a:r>
-            <a:endParaRPr lang="de-DE" sz="3200" dirty="0"/>
+            <a:endParaRPr lang="de-DE" sz="3200"/>
           </a:p>
         </p:txBody>
       </p:sp>
@@ -11701,23 +11701,23 @@
           <a:p>
             <a:pPr algn="ctr"/>
             <a:r>
-              <a:rPr lang="de-DE" dirty="0">
+              <a:rPr lang="de-DE">
                 <a:effectLst/>
                 <a:ea typeface="Calibri" panose="020F0502020204030204" pitchFamily="34" charset="0"/>
                 <a:cs typeface="Times New Roman" panose="02020603050405020304" pitchFamily="18" charset="0"/>
               </a:rPr>
               <a:t>Microcontroller</a:t>
             </a:r>
-            <a:endParaRPr lang="de-DE" dirty="0"/>
+            <a:endParaRPr lang="de-DE"/>
           </a:p>
           <a:p>
             <a:pPr algn="ctr"/>
-            <a:endParaRPr lang="de-DE" dirty="0"/>
+            <a:endParaRPr lang="de-DE"/>
           </a:p>
           <a:p>
             <a:pPr algn="ctr"/>
             <a:r>
-              <a:rPr lang="de-DE" sz="3200" dirty="0"/>
+              <a:rPr lang="de-DE" sz="3200"/>
               <a:t>Thema 1:</a:t>
             </a:r>
           </a:p>
@@ -11905,7 +11905,7 @@
           <a:p>
             <a:pPr algn="ctr"/>
             <a:r>
-              <a:rPr lang="de-DE" dirty="0"/>
+              <a:rPr lang="de-DE"/>
               <a:t>Was ist ein Microcontroller?</a:t>
             </a:r>
           </a:p>
@@ -11940,7 +11940,7 @@
           <a:lstStyle/>
           <a:p>
             <a:r>
-              <a:rPr lang="de-DE" sz="4400" dirty="0">
+              <a:rPr lang="de-DE" sz="4400">
                 <a:latin typeface="+mj-lt"/>
               </a:rPr>
               <a:t>Was kann ein Microcontroller?</a:t>
@@ -12130,7 +12130,7 @@
           <a:p>
             <a:pPr algn="ctr"/>
             <a:r>
-              <a:rPr lang="de-DE" dirty="0"/>
+              <a:rPr lang="de-DE"/>
               <a:t>Welche Alternativen gibt es in Betrieben?</a:t>
             </a:r>
           </a:p>
@@ -12272,7 +12272,7 @@
           <a:p>
             <a:pPr algn="ctr"/>
             <a:r>
-              <a:rPr lang="de-DE" dirty="0"/>
+              <a:rPr lang="de-DE"/>
               <a:t>Versorgung des Microcontrollers</a:t>
             </a:r>
           </a:p>
@@ -12416,34 +12416,34 @@
           <a:p>
             <a:pPr algn="ctr"/>
             <a:r>
-              <a:rPr lang="de-DE" b="1" dirty="0"/>
+              <a:rPr lang="de-DE" b="1"/>
               <a:t>Das LCD mit I2C</a:t>
             </a:r>
             <a:br>
-              <a:rPr lang="de-DE" sz="4400" b="1" dirty="0"/>
+              <a:rPr lang="de-DE" sz="4400" b="1"/>
             </a:br>
             <a:r>
-              <a:rPr lang="de-DE" sz="1000" b="1" dirty="0"/>
+              <a:rPr lang="de-DE" sz="1000" b="1"/>
               <a:t> </a:t>
             </a:r>
             <a:br>
-              <a:rPr lang="de-DE" sz="4400" b="1" dirty="0"/>
+              <a:rPr lang="de-DE" sz="4400" b="1"/>
             </a:br>
             <a:r>
-              <a:rPr lang="de-DE" dirty="0" err="1"/>
+              <a:rPr lang="de-DE" err="1"/>
               <a:t>LiquidCrystalDisplay</a:t>
             </a:r>
             <a:br>
-              <a:rPr lang="de-DE" sz="4400" b="1" dirty="0"/>
+              <a:rPr lang="de-DE" sz="4400" b="1"/>
             </a:br>
             <a:br>
-              <a:rPr lang="de-DE" sz="4400" b="1" dirty="0"/>
+              <a:rPr lang="de-DE" sz="4400" b="1"/>
             </a:br>
             <a:r>
-              <a:rPr lang="de-DE" sz="3000" dirty="0"/>
+              <a:rPr lang="de-DE" sz="3000"/>
               <a:t>Anschluss und Code</a:t>
             </a:r>
-            <a:endParaRPr lang="de-DE" sz="3200" dirty="0"/>
+            <a:endParaRPr lang="de-DE" sz="3200"/>
           </a:p>
         </p:txBody>
       </p:sp>
@@ -12496,18 +12496,18 @@
           <a:p>
             <a:pPr algn="ctr"/>
             <a:r>
-              <a:rPr lang="de-DE" dirty="0"/>
+              <a:rPr lang="de-DE"/>
               <a:t>Microcontroller</a:t>
             </a:r>
           </a:p>
           <a:p>
             <a:pPr algn="ctr"/>
-            <a:endParaRPr lang="de-DE" dirty="0"/>
+            <a:endParaRPr lang="de-DE"/>
           </a:p>
           <a:p>
             <a:pPr algn="ctr"/>
             <a:r>
-              <a:rPr lang="de-DE" sz="3200" dirty="0"/>
+              <a:rPr lang="de-DE" sz="3200"/>
               <a:t>Thema 2:</a:t>
             </a:r>
           </a:p>
@@ -12695,7 +12695,7 @@
           <a:p>
             <a:pPr algn="ctr"/>
             <a:r>
-              <a:rPr lang="de-DE" dirty="0"/>
+              <a:rPr lang="de-DE"/>
               <a:t>Was ist eine „I2C-Schnittstelle“?</a:t>
             </a:r>
           </a:p>
@@ -12731,7 +12731,7 @@
           <a:p>
             <a:pPr algn="ctr"/>
             <a:r>
-              <a:rPr lang="de-DE" sz="2800" dirty="0"/>
+              <a:rPr lang="de-DE" sz="2800"/>
               <a:t> Inter-Integrated Circuit</a:t>
             </a:r>
           </a:p>
@@ -12931,7 +12931,7 @@
           <a:lstStyle/>
           <a:p>
             <a:r>
-              <a:rPr lang="de-DE" sz="2400" dirty="0">
+              <a:rPr lang="de-DE" sz="2400">
                 <a:solidFill>
                   <a:schemeClr val="accent4"/>
                 </a:solidFill>
@@ -12976,7 +12976,7 @@
           <a:p>
             <a:pPr algn="ctr"/>
             <a:r>
-              <a:rPr lang="de-DE" sz="5400" b="0" cap="none" spc="0" dirty="0">
+              <a:rPr lang="de-DE" sz="5400" b="0" cap="none" spc="0">
                 <a:ln w="0"/>
                 <a:solidFill>
                   <a:schemeClr val="accent4"/>
@@ -13047,7 +13047,7 @@
           <a:p>
             <a:pPr algn="ctr"/>
             <a:r>
-              <a:rPr lang="de-DE" dirty="0"/>
+              <a:rPr lang="de-DE"/>
               <a:t>Anschließen</a:t>
             </a:r>
           </a:p>
@@ -13108,7 +13108,7 @@
                     <a:p>
                       <a:pPr algn="ctr"/>
                       <a:r>
-                        <a:rPr lang="de-DE" dirty="0"/>
+                        <a:rPr lang="de-DE"/>
                         <a:t>LCD mit I2C</a:t>
                       </a:r>
                     </a:p>
@@ -13122,7 +13122,7 @@
                     <a:p>
                       <a:pPr algn="ctr"/>
                       <a:r>
-                        <a:rPr lang="de-DE" dirty="0"/>
+                        <a:rPr lang="de-DE"/>
                         <a:t>Microcontroller</a:t>
                       </a:r>
                     </a:p>
@@ -13143,7 +13143,7 @@
                     <a:p>
                       <a:pPr algn="ctr"/>
                       <a:r>
-                        <a:rPr lang="de-DE" dirty="0"/>
+                        <a:rPr lang="de-DE"/>
                         <a:t>GND</a:t>
                       </a:r>
                     </a:p>
@@ -13157,7 +13157,7 @@
                     <a:p>
                       <a:pPr algn="ctr"/>
                       <a:r>
-                        <a:rPr lang="de-DE" dirty="0"/>
+                        <a:rPr lang="de-DE"/>
                         <a:t>GND</a:t>
                       </a:r>
                     </a:p>
@@ -13178,7 +13178,7 @@
                     <a:p>
                       <a:pPr algn="ctr"/>
                       <a:r>
-                        <a:rPr lang="de-DE" dirty="0"/>
+                        <a:rPr lang="de-DE"/>
                         <a:t>VCC</a:t>
                       </a:r>
                     </a:p>
@@ -13192,7 +13192,7 @@
                     <a:p>
                       <a:pPr algn="ctr"/>
                       <a:r>
-                        <a:rPr lang="de-DE" dirty="0"/>
+                        <a:rPr lang="de-DE"/>
                         <a:t>5V</a:t>
                       </a:r>
                     </a:p>
@@ -13213,7 +13213,7 @@
                     <a:p>
                       <a:pPr algn="ctr"/>
                       <a:r>
-                        <a:rPr lang="de-DE" dirty="0"/>
+                        <a:rPr lang="de-DE"/>
                         <a:t>SDA</a:t>
                       </a:r>
                     </a:p>
@@ -13227,7 +13227,7 @@
                     <a:p>
                       <a:pPr algn="ctr"/>
                       <a:r>
-                        <a:rPr lang="de-DE" dirty="0"/>
+                        <a:rPr lang="de-DE"/>
                         <a:t>A4</a:t>
                       </a:r>
                     </a:p>
@@ -13248,7 +13248,7 @@
                     <a:p>
                       <a:pPr algn="ctr"/>
                       <a:r>
-                        <a:rPr lang="de-DE" dirty="0"/>
+                        <a:rPr lang="de-DE"/>
                         <a:t>SCL</a:t>
                       </a:r>
                     </a:p>
@@ -13262,7 +13262,7 @@
                     <a:p>
                       <a:pPr algn="ctr"/>
                       <a:r>
-                        <a:rPr lang="de-DE" dirty="0"/>
+                        <a:rPr lang="de-DE"/>
                         <a:t>A5</a:t>
                       </a:r>
                     </a:p>
@@ -13506,7 +13506,7 @@
           <a:p>
             <a:pPr algn="ctr"/>
             <a:r>
-              <a:rPr lang="de-DE" dirty="0"/>
+              <a:rPr lang="de-DE"/>
               <a:t>Programmieren des LCD mit I2C</a:t>
             </a:r>
           </a:p>
@@ -13643,7 +13643,7 @@
           <a:p>
             <a:pPr algn="ctr"/>
             <a:r>
-              <a:rPr lang="de-DE" dirty="0"/>
+              <a:rPr lang="de-DE"/>
               <a:t>Importieren der Bibliotheken</a:t>
             </a:r>
           </a:p>
@@ -13683,7 +13683,7 @@
                 <a:spcPts val="800"/>
               </a:spcAft>
             </a:pPr>
-            <a:endParaRPr lang="de-DE" dirty="0"/>
+            <a:endParaRPr lang="de-DE"/>
           </a:p>
           <a:p>
             <a:pPr>
@@ -13694,7 +13694,7 @@
                 <a:spcPts val="800"/>
               </a:spcAft>
             </a:pPr>
-            <a:endParaRPr lang="de-DE" dirty="0"/>
+            <a:endParaRPr lang="de-DE"/>
           </a:p>
           <a:p>
             <a:pPr>
@@ -13706,7 +13706,7 @@
               </a:spcAft>
             </a:pPr>
             <a:r>
-              <a:rPr lang="de-DE" dirty="0"/>
+              <a:rPr lang="de-DE"/>
               <a:t>Wir müssen erstmal die Bibliotheken instillieren</a:t>
             </a:r>
           </a:p>
@@ -13719,7 +13719,7 @@
                 <a:spcPts val="800"/>
               </a:spcAft>
             </a:pPr>
-            <a:endParaRPr lang="de-DE" sz="1800" dirty="0">
+            <a:endParaRPr lang="de-DE" sz="1800">
               <a:solidFill>
                 <a:srgbClr val="728E00"/>
               </a:solidFill>
@@ -13739,7 +13739,7 @@
               <a:buNone/>
             </a:pPr>
             <a:r>
-              <a:rPr lang="de-DE" dirty="0">
+              <a:rPr lang="de-DE">
                 <a:solidFill>
                   <a:srgbClr val="728E00"/>
                 </a:solidFill>
@@ -13751,7 +13751,7 @@
               <a:t>#include</a:t>
             </a:r>
             <a:r>
-              <a:rPr lang="de-DE" dirty="0">
+              <a:rPr lang="de-DE">
                 <a:solidFill>
                   <a:srgbClr val="4E5B61"/>
                 </a:solidFill>
@@ -13763,7 +13763,7 @@
               <a:t> </a:t>
             </a:r>
             <a:r>
-              <a:rPr lang="de-DE" dirty="0">
+              <a:rPr lang="de-DE">
                 <a:solidFill>
                   <a:srgbClr val="005C5F"/>
                 </a:solidFill>
@@ -13775,7 +13775,7 @@
               <a:t>&lt;</a:t>
             </a:r>
             <a:r>
-              <a:rPr lang="de-DE" dirty="0" err="1">
+              <a:rPr lang="de-DE" err="1">
                 <a:solidFill>
                   <a:srgbClr val="005C5F"/>
                 </a:solidFill>
@@ -13787,7 +13787,7 @@
               <a:t>Wire.h</a:t>
             </a:r>
             <a:r>
-              <a:rPr lang="de-DE" dirty="0">
+              <a:rPr lang="de-DE">
                 <a:solidFill>
                   <a:srgbClr val="005C5F"/>
                 </a:solidFill>
@@ -13799,7 +13799,7 @@
               <a:t>&gt;</a:t>
             </a:r>
             <a:r>
-              <a:rPr lang="de-DE" dirty="0">
+              <a:rPr lang="de-DE">
                 <a:solidFill>
                   <a:srgbClr val="4E5B61"/>
                 </a:solidFill>
@@ -13811,7 +13811,7 @@
               <a:t> -&gt; </a:t>
             </a:r>
             <a:r>
-              <a:rPr lang="de-DE" dirty="0" err="1">
+              <a:rPr lang="de-DE" err="1">
                 <a:solidFill>
                   <a:srgbClr val="005C5F"/>
                 </a:solidFill>
@@ -13823,7 +13823,7 @@
               <a:t>Wire.h</a:t>
             </a:r>
             <a:r>
-              <a:rPr lang="de-DE" dirty="0">
+              <a:rPr lang="de-DE">
                 <a:solidFill>
                   <a:srgbClr val="005C5F"/>
                 </a:solidFill>
@@ -13845,7 +13845,7 @@
               </a:spcAft>
               <a:buNone/>
             </a:pPr>
-            <a:endParaRPr lang="de-DE" dirty="0">
+            <a:endParaRPr lang="de-DE">
               <a:effectLst/>
               <a:latin typeface="Calibri" panose="020F0502020204030204" pitchFamily="34" charset="0"/>
               <a:ea typeface="Calibri" panose="020F0502020204030204" pitchFamily="34" charset="0"/>
@@ -13863,7 +13863,7 @@
               <a:buNone/>
             </a:pPr>
             <a:r>
-              <a:rPr lang="de-DE" dirty="0">
+              <a:rPr lang="de-DE">
                 <a:solidFill>
                   <a:srgbClr val="728E00"/>
                 </a:solidFill>
@@ -13875,7 +13875,7 @@
               <a:t>#include</a:t>
             </a:r>
             <a:r>
-              <a:rPr lang="de-DE" dirty="0">
+              <a:rPr lang="de-DE">
                 <a:solidFill>
                   <a:srgbClr val="4E5B61"/>
                 </a:solidFill>
@@ -13887,7 +13887,7 @@
               <a:t> </a:t>
             </a:r>
             <a:r>
-              <a:rPr lang="de-DE" dirty="0">
+              <a:rPr lang="de-DE">
                 <a:solidFill>
                   <a:srgbClr val="005C5F"/>
                 </a:solidFill>
@@ -13910,7 +13910,7 @@
               <a:buNone/>
             </a:pPr>
             <a:r>
-              <a:rPr lang="de-DE" dirty="0">
+              <a:rPr lang="de-DE">
                 <a:solidFill>
                   <a:srgbClr val="005C5F"/>
                 </a:solidFill>
@@ -13922,7 +13922,7 @@
               <a:t>-&gt; </a:t>
             </a:r>
             <a:r>
-              <a:rPr lang="de-DE" dirty="0">
+              <a:rPr lang="de-DE">
                 <a:solidFill>
                   <a:srgbClr val="4E5B61"/>
                 </a:solidFill>
@@ -13934,7 +13934,7 @@
               <a:t>LiquidCrystal_I2C.h</a:t>
             </a:r>
             <a:r>
-              <a:rPr lang="de-DE" dirty="0">
+              <a:rPr lang="de-DE">
                 <a:latin typeface="Calibri" panose="020F0502020204030204" pitchFamily="34" charset="0"/>
                 <a:ea typeface="Calibri" panose="020F0502020204030204" pitchFamily="34" charset="0"/>
                 <a:cs typeface="Times New Roman" panose="02020603050405020304" pitchFamily="18" charset="0"/>
@@ -13942,7 +13942,7 @@
               <a:t> </a:t>
             </a:r>
             <a:r>
-              <a:rPr lang="de-DE" dirty="0">
+              <a:rPr lang="de-DE">
                 <a:solidFill>
                   <a:srgbClr val="4E5B61"/>
                 </a:solidFill>
@@ -13953,7 +13953,7 @@
               </a:rPr>
               <a:t>Für LCD Steuerung mit I2C</a:t>
             </a:r>
-            <a:endParaRPr lang="de-DE" dirty="0">
+            <a:endParaRPr lang="de-DE">
               <a:effectLst/>
               <a:latin typeface="Calibri" panose="020F0502020204030204" pitchFamily="34" charset="0"/>
               <a:ea typeface="Calibri" panose="020F0502020204030204" pitchFamily="34" charset="0"/>
@@ -13961,7 +13961,7 @@
             </a:endParaRPr>
           </a:p>
           <a:p>
-            <a:endParaRPr lang="de-DE" dirty="0"/>
+            <a:endParaRPr lang="de-DE"/>
           </a:p>
         </p:txBody>
       </p:sp>
@@ -14436,7 +14436,7 @@
           <a:p>
             <a:pPr algn="ctr"/>
             <a:r>
-              <a:rPr lang="de-DE" dirty="0"/>
+              <a:rPr lang="de-DE"/>
               <a:t>Setup-Funktion</a:t>
             </a:r>
           </a:p>
@@ -14474,7 +14474,7 @@
               </a:spcAft>
               <a:buNone/>
             </a:pPr>
-            <a:endParaRPr lang="de-DE" dirty="0">
+            <a:endParaRPr lang="de-DE">
               <a:solidFill>
                 <a:srgbClr val="00979D"/>
               </a:solidFill>
@@ -14495,7 +14495,7 @@
               <a:buNone/>
             </a:pPr>
             <a:r>
-              <a:rPr lang="de-DE" dirty="0" err="1">
+              <a:rPr lang="de-DE" err="1">
                 <a:solidFill>
                   <a:srgbClr val="00979D"/>
                 </a:solidFill>
@@ -14507,7 +14507,7 @@
               <a:t>void</a:t>
             </a:r>
             <a:r>
-              <a:rPr lang="de-DE" dirty="0">
+              <a:rPr lang="de-DE">
                 <a:solidFill>
                   <a:srgbClr val="4E5B61"/>
                 </a:solidFill>
@@ -14519,7 +14519,7 @@
               <a:t> </a:t>
             </a:r>
             <a:r>
-              <a:rPr lang="de-DE" dirty="0" err="1">
+              <a:rPr lang="de-DE" err="1">
                 <a:solidFill>
                   <a:srgbClr val="D35400"/>
                 </a:solidFill>
@@ -14531,7 +14531,7 @@
               <a:t>setup</a:t>
             </a:r>
             <a:r>
-              <a:rPr lang="de-DE" dirty="0">
+              <a:rPr lang="de-DE">
                 <a:solidFill>
                   <a:srgbClr val="434F54"/>
                 </a:solidFill>
@@ -14543,7 +14543,7 @@
               <a:t>()</a:t>
             </a:r>
             <a:r>
-              <a:rPr lang="de-DE" dirty="0">
+              <a:rPr lang="de-DE">
                 <a:solidFill>
                   <a:srgbClr val="4E5B61"/>
                 </a:solidFill>
@@ -14555,7 +14555,7 @@
               <a:t> </a:t>
             </a:r>
             <a:r>
-              <a:rPr lang="de-DE" dirty="0">
+              <a:rPr lang="de-DE">
                 <a:solidFill>
                   <a:srgbClr val="434F54"/>
                 </a:solidFill>
@@ -14566,7 +14566,7 @@
               </a:rPr>
               <a:t>{ </a:t>
             </a:r>
-            <a:endParaRPr lang="de-DE" dirty="0">
+            <a:endParaRPr lang="de-DE">
               <a:effectLst/>
               <a:latin typeface="Calibri" panose="020F0502020204030204" pitchFamily="34" charset="0"/>
               <a:ea typeface="Calibri" panose="020F0502020204030204" pitchFamily="34" charset="0"/>
@@ -14584,7 +14584,7 @@
               <a:buNone/>
             </a:pPr>
             <a:r>
-              <a:rPr lang="de-DE" dirty="0">
+              <a:rPr lang="de-DE">
                 <a:solidFill>
                   <a:srgbClr val="4E5B61"/>
                 </a:solidFill>
@@ -14596,7 +14596,7 @@
               <a:t>  </a:t>
             </a:r>
             <a:r>
-              <a:rPr lang="de-DE" dirty="0" err="1">
+              <a:rPr lang="de-DE" err="1">
                 <a:solidFill>
                   <a:srgbClr val="D35400"/>
                 </a:solidFill>
@@ -14608,7 +14608,7 @@
               <a:t>Serial</a:t>
             </a:r>
             <a:r>
-              <a:rPr lang="de-DE" dirty="0" err="1">
+              <a:rPr lang="de-DE" err="1">
                 <a:solidFill>
                   <a:srgbClr val="4E5B61"/>
                 </a:solidFill>
@@ -14620,7 +14620,7 @@
               <a:t>.</a:t>
             </a:r>
             <a:r>
-              <a:rPr lang="de-DE" dirty="0" err="1">
+              <a:rPr lang="de-DE" err="1">
                 <a:solidFill>
                   <a:srgbClr val="D35400"/>
                 </a:solidFill>
@@ -14632,7 +14632,7 @@
               <a:t>begin</a:t>
             </a:r>
             <a:r>
-              <a:rPr lang="de-DE" dirty="0">
+              <a:rPr lang="de-DE">
                 <a:solidFill>
                   <a:srgbClr val="434F54"/>
                 </a:solidFill>
@@ -14644,7 +14644,7 @@
               <a:t>(</a:t>
             </a:r>
             <a:r>
-              <a:rPr lang="de-DE" dirty="0">
+              <a:rPr lang="de-DE">
                 <a:solidFill>
                   <a:srgbClr val="005C5F"/>
                 </a:solidFill>
@@ -14656,7 +14656,7 @@
               <a:t>9600</a:t>
             </a:r>
             <a:r>
-              <a:rPr lang="de-DE" dirty="0">
+              <a:rPr lang="de-DE">
                 <a:solidFill>
                   <a:srgbClr val="434F54"/>
                 </a:solidFill>
@@ -14668,7 +14668,7 @@
               <a:t>)</a:t>
             </a:r>
             <a:r>
-              <a:rPr lang="de-DE" dirty="0">
+              <a:rPr lang="de-DE">
                 <a:solidFill>
                   <a:srgbClr val="4E5B61"/>
                 </a:solidFill>
@@ -14679,7 +14679,7 @@
               </a:rPr>
               <a:t>;</a:t>
             </a:r>
-            <a:endParaRPr lang="de-DE" dirty="0">
+            <a:endParaRPr lang="de-DE">
               <a:effectLst/>
               <a:latin typeface="Calibri" panose="020F0502020204030204" pitchFamily="34" charset="0"/>
               <a:ea typeface="Calibri" panose="020F0502020204030204" pitchFamily="34" charset="0"/>
@@ -14697,7 +14697,7 @@
               <a:buNone/>
             </a:pPr>
             <a:r>
-              <a:rPr lang="de-DE" dirty="0">
+              <a:rPr lang="de-DE">
                 <a:solidFill>
                   <a:srgbClr val="4E5B61"/>
                 </a:solidFill>
@@ -14708,7 +14708,7 @@
               </a:rPr>
               <a:t> </a:t>
             </a:r>
-            <a:endParaRPr lang="de-DE" dirty="0">
+            <a:endParaRPr lang="de-DE">
               <a:effectLst/>
               <a:latin typeface="Calibri" panose="020F0502020204030204" pitchFamily="34" charset="0"/>
               <a:ea typeface="Calibri" panose="020F0502020204030204" pitchFamily="34" charset="0"/>
@@ -14726,7 +14726,7 @@
               <a:buNone/>
             </a:pPr>
             <a:r>
-              <a:rPr lang="de-DE" dirty="0">
+              <a:rPr lang="de-DE">
                 <a:solidFill>
                   <a:srgbClr val="4E5B61"/>
                 </a:solidFill>
@@ -14738,7 +14738,7 @@
               <a:t>  </a:t>
             </a:r>
             <a:r>
-              <a:rPr lang="de-DE" dirty="0" err="1">
+              <a:rPr lang="de-DE" err="1">
                 <a:solidFill>
                   <a:srgbClr val="D35400"/>
                 </a:solidFill>
@@ -14750,7 +14750,7 @@
               <a:t>Wire</a:t>
             </a:r>
             <a:r>
-              <a:rPr lang="de-DE" dirty="0" err="1">
+              <a:rPr lang="de-DE" err="1">
                 <a:solidFill>
                   <a:srgbClr val="4E5B61"/>
                 </a:solidFill>
@@ -14762,7 +14762,7 @@
               <a:t>.</a:t>
             </a:r>
             <a:r>
-              <a:rPr lang="de-DE" dirty="0" err="1">
+              <a:rPr lang="de-DE" err="1">
                 <a:solidFill>
                   <a:srgbClr val="D35400"/>
                 </a:solidFill>
@@ -14774,7 +14774,7 @@
               <a:t>begin</a:t>
             </a:r>
             <a:r>
-              <a:rPr lang="de-DE" dirty="0">
+              <a:rPr lang="de-DE">
                 <a:solidFill>
                   <a:srgbClr val="434F54"/>
                 </a:solidFill>
@@ -14786,7 +14786,7 @@
               <a:t>()</a:t>
             </a:r>
             <a:r>
-              <a:rPr lang="de-DE" dirty="0">
+              <a:rPr lang="de-DE">
                 <a:solidFill>
                   <a:srgbClr val="4E5B61"/>
                 </a:solidFill>
@@ -14797,7 +14797,7 @@
               </a:rPr>
               <a:t>;</a:t>
             </a:r>
-            <a:endParaRPr lang="de-DE" dirty="0">
+            <a:endParaRPr lang="de-DE">
               <a:effectLst/>
               <a:latin typeface="Calibri" panose="020F0502020204030204" pitchFamily="34" charset="0"/>
               <a:ea typeface="Calibri" panose="020F0502020204030204" pitchFamily="34" charset="0"/>
@@ -14815,7 +14815,7 @@
               <a:buNone/>
             </a:pPr>
             <a:r>
-              <a:rPr lang="de-DE" dirty="0">
+              <a:rPr lang="de-DE">
                 <a:solidFill>
                   <a:srgbClr val="4E5B61"/>
                 </a:solidFill>
@@ -14826,7 +14826,7 @@
               </a:rPr>
               <a:t> </a:t>
             </a:r>
-            <a:endParaRPr lang="de-DE" dirty="0">
+            <a:endParaRPr lang="de-DE">
               <a:effectLst/>
               <a:latin typeface="Calibri" panose="020F0502020204030204" pitchFamily="34" charset="0"/>
               <a:ea typeface="Calibri" panose="020F0502020204030204" pitchFamily="34" charset="0"/>
@@ -14844,7 +14844,7 @@
               <a:buNone/>
             </a:pPr>
             <a:r>
-              <a:rPr lang="de-DE" dirty="0">
+              <a:rPr lang="de-DE">
                 <a:solidFill>
                   <a:srgbClr val="4E5B61"/>
                 </a:solidFill>
@@ -14856,7 +14856,7 @@
               <a:t>  </a:t>
             </a:r>
             <a:r>
-              <a:rPr lang="de-DE" dirty="0" err="1">
+              <a:rPr lang="de-DE" err="1">
                 <a:solidFill>
                   <a:srgbClr val="D35400"/>
                 </a:solidFill>
@@ -14868,7 +14868,7 @@
               <a:t>lcd</a:t>
             </a:r>
             <a:r>
-              <a:rPr lang="de-DE" dirty="0" err="1">
+              <a:rPr lang="de-DE" err="1">
                 <a:solidFill>
                   <a:srgbClr val="4E5B61"/>
                 </a:solidFill>
@@ -14880,7 +14880,7 @@
               <a:t>.</a:t>
             </a:r>
             <a:r>
-              <a:rPr lang="de-DE" dirty="0" err="1">
+              <a:rPr lang="de-DE" err="1">
                 <a:solidFill>
                   <a:srgbClr val="D35400"/>
                 </a:solidFill>
@@ -14892,7 +14892,7 @@
               <a:t>init</a:t>
             </a:r>
             <a:r>
-              <a:rPr lang="de-DE" dirty="0">
+              <a:rPr lang="de-DE">
                 <a:solidFill>
                   <a:srgbClr val="434F54"/>
                 </a:solidFill>
@@ -14904,7 +14904,7 @@
               <a:t>()</a:t>
             </a:r>
             <a:r>
-              <a:rPr lang="de-DE" dirty="0">
+              <a:rPr lang="de-DE">
                 <a:solidFill>
                   <a:srgbClr val="4E5B61"/>
                 </a:solidFill>
@@ -14915,7 +14915,7 @@
               </a:rPr>
               <a:t>; </a:t>
             </a:r>
-            <a:endParaRPr lang="de-DE" dirty="0">
+            <a:endParaRPr lang="de-DE">
               <a:effectLst/>
               <a:latin typeface="Calibri" panose="020F0502020204030204" pitchFamily="34" charset="0"/>
               <a:ea typeface="Calibri" panose="020F0502020204030204" pitchFamily="34" charset="0"/>
@@ -14933,7 +14933,7 @@
               <a:buNone/>
             </a:pPr>
             <a:r>
-              <a:rPr lang="de-DE" dirty="0">
+              <a:rPr lang="de-DE">
                 <a:solidFill>
                   <a:srgbClr val="4E5B61"/>
                 </a:solidFill>
@@ -14945,7 +14945,7 @@
               <a:t>  </a:t>
             </a:r>
             <a:r>
-              <a:rPr lang="de-DE" dirty="0" err="1">
+              <a:rPr lang="de-DE" err="1">
                 <a:solidFill>
                   <a:srgbClr val="D35400"/>
                 </a:solidFill>
@@ -14957,7 +14957,7 @@
               <a:t>lcd</a:t>
             </a:r>
             <a:r>
-              <a:rPr lang="de-DE" dirty="0" err="1">
+              <a:rPr lang="de-DE" err="1">
                 <a:solidFill>
                   <a:srgbClr val="4E5B61"/>
                 </a:solidFill>
@@ -14969,7 +14969,7 @@
               <a:t>.</a:t>
             </a:r>
             <a:r>
-              <a:rPr lang="de-DE" dirty="0" err="1">
+              <a:rPr lang="de-DE" err="1">
                 <a:solidFill>
                   <a:srgbClr val="D35400"/>
                 </a:solidFill>
@@ -14981,7 +14981,7 @@
               <a:t>backlight</a:t>
             </a:r>
             <a:r>
-              <a:rPr lang="de-DE" dirty="0">
+              <a:rPr lang="de-DE">
                 <a:solidFill>
                   <a:srgbClr val="434F54"/>
                 </a:solidFill>
@@ -14993,7 +14993,7 @@
               <a:t>()</a:t>
             </a:r>
             <a:r>
-              <a:rPr lang="de-DE" dirty="0">
+              <a:rPr lang="de-DE">
                 <a:solidFill>
                   <a:srgbClr val="4E5B61"/>
                 </a:solidFill>
@@ -15004,7 +15004,7 @@
               </a:rPr>
               <a:t>; </a:t>
             </a:r>
-            <a:endParaRPr lang="de-DE" dirty="0">
+            <a:endParaRPr lang="de-DE">
               <a:effectLst/>
               <a:latin typeface="Calibri" panose="020F0502020204030204" pitchFamily="34" charset="0"/>
               <a:ea typeface="Calibri" panose="020F0502020204030204" pitchFamily="34" charset="0"/>
@@ -15022,7 +15022,7 @@
               <a:buNone/>
             </a:pPr>
             <a:r>
-              <a:rPr lang="de-DE" dirty="0">
+              <a:rPr lang="de-DE">
                 <a:solidFill>
                   <a:srgbClr val="434F54"/>
                 </a:solidFill>
@@ -15865,7 +15865,7 @@
           <a:p>
             <a:pPr algn="ctr"/>
             <a:r>
-              <a:rPr lang="de-DE" dirty="0"/>
+              <a:rPr lang="de-DE"/>
               <a:t>Loop-Funktion Teil 1</a:t>
             </a:r>
           </a:p>
@@ -15895,7 +15895,7 @@
             <a:pPr marL="0" indent="0">
               <a:buNone/>
             </a:pPr>
-            <a:endParaRPr lang="de-DE" dirty="0"/>
+            <a:endParaRPr lang="de-DE"/>
           </a:p>
           <a:p>
             <a:pPr marL="0" indent="0">
@@ -15908,7 +15908,7 @@
               <a:buNone/>
             </a:pPr>
             <a:r>
-              <a:rPr lang="de-DE" dirty="0" err="1">
+              <a:rPr lang="de-DE" err="1">
                 <a:solidFill>
                   <a:srgbClr val="00979D"/>
                 </a:solidFill>
@@ -15920,7 +15920,7 @@
               <a:t>void</a:t>
             </a:r>
             <a:r>
-              <a:rPr lang="de-DE" dirty="0">
+              <a:rPr lang="de-DE">
                 <a:solidFill>
                   <a:srgbClr val="4E5B61"/>
                 </a:solidFill>
@@ -15932,7 +15932,7 @@
               <a:t> </a:t>
             </a:r>
             <a:r>
-              <a:rPr lang="de-DE" dirty="0">
+              <a:rPr lang="de-DE">
                 <a:solidFill>
                   <a:srgbClr val="D35400"/>
                 </a:solidFill>
@@ -15944,7 +15944,7 @@
               <a:t>loop</a:t>
             </a:r>
             <a:r>
-              <a:rPr lang="de-DE" dirty="0">
+              <a:rPr lang="de-DE">
                 <a:solidFill>
                   <a:srgbClr val="434F54"/>
                 </a:solidFill>
@@ -15956,7 +15956,7 @@
               <a:t>()</a:t>
             </a:r>
             <a:r>
-              <a:rPr lang="de-DE" dirty="0">
+              <a:rPr lang="de-DE">
                 <a:solidFill>
                   <a:srgbClr val="4E5B61"/>
                 </a:solidFill>
@@ -15968,7 +15968,7 @@
               <a:t> </a:t>
             </a:r>
             <a:r>
-              <a:rPr lang="de-DE" dirty="0">
+              <a:rPr lang="de-DE">
                 <a:solidFill>
                   <a:srgbClr val="434F54"/>
                 </a:solidFill>
@@ -15991,7 +15991,7 @@
               <a:buNone/>
             </a:pPr>
             <a:r>
-              <a:rPr lang="de-DE" dirty="0">
+              <a:rPr lang="de-DE">
                 <a:solidFill>
                   <a:srgbClr val="4E5B61"/>
                 </a:solidFill>
@@ -16003,7 +16003,7 @@
               <a:t>  </a:t>
             </a:r>
             <a:r>
-              <a:rPr lang="de-DE" dirty="0" err="1">
+              <a:rPr lang="de-DE" err="1">
                 <a:solidFill>
                   <a:srgbClr val="D35400"/>
                 </a:solidFill>
@@ -16015,7 +16015,7 @@
               <a:t>lcd</a:t>
             </a:r>
             <a:r>
-              <a:rPr lang="de-DE" dirty="0" err="1">
+              <a:rPr lang="de-DE" err="1">
                 <a:solidFill>
                   <a:srgbClr val="4E5B61"/>
                 </a:solidFill>
@@ -16027,7 +16027,7 @@
               <a:t>.</a:t>
             </a:r>
             <a:r>
-              <a:rPr lang="de-DE" dirty="0" err="1">
+              <a:rPr lang="de-DE" err="1">
                 <a:solidFill>
                   <a:srgbClr val="D35400"/>
                 </a:solidFill>
@@ -16039,7 +16039,7 @@
               <a:t>clear</a:t>
             </a:r>
             <a:r>
-              <a:rPr lang="de-DE" dirty="0">
+              <a:rPr lang="de-DE">
                 <a:solidFill>
                   <a:srgbClr val="434F54"/>
                 </a:solidFill>
@@ -16051,7 +16051,7 @@
               <a:t>()</a:t>
             </a:r>
             <a:r>
-              <a:rPr lang="de-DE" dirty="0">
+              <a:rPr lang="de-DE">
                 <a:solidFill>
                   <a:srgbClr val="4E5B61"/>
                 </a:solidFill>
@@ -16062,7 +16062,7 @@
               </a:rPr>
               <a:t>; </a:t>
             </a:r>
-            <a:endParaRPr lang="de-DE" dirty="0">
+            <a:endParaRPr lang="de-DE">
               <a:effectLst/>
               <a:latin typeface="Calibri" panose="020F0502020204030204" pitchFamily="34" charset="0"/>
               <a:ea typeface="Calibri" panose="020F0502020204030204" pitchFamily="34" charset="0"/>
@@ -16080,7 +16080,7 @@
               <a:buNone/>
             </a:pPr>
             <a:r>
-              <a:rPr lang="de-DE" dirty="0">
+              <a:rPr lang="de-DE">
                 <a:solidFill>
                   <a:srgbClr val="4E5B61"/>
                 </a:solidFill>
@@ -16092,7 +16092,7 @@
               <a:t>  </a:t>
             </a:r>
             <a:r>
-              <a:rPr lang="de-DE" dirty="0" err="1">
+              <a:rPr lang="de-DE" err="1">
                 <a:solidFill>
                   <a:srgbClr val="D35400"/>
                 </a:solidFill>
@@ -16104,7 +16104,7 @@
               <a:t>lcd</a:t>
             </a:r>
             <a:r>
-              <a:rPr lang="de-DE" dirty="0" err="1">
+              <a:rPr lang="de-DE" err="1">
                 <a:solidFill>
                   <a:srgbClr val="4E5B61"/>
                 </a:solidFill>
@@ -16116,7 +16116,7 @@
               <a:t>.</a:t>
             </a:r>
             <a:r>
-              <a:rPr lang="de-DE" dirty="0" err="1">
+              <a:rPr lang="de-DE" err="1">
                 <a:solidFill>
                   <a:srgbClr val="D35400"/>
                 </a:solidFill>
@@ -16128,7 +16128,7 @@
               <a:t>setCursor</a:t>
             </a:r>
             <a:r>
-              <a:rPr lang="de-DE" dirty="0">
+              <a:rPr lang="de-DE">
                 <a:solidFill>
                   <a:srgbClr val="434F54"/>
                 </a:solidFill>
@@ -16140,7 +16140,7 @@
               <a:t>(</a:t>
             </a:r>
             <a:r>
-              <a:rPr lang="de-DE" dirty="0">
+              <a:rPr lang="de-DE">
                 <a:solidFill>
                   <a:srgbClr val="005C5F"/>
                 </a:solidFill>
@@ -16152,7 +16152,7 @@
               <a:t>0</a:t>
             </a:r>
             <a:r>
-              <a:rPr lang="de-DE" dirty="0">
+              <a:rPr lang="de-DE">
                 <a:solidFill>
                   <a:srgbClr val="4E5B61"/>
                 </a:solidFill>
@@ -16164,7 +16164,7 @@
               <a:t>, </a:t>
             </a:r>
             <a:r>
-              <a:rPr lang="de-DE" dirty="0">
+              <a:rPr lang="de-DE">
                 <a:solidFill>
                   <a:srgbClr val="005C5F"/>
                 </a:solidFill>
@@ -16176,7 +16176,7 @@
               <a:t>0</a:t>
             </a:r>
             <a:r>
-              <a:rPr lang="de-DE" dirty="0">
+              <a:rPr lang="de-DE">
                 <a:solidFill>
                   <a:srgbClr val="434F54"/>
                 </a:solidFill>
@@ -16188,7 +16188,7 @@
               <a:t>)</a:t>
             </a:r>
             <a:r>
-              <a:rPr lang="de-DE" dirty="0">
+              <a:rPr lang="de-DE">
                 <a:solidFill>
                   <a:srgbClr val="4E5B61"/>
                 </a:solidFill>
@@ -16198,7 +16198,7 @@
               </a:rPr>
               <a:t>;</a:t>
             </a:r>
-            <a:endParaRPr lang="de-DE" dirty="0">
+            <a:endParaRPr lang="de-DE">
               <a:effectLst/>
               <a:latin typeface="Calibri" panose="020F0502020204030204" pitchFamily="34" charset="0"/>
               <a:ea typeface="Calibri" panose="020F0502020204030204" pitchFamily="34" charset="0"/>
@@ -16216,7 +16216,7 @@
               <a:buNone/>
             </a:pPr>
             <a:r>
-              <a:rPr lang="de-DE" dirty="0">
+              <a:rPr lang="de-DE">
                 <a:solidFill>
                   <a:srgbClr val="4E5B61"/>
                 </a:solidFill>
@@ -16228,7 +16228,7 @@
               <a:t>  </a:t>
             </a:r>
             <a:r>
-              <a:rPr lang="de-DE" dirty="0" err="1">
+              <a:rPr lang="de-DE" err="1">
                 <a:solidFill>
                   <a:srgbClr val="D35400"/>
                 </a:solidFill>
@@ -16240,7 +16240,7 @@
               <a:t>lcd</a:t>
             </a:r>
             <a:r>
-              <a:rPr lang="de-DE" dirty="0" err="1">
+              <a:rPr lang="de-DE" err="1">
                 <a:solidFill>
                   <a:srgbClr val="4E5B61"/>
                 </a:solidFill>
@@ -16252,7 +16252,7 @@
               <a:t>.</a:t>
             </a:r>
             <a:r>
-              <a:rPr lang="de-DE" dirty="0" err="1">
+              <a:rPr lang="de-DE" err="1">
                 <a:solidFill>
                   <a:srgbClr val="D35400"/>
                 </a:solidFill>
@@ -16264,7 +16264,7 @@
               <a:t>print</a:t>
             </a:r>
             <a:r>
-              <a:rPr lang="de-DE" dirty="0">
+              <a:rPr lang="de-DE">
                 <a:solidFill>
                   <a:srgbClr val="434F54"/>
                 </a:solidFill>
@@ -16276,7 +16276,7 @@
               <a:t>(</a:t>
             </a:r>
             <a:r>
-              <a:rPr lang="de-DE" dirty="0">
+              <a:rPr lang="de-DE">
                 <a:solidFill>
                   <a:srgbClr val="005C5F"/>
                 </a:solidFill>
@@ -16288,7 +16288,7 @@
               <a:t>"Hello,"</a:t>
             </a:r>
             <a:r>
-              <a:rPr lang="de-DE" dirty="0">
+              <a:rPr lang="de-DE">
                 <a:solidFill>
                   <a:srgbClr val="434F54"/>
                 </a:solidFill>
@@ -16300,7 +16300,7 @@
               <a:t>)</a:t>
             </a:r>
             <a:r>
-              <a:rPr lang="de-DE" dirty="0">
+              <a:rPr lang="de-DE">
                 <a:solidFill>
                   <a:srgbClr val="4E5B61"/>
                 </a:solidFill>
@@ -16311,7 +16311,7 @@
               </a:rPr>
               <a:t>; </a:t>
             </a:r>
-            <a:endParaRPr lang="de-DE" dirty="0">
+            <a:endParaRPr lang="de-DE">
               <a:effectLst/>
               <a:latin typeface="Calibri" panose="020F0502020204030204" pitchFamily="34" charset="0"/>
               <a:ea typeface="Calibri" panose="020F0502020204030204" pitchFamily="34" charset="0"/>
@@ -16329,7 +16329,7 @@
               <a:buNone/>
             </a:pPr>
             <a:r>
-              <a:rPr lang="de-DE" dirty="0">
+              <a:rPr lang="de-DE">
                 <a:solidFill>
                   <a:srgbClr val="4E5B61"/>
                 </a:solidFill>
@@ -16341,7 +16341,7 @@
               <a:t>  </a:t>
             </a:r>
             <a:r>
-              <a:rPr lang="de-DE" dirty="0" err="1">
+              <a:rPr lang="de-DE" err="1">
                 <a:solidFill>
                   <a:srgbClr val="D35400"/>
                 </a:solidFill>
@@ -16353,7 +16353,7 @@
               <a:t>lcd</a:t>
             </a:r>
             <a:r>
-              <a:rPr lang="de-DE" dirty="0" err="1">
+              <a:rPr lang="de-DE" err="1">
                 <a:solidFill>
                   <a:srgbClr val="4E5B61"/>
                 </a:solidFill>
@@ -16365,7 +16365,7 @@
               <a:t>.</a:t>
             </a:r>
             <a:r>
-              <a:rPr lang="de-DE" dirty="0" err="1">
+              <a:rPr lang="de-DE" err="1">
                 <a:solidFill>
                   <a:srgbClr val="D35400"/>
                 </a:solidFill>
@@ -16377,7 +16377,7 @@
               <a:t>setCursor</a:t>
             </a:r>
             <a:r>
-              <a:rPr lang="de-DE" dirty="0">
+              <a:rPr lang="de-DE">
                 <a:solidFill>
                   <a:srgbClr val="434F54"/>
                 </a:solidFill>
@@ -16389,7 +16389,7 @@
               <a:t>(</a:t>
             </a:r>
             <a:r>
-              <a:rPr lang="de-DE" dirty="0">
+              <a:rPr lang="de-DE">
                 <a:solidFill>
                   <a:srgbClr val="005C5F"/>
                 </a:solidFill>
@@ -16401,7 +16401,7 @@
               <a:t>0</a:t>
             </a:r>
             <a:r>
-              <a:rPr lang="de-DE" dirty="0">
+              <a:rPr lang="de-DE">
                 <a:solidFill>
                   <a:srgbClr val="4E5B61"/>
                 </a:solidFill>
@@ -16413,7 +16413,7 @@
               <a:t>, </a:t>
             </a:r>
             <a:r>
-              <a:rPr lang="de-DE" dirty="0">
+              <a:rPr lang="de-DE">
                 <a:solidFill>
                   <a:srgbClr val="005C5F"/>
                 </a:solidFill>
@@ -16425,7 +16425,7 @@
               <a:t>1</a:t>
             </a:r>
             <a:r>
-              <a:rPr lang="de-DE" dirty="0">
+              <a:rPr lang="de-DE">
                 <a:solidFill>
                   <a:srgbClr val="434F54"/>
                 </a:solidFill>
@@ -16437,7 +16437,7 @@
               <a:t>)</a:t>
             </a:r>
             <a:r>
-              <a:rPr lang="de-DE" dirty="0">
+              <a:rPr lang="de-DE">
                 <a:solidFill>
                   <a:srgbClr val="4E5B61"/>
                 </a:solidFill>
@@ -16460,7 +16460,7 @@
               <a:buNone/>
             </a:pPr>
             <a:r>
-              <a:rPr lang="de-DE" dirty="0">
+              <a:rPr lang="de-DE">
                 <a:solidFill>
                   <a:srgbClr val="4E5B61"/>
                 </a:solidFill>
@@ -16472,7 +16472,7 @@
               <a:t>  </a:t>
             </a:r>
             <a:r>
-              <a:rPr lang="de-DE" dirty="0" err="1">
+              <a:rPr lang="de-DE" err="1">
                 <a:solidFill>
                   <a:srgbClr val="D35400"/>
                 </a:solidFill>
@@ -16484,7 +16484,7 @@
               <a:t>lcd</a:t>
             </a:r>
             <a:r>
-              <a:rPr lang="de-DE" dirty="0" err="1">
+              <a:rPr lang="de-DE" err="1">
                 <a:solidFill>
                   <a:srgbClr val="4E5B61"/>
                 </a:solidFill>
@@ -16496,7 +16496,7 @@
               <a:t>.</a:t>
             </a:r>
             <a:r>
-              <a:rPr lang="de-DE" dirty="0" err="1">
+              <a:rPr lang="de-DE" err="1">
                 <a:solidFill>
                   <a:srgbClr val="D35400"/>
                 </a:solidFill>
@@ -16508,7 +16508,7 @@
               <a:t>print</a:t>
             </a:r>
             <a:r>
-              <a:rPr lang="de-DE" dirty="0">
+              <a:rPr lang="de-DE">
                 <a:solidFill>
                   <a:srgbClr val="434F54"/>
                 </a:solidFill>
@@ -16520,7 +16520,7 @@
               <a:t>(</a:t>
             </a:r>
             <a:r>
-              <a:rPr lang="de-DE" dirty="0">
+              <a:rPr lang="de-DE">
                 <a:solidFill>
                   <a:srgbClr val="005C5F"/>
                 </a:solidFill>
@@ -16532,7 +16532,7 @@
               <a:t>"World!"</a:t>
             </a:r>
             <a:r>
-              <a:rPr lang="de-DE" dirty="0">
+              <a:rPr lang="de-DE">
                 <a:solidFill>
                   <a:srgbClr val="434F54"/>
                 </a:solidFill>
@@ -16544,7 +16544,7 @@
               <a:t>)</a:t>
             </a:r>
             <a:r>
-              <a:rPr lang="de-DE" dirty="0">
+              <a:rPr lang="de-DE">
                 <a:solidFill>
                   <a:srgbClr val="4E5B61"/>
                 </a:solidFill>
@@ -16566,7 +16566,7 @@
               </a:spcAft>
               <a:buNone/>
             </a:pPr>
-            <a:endParaRPr lang="de-DE" dirty="0">
+            <a:endParaRPr lang="de-DE">
               <a:solidFill>
                 <a:srgbClr val="4E5B61"/>
               </a:solidFill>
@@ -16586,7 +16586,7 @@
               <a:buNone/>
             </a:pPr>
             <a:r>
-              <a:rPr lang="de-DE" dirty="0">
+              <a:rPr lang="de-DE">
                 <a:solidFill>
                   <a:srgbClr val="4E5B61"/>
                 </a:solidFill>
@@ -16598,7 +16598,7 @@
               <a:t>  </a:t>
             </a:r>
             <a:r>
-              <a:rPr lang="de-DE" dirty="0">
+              <a:rPr lang="de-DE">
                 <a:solidFill>
                   <a:srgbClr val="D35400"/>
                 </a:solidFill>
@@ -16610,7 +16610,7 @@
               <a:t>delay</a:t>
             </a:r>
             <a:r>
-              <a:rPr lang="de-DE" dirty="0">
+              <a:rPr lang="de-DE">
                 <a:solidFill>
                   <a:srgbClr val="434F54"/>
                 </a:solidFill>
@@ -16622,7 +16622,7 @@
               <a:t>(</a:t>
             </a:r>
             <a:r>
-              <a:rPr lang="de-DE" dirty="0">
+              <a:rPr lang="de-DE">
                 <a:solidFill>
                   <a:srgbClr val="005C5F"/>
                 </a:solidFill>
@@ -16634,7 +16634,7 @@
               <a:t>2000</a:t>
             </a:r>
             <a:r>
-              <a:rPr lang="de-DE" dirty="0">
+              <a:rPr lang="de-DE">
                 <a:solidFill>
                   <a:srgbClr val="434F54"/>
                 </a:solidFill>
@@ -16646,7 +16646,7 @@
               <a:t>)</a:t>
             </a:r>
             <a:r>
-              <a:rPr lang="de-DE" dirty="0">
+              <a:rPr lang="de-DE">
                 <a:solidFill>
                   <a:srgbClr val="4E5B61"/>
                 </a:solidFill>
@@ -16669,7 +16669,7 @@
               <a:buNone/>
             </a:pPr>
             <a:r>
-              <a:rPr lang="de-DE" dirty="0">
+              <a:rPr lang="de-DE">
                 <a:solidFill>
                   <a:srgbClr val="4E5B61"/>
                 </a:solidFill>
@@ -16681,7 +16681,7 @@
               <a:t>  </a:t>
             </a:r>
             <a:r>
-              <a:rPr lang="de-DE" dirty="0" err="1">
+              <a:rPr lang="de-DE" err="1">
                 <a:solidFill>
                   <a:srgbClr val="D35400"/>
                 </a:solidFill>
@@ -16693,7 +16693,7 @@
               <a:t>lcd</a:t>
             </a:r>
             <a:r>
-              <a:rPr lang="de-DE" dirty="0" err="1">
+              <a:rPr lang="de-DE" err="1">
                 <a:solidFill>
                   <a:srgbClr val="4E5B61"/>
                 </a:solidFill>
@@ -16705,7 +16705,7 @@
               <a:t>.</a:t>
             </a:r>
             <a:r>
-              <a:rPr lang="de-DE" dirty="0" err="1">
+              <a:rPr lang="de-DE" err="1">
                 <a:solidFill>
                   <a:srgbClr val="D35400"/>
                 </a:solidFill>
@@ -16717,7 +16717,7 @@
               <a:t>clear</a:t>
             </a:r>
             <a:r>
-              <a:rPr lang="de-DE" dirty="0">
+              <a:rPr lang="de-DE">
                 <a:solidFill>
                   <a:srgbClr val="434F54"/>
                 </a:solidFill>
@@ -16729,7 +16729,7 @@
               <a:t>()</a:t>
             </a:r>
             <a:r>
-              <a:rPr lang="de-DE" dirty="0">
+              <a:rPr lang="de-DE">
                 <a:solidFill>
                   <a:srgbClr val="4E5B61"/>
                 </a:solidFill>
@@ -16751,7 +16751,7 @@
               </a:spcAft>
               <a:buNone/>
             </a:pPr>
-            <a:endParaRPr lang="de-DE" sz="1800" dirty="0"/>
+            <a:endParaRPr lang="de-DE" sz="1800"/>
           </a:p>
         </p:txBody>
       </p:sp>
@@ -17584,7 +17584,7 @@
           <a:p>
             <a:pPr algn="ctr"/>
             <a:r>
-              <a:rPr lang="de-DE" dirty="0"/>
+              <a:rPr lang="de-DE"/>
               <a:t>Loop-Funktion Teil 2</a:t>
             </a:r>
           </a:p>
@@ -17613,7 +17613,7 @@
           </a:bodyPr>
           <a:lstStyle/>
           <a:p>
-            <a:endParaRPr lang="de-DE" dirty="0"/>
+            <a:endParaRPr lang="de-DE"/>
           </a:p>
           <a:p>
             <a:pPr marL="0" indent="0">
@@ -17626,7 +17626,7 @@
               <a:buNone/>
             </a:pPr>
             <a:r>
-              <a:rPr lang="de-DE" dirty="0">
+              <a:rPr lang="de-DE">
                 <a:solidFill>
                   <a:srgbClr val="4E5B61"/>
                 </a:solidFill>
@@ -17638,7 +17638,7 @@
               <a:t>  </a:t>
             </a:r>
             <a:r>
-              <a:rPr lang="de-DE" dirty="0" err="1">
+              <a:rPr lang="de-DE" err="1">
                 <a:solidFill>
                   <a:srgbClr val="D35400"/>
                 </a:solidFill>
@@ -17650,7 +17650,7 @@
               <a:t>lcd</a:t>
             </a:r>
             <a:r>
-              <a:rPr lang="de-DE" dirty="0" err="1">
+              <a:rPr lang="de-DE" err="1">
                 <a:solidFill>
                   <a:srgbClr val="4E5B61"/>
                 </a:solidFill>
@@ -17662,7 +17662,7 @@
               <a:t>.</a:t>
             </a:r>
             <a:r>
-              <a:rPr lang="de-DE" dirty="0" err="1">
+              <a:rPr lang="de-DE" err="1">
                 <a:solidFill>
                   <a:srgbClr val="D35400"/>
                 </a:solidFill>
@@ -17674,7 +17674,7 @@
               <a:t>setCursor</a:t>
             </a:r>
             <a:r>
-              <a:rPr lang="de-DE" dirty="0">
+              <a:rPr lang="de-DE">
                 <a:solidFill>
                   <a:srgbClr val="434F54"/>
                 </a:solidFill>
@@ -17686,7 +17686,7 @@
               <a:t>(</a:t>
             </a:r>
             <a:r>
-              <a:rPr lang="de-DE" dirty="0">
+              <a:rPr lang="de-DE">
                 <a:solidFill>
                   <a:srgbClr val="005C5F"/>
                 </a:solidFill>
@@ -17698,7 +17698,7 @@
               <a:t>0</a:t>
             </a:r>
             <a:r>
-              <a:rPr lang="de-DE" dirty="0">
+              <a:rPr lang="de-DE">
                 <a:solidFill>
                   <a:srgbClr val="4E5B61"/>
                 </a:solidFill>
@@ -17710,7 +17710,7 @@
               <a:t>, </a:t>
             </a:r>
             <a:r>
-              <a:rPr lang="de-DE" dirty="0">
+              <a:rPr lang="de-DE">
                 <a:solidFill>
                   <a:srgbClr val="005C5F"/>
                 </a:solidFill>
@@ -17722,7 +17722,7 @@
               <a:t>0</a:t>
             </a:r>
             <a:r>
-              <a:rPr lang="de-DE" dirty="0">
+              <a:rPr lang="de-DE">
                 <a:solidFill>
                   <a:srgbClr val="434F54"/>
                 </a:solidFill>
@@ -17734,7 +17734,7 @@
               <a:t>)</a:t>
             </a:r>
             <a:r>
-              <a:rPr lang="de-DE" dirty="0">
+              <a:rPr lang="de-DE">
                 <a:solidFill>
                   <a:srgbClr val="4E5B61"/>
                 </a:solidFill>
@@ -17745,7 +17745,7 @@
               </a:rPr>
               <a:t>; </a:t>
             </a:r>
-            <a:endParaRPr lang="de-DE" dirty="0">
+            <a:endParaRPr lang="de-DE">
               <a:effectLst/>
               <a:latin typeface="Calibri" panose="020F0502020204030204" pitchFamily="34" charset="0"/>
               <a:ea typeface="Calibri" panose="020F0502020204030204" pitchFamily="34" charset="0"/>
@@ -17763,7 +17763,7 @@
               <a:buNone/>
             </a:pPr>
             <a:r>
-              <a:rPr lang="de-DE" dirty="0">
+              <a:rPr lang="de-DE">
                 <a:solidFill>
                   <a:srgbClr val="4E5B61"/>
                 </a:solidFill>
@@ -17775,7 +17775,7 @@
               <a:t>  </a:t>
             </a:r>
             <a:r>
-              <a:rPr lang="de-DE" dirty="0" err="1">
+              <a:rPr lang="de-DE" err="1">
                 <a:solidFill>
                   <a:srgbClr val="D35400"/>
                 </a:solidFill>
@@ -17787,7 +17787,7 @@
               <a:t>lcd</a:t>
             </a:r>
             <a:r>
-              <a:rPr lang="de-DE" dirty="0" err="1">
+              <a:rPr lang="de-DE" err="1">
                 <a:solidFill>
                   <a:srgbClr val="4E5B61"/>
                 </a:solidFill>
@@ -17799,7 +17799,7 @@
               <a:t>.</a:t>
             </a:r>
             <a:r>
-              <a:rPr lang="de-DE" dirty="0" err="1">
+              <a:rPr lang="de-DE" err="1">
                 <a:solidFill>
                   <a:srgbClr val="D35400"/>
                 </a:solidFill>
@@ -17811,7 +17811,7 @@
               <a:t>print</a:t>
             </a:r>
             <a:r>
-              <a:rPr lang="de-DE" dirty="0">
+              <a:rPr lang="de-DE">
                 <a:solidFill>
                   <a:srgbClr val="434F54"/>
                 </a:solidFill>
@@ -17823,7 +17823,7 @@
               <a:t>(</a:t>
             </a:r>
             <a:r>
-              <a:rPr lang="de-DE" dirty="0">
+              <a:rPr lang="de-DE">
                 <a:solidFill>
                   <a:srgbClr val="005C5F"/>
                 </a:solidFill>
@@ -17835,7 +17835,7 @@
               <a:t>"</a:t>
             </a:r>
             <a:r>
-              <a:rPr lang="de-DE" dirty="0" err="1">
+              <a:rPr lang="de-DE" err="1">
                 <a:solidFill>
                   <a:srgbClr val="005C5F"/>
                 </a:solidFill>
@@ -17847,7 +17847,7 @@
               <a:t>LiquidCrystal</a:t>
             </a:r>
             <a:r>
-              <a:rPr lang="de-DE" dirty="0">
+              <a:rPr lang="de-DE">
                 <a:solidFill>
                   <a:srgbClr val="005C5F"/>
                 </a:solidFill>
@@ -17859,7 +17859,7 @@
               <a:t>"</a:t>
             </a:r>
             <a:r>
-              <a:rPr lang="de-DE" dirty="0">
+              <a:rPr lang="de-DE">
                 <a:solidFill>
                   <a:srgbClr val="434F54"/>
                 </a:solidFill>
@@ -17871,7 +17871,7 @@
               <a:t>)</a:t>
             </a:r>
             <a:r>
-              <a:rPr lang="de-DE" dirty="0">
+              <a:rPr lang="de-DE">
                 <a:solidFill>
                   <a:srgbClr val="4E5B61"/>
                 </a:solidFill>
@@ -17882,7 +17882,7 @@
               </a:rPr>
               <a:t>; </a:t>
             </a:r>
-            <a:endParaRPr lang="de-DE" dirty="0">
+            <a:endParaRPr lang="de-DE">
               <a:effectLst/>
               <a:latin typeface="Calibri" panose="020F0502020204030204" pitchFamily="34" charset="0"/>
               <a:ea typeface="Calibri" panose="020F0502020204030204" pitchFamily="34" charset="0"/>
@@ -17900,7 +17900,7 @@
               <a:buNone/>
             </a:pPr>
             <a:r>
-              <a:rPr lang="de-DE" dirty="0">
+              <a:rPr lang="de-DE">
                 <a:solidFill>
                   <a:srgbClr val="4E5B61"/>
                 </a:solidFill>
@@ -17912,7 +17912,7 @@
               <a:t>  </a:t>
             </a:r>
             <a:r>
-              <a:rPr lang="de-DE" dirty="0" err="1">
+              <a:rPr lang="de-DE" err="1">
                 <a:solidFill>
                   <a:srgbClr val="D35400"/>
                 </a:solidFill>
@@ -17924,7 +17924,7 @@
               <a:t>lcd</a:t>
             </a:r>
             <a:r>
-              <a:rPr lang="de-DE" dirty="0" err="1">
+              <a:rPr lang="de-DE" err="1">
                 <a:solidFill>
                   <a:srgbClr val="4E5B61"/>
                 </a:solidFill>
@@ -17936,7 +17936,7 @@
               <a:t>.</a:t>
             </a:r>
             <a:r>
-              <a:rPr lang="de-DE" dirty="0" err="1">
+              <a:rPr lang="de-DE" err="1">
                 <a:solidFill>
                   <a:srgbClr val="D35400"/>
                 </a:solidFill>
@@ -17948,7 +17948,7 @@
               <a:t>setCursor</a:t>
             </a:r>
             <a:r>
-              <a:rPr lang="de-DE" dirty="0">
+              <a:rPr lang="de-DE">
                 <a:solidFill>
                   <a:srgbClr val="434F54"/>
                 </a:solidFill>
@@ -17960,7 +17960,7 @@
               <a:t>(</a:t>
             </a:r>
             <a:r>
-              <a:rPr lang="de-DE" dirty="0">
+              <a:rPr lang="de-DE">
                 <a:solidFill>
                   <a:srgbClr val="005C5F"/>
                 </a:solidFill>
@@ -17972,7 +17972,7 @@
               <a:t>0</a:t>
             </a:r>
             <a:r>
-              <a:rPr lang="de-DE" dirty="0">
+              <a:rPr lang="de-DE">
                 <a:solidFill>
                   <a:srgbClr val="4E5B61"/>
                 </a:solidFill>
@@ -17984,7 +17984,7 @@
               <a:t>, </a:t>
             </a:r>
             <a:r>
-              <a:rPr lang="de-DE" dirty="0">
+              <a:rPr lang="de-DE">
                 <a:solidFill>
                   <a:srgbClr val="005C5F"/>
                 </a:solidFill>
@@ -17996,7 +17996,7 @@
               <a:t>1</a:t>
             </a:r>
             <a:r>
-              <a:rPr lang="de-DE" dirty="0">
+              <a:rPr lang="de-DE">
                 <a:solidFill>
                   <a:srgbClr val="434F54"/>
                 </a:solidFill>
@@ -18008,7 +18008,7 @@
               <a:t>)</a:t>
             </a:r>
             <a:r>
-              <a:rPr lang="de-DE" dirty="0">
+              <a:rPr lang="de-DE">
                 <a:solidFill>
                   <a:srgbClr val="4E5B61"/>
                 </a:solidFill>
@@ -18031,7 +18031,7 @@
               <a:buNone/>
             </a:pPr>
             <a:r>
-              <a:rPr lang="de-DE" dirty="0">
+              <a:rPr lang="de-DE">
                 <a:solidFill>
                   <a:srgbClr val="4E5B61"/>
                 </a:solidFill>
@@ -18043,7 +18043,7 @@
               <a:t>  </a:t>
             </a:r>
             <a:r>
-              <a:rPr lang="de-DE" dirty="0" err="1">
+              <a:rPr lang="de-DE" err="1">
                 <a:solidFill>
                   <a:srgbClr val="D35400"/>
                 </a:solidFill>
@@ -18055,7 +18055,7 @@
               <a:t>lcd</a:t>
             </a:r>
             <a:r>
-              <a:rPr lang="de-DE" dirty="0" err="1">
+              <a:rPr lang="de-DE" err="1">
                 <a:solidFill>
                   <a:srgbClr val="4E5B61"/>
                 </a:solidFill>
@@ -18067,7 +18067,7 @@
               <a:t>.</a:t>
             </a:r>
             <a:r>
-              <a:rPr lang="de-DE" dirty="0" err="1">
+              <a:rPr lang="de-DE" err="1">
                 <a:solidFill>
                   <a:srgbClr val="D35400"/>
                 </a:solidFill>
@@ -18079,7 +18079,7 @@
               <a:t>print</a:t>
             </a:r>
             <a:r>
-              <a:rPr lang="de-DE" dirty="0">
+              <a:rPr lang="de-DE">
                 <a:solidFill>
                   <a:srgbClr val="434F54"/>
                 </a:solidFill>
@@ -18091,7 +18091,7 @@
               <a:t>(</a:t>
             </a:r>
             <a:r>
-              <a:rPr lang="de-DE" dirty="0">
+              <a:rPr lang="de-DE">
                 <a:solidFill>
                   <a:srgbClr val="005C5F"/>
                 </a:solidFill>
@@ -18103,7 +18103,7 @@
               <a:t>"Display mit I2C"</a:t>
             </a:r>
             <a:r>
-              <a:rPr lang="de-DE" dirty="0">
+              <a:rPr lang="de-DE">
                 <a:solidFill>
                   <a:srgbClr val="434F54"/>
                 </a:solidFill>
@@ -18115,7 +18115,7 @@
               <a:t>)</a:t>
             </a:r>
             <a:r>
-              <a:rPr lang="de-DE" dirty="0">
+              <a:rPr lang="de-DE">
                 <a:solidFill>
                   <a:srgbClr val="4E5B61"/>
                 </a:solidFill>
@@ -18126,7 +18126,7 @@
               </a:rPr>
               <a:t>; </a:t>
             </a:r>
-            <a:endParaRPr lang="de-DE" dirty="0">
+            <a:endParaRPr lang="de-DE">
               <a:effectLst/>
               <a:latin typeface="Calibri" panose="020F0502020204030204" pitchFamily="34" charset="0"/>
               <a:ea typeface="Calibri" panose="020F0502020204030204" pitchFamily="34" charset="0"/>
@@ -18144,7 +18144,7 @@
               <a:buNone/>
             </a:pPr>
             <a:r>
-              <a:rPr lang="de-DE" dirty="0">
+              <a:rPr lang="de-DE">
                 <a:solidFill>
                   <a:srgbClr val="4E5B61"/>
                 </a:solidFill>
@@ -18155,7 +18155,7 @@
               </a:rPr>
               <a:t> </a:t>
             </a:r>
-            <a:endParaRPr lang="de-DE" dirty="0">
+            <a:endParaRPr lang="de-DE">
               <a:effectLst/>
               <a:latin typeface="Calibri" panose="020F0502020204030204" pitchFamily="34" charset="0"/>
               <a:ea typeface="Calibri" panose="020F0502020204030204" pitchFamily="34" charset="0"/>
@@ -18173,7 +18173,7 @@
               <a:buNone/>
             </a:pPr>
             <a:r>
-              <a:rPr lang="de-DE" dirty="0">
+              <a:rPr lang="de-DE">
                 <a:solidFill>
                   <a:srgbClr val="4E5B61"/>
                 </a:solidFill>
@@ -18185,7 +18185,7 @@
               <a:t>  </a:t>
             </a:r>
             <a:r>
-              <a:rPr lang="de-DE" dirty="0">
+              <a:rPr lang="de-DE">
                 <a:solidFill>
                   <a:srgbClr val="D35400"/>
                 </a:solidFill>
@@ -18197,7 +18197,7 @@
               <a:t>delay</a:t>
             </a:r>
             <a:r>
-              <a:rPr lang="de-DE" dirty="0">
+              <a:rPr lang="de-DE">
                 <a:solidFill>
                   <a:srgbClr val="434F54"/>
                 </a:solidFill>
@@ -18209,7 +18209,7 @@
               <a:t>(</a:t>
             </a:r>
             <a:r>
-              <a:rPr lang="de-DE" dirty="0">
+              <a:rPr lang="de-DE">
                 <a:solidFill>
                   <a:srgbClr val="005C5F"/>
                 </a:solidFill>
@@ -18221,7 +18221,7 @@
               <a:t>2000</a:t>
             </a:r>
             <a:r>
-              <a:rPr lang="de-DE" dirty="0">
+              <a:rPr lang="de-DE">
                 <a:solidFill>
                   <a:srgbClr val="434F54"/>
                 </a:solidFill>
@@ -18233,7 +18233,7 @@
               <a:t>)</a:t>
             </a:r>
             <a:r>
-              <a:rPr lang="de-DE" dirty="0">
+              <a:rPr lang="de-DE">
                 <a:solidFill>
                   <a:srgbClr val="4E5B61"/>
                 </a:solidFill>
@@ -18256,7 +18256,7 @@
               <a:buNone/>
             </a:pPr>
             <a:r>
-              <a:rPr lang="de-DE" dirty="0">
+              <a:rPr lang="de-DE">
                 <a:solidFill>
                   <a:srgbClr val="4E5B61"/>
                 </a:solidFill>
@@ -18266,7 +18266,7 @@
               </a:rPr>
               <a:t>}</a:t>
             </a:r>
-            <a:endParaRPr lang="de-DE" dirty="0">
+            <a:endParaRPr lang="de-DE">
               <a:effectLst/>
               <a:latin typeface="Calibri" panose="020F0502020204030204" pitchFamily="34" charset="0"/>
               <a:ea typeface="Calibri" panose="020F0502020204030204" pitchFamily="34" charset="0"/>
@@ -18274,7 +18274,7 @@
             </a:endParaRPr>
           </a:p>
           <a:p>
-            <a:endParaRPr lang="de-DE" dirty="0"/>
+            <a:endParaRPr lang="de-DE"/>
           </a:p>
         </p:txBody>
       </p:sp>
@@ -19022,7 +19022,7 @@
           <a:p>
             <a:pPr algn="ctr"/>
             <a:r>
-              <a:rPr lang="de-DE" dirty="0"/>
+              <a:rPr lang="de-DE"/>
               <a:t>Aufgaben mit dem LCD</a:t>
             </a:r>
           </a:p>
@@ -19063,7 +19063,7 @@
               <a:buFont typeface="+mj-lt"/>
               <a:buAutoNum type="arabicPeriod"/>
             </a:pPr>
-            <a:endParaRPr lang="de-DE" dirty="0">
+            <a:endParaRPr lang="de-DE">
               <a:solidFill>
                 <a:srgbClr val="4E5B61"/>
               </a:solidFill>
@@ -19081,7 +19081,7 @@
               <a:buFont typeface="+mj-lt"/>
               <a:buAutoNum type="arabicPeriod"/>
             </a:pPr>
-            <a:endParaRPr lang="de-DE" dirty="0">
+            <a:endParaRPr lang="de-DE">
               <a:solidFill>
                 <a:srgbClr val="4E5B61"/>
               </a:solidFill>
@@ -19099,7 +19099,7 @@
               <a:buAutoNum type="arabicPeriod"/>
             </a:pPr>
             <a:r>
-              <a:rPr lang="de-DE" dirty="0">
+              <a:rPr lang="de-DE">
                 <a:solidFill>
                   <a:srgbClr val="4E5B61"/>
                 </a:solidFill>
@@ -19110,7 +19110,7 @@
               </a:rPr>
               <a:t>Ändere den Text des LCD</a:t>
             </a:r>
-            <a:endParaRPr lang="de-DE" dirty="0">
+            <a:endParaRPr lang="de-DE">
               <a:effectLst/>
               <a:latin typeface="Calibri" panose="020F0502020204030204" pitchFamily="34" charset="0"/>
               <a:ea typeface="Calibri" panose="020F0502020204030204" pitchFamily="34" charset="0"/>
@@ -19126,7 +19126,7 @@
               <a:buAutoNum type="arabicPeriod"/>
             </a:pPr>
             <a:r>
-              <a:rPr lang="de-DE" dirty="0">
+              <a:rPr lang="de-DE">
                 <a:solidFill>
                   <a:srgbClr val="4E5B61"/>
                 </a:solidFill>
@@ -19137,7 +19137,7 @@
               </a:rPr>
               <a:t>Setze einen Text mittig.</a:t>
             </a:r>
-            <a:endParaRPr lang="de-DE" dirty="0">
+            <a:endParaRPr lang="de-DE">
               <a:effectLst/>
               <a:latin typeface="Calibri" panose="020F0502020204030204" pitchFamily="34" charset="0"/>
               <a:ea typeface="Calibri" panose="020F0502020204030204" pitchFamily="34" charset="0"/>
@@ -19153,7 +19153,7 @@
               <a:buAutoNum type="arabicPeriod"/>
             </a:pPr>
             <a:r>
-              <a:rPr lang="de-DE" dirty="0">
+              <a:rPr lang="de-DE">
                 <a:solidFill>
                   <a:srgbClr val="4E5B61"/>
                 </a:solidFill>
@@ -19164,7 +19164,7 @@
               </a:rPr>
               <a:t>Mache das der Text Länger bei einem Textblock bleibt</a:t>
             </a:r>
-            <a:endParaRPr lang="de-DE" dirty="0">
+            <a:endParaRPr lang="de-DE">
               <a:effectLst/>
               <a:latin typeface="Calibri" panose="020F0502020204030204" pitchFamily="34" charset="0"/>
               <a:ea typeface="Calibri" panose="020F0502020204030204" pitchFamily="34" charset="0"/>
@@ -19183,7 +19183,7 @@
               <a:buAutoNum type="arabicPeriod"/>
             </a:pPr>
             <a:r>
-              <a:rPr lang="de-DE" dirty="0">
+              <a:rPr lang="de-DE">
                 <a:solidFill>
                   <a:srgbClr val="4E5B61"/>
                 </a:solidFill>
@@ -19194,7 +19194,7 @@
               </a:rPr>
               <a:t>Füge einen 3 Textblock hinzu. -&gt; Nach delay immer lcd.clear()</a:t>
             </a:r>
-            <a:endParaRPr lang="de-DE" dirty="0">
+            <a:endParaRPr lang="de-DE">
               <a:effectLst/>
               <a:latin typeface="Calibri" panose="020F0502020204030204" pitchFamily="34" charset="0"/>
               <a:ea typeface="Calibri" panose="020F0502020204030204" pitchFamily="34" charset="0"/>
@@ -19537,34 +19537,34 @@
           <a:p>
             <a:pPr algn="ctr"/>
             <a:r>
-              <a:rPr lang="de-DE" b="1" dirty="0"/>
+              <a:rPr lang="de-DE" b="1"/>
               <a:t>Der Servo Motor</a:t>
             </a:r>
             <a:br>
-              <a:rPr lang="de-DE" sz="4400" b="1" dirty="0"/>
+              <a:rPr lang="de-DE" sz="4400" b="1"/>
             </a:br>
             <a:r>
-              <a:rPr lang="de-DE" sz="1000" b="1" dirty="0"/>
+              <a:rPr lang="de-DE" sz="1000" b="1"/>
               <a:t> </a:t>
             </a:r>
             <a:br>
-              <a:rPr lang="de-DE" sz="4400" b="1" dirty="0"/>
+              <a:rPr lang="de-DE" sz="4400" b="1"/>
             </a:br>
             <a:r>
-              <a:rPr lang="de-DE" dirty="0"/>
+              <a:rPr lang="de-DE"/>
               <a:t>Schrittmotor</a:t>
             </a:r>
             <a:br>
               <a:rPr lang="de-DE" sz="4400" b="1"/>
             </a:br>
             <a:br>
-              <a:rPr lang="de-DE" sz="4400" b="1" dirty="0"/>
+              <a:rPr lang="de-DE" sz="4400" b="1"/>
             </a:br>
             <a:r>
-              <a:rPr lang="de-DE" sz="3000" dirty="0"/>
+              <a:rPr lang="de-DE" sz="3000"/>
               <a:t>Anschluss und Code</a:t>
             </a:r>
-            <a:endParaRPr lang="de-DE" sz="3200" dirty="0"/>
+            <a:endParaRPr lang="de-DE" sz="3200"/>
           </a:p>
         </p:txBody>
       </p:sp>
@@ -19617,18 +19617,18 @@
           <a:p>
             <a:pPr algn="ctr"/>
             <a:r>
-              <a:rPr lang="de-DE" dirty="0"/>
+              <a:rPr lang="de-DE"/>
               <a:t>Microcontroller</a:t>
             </a:r>
           </a:p>
           <a:p>
             <a:pPr algn="ctr"/>
-            <a:endParaRPr lang="de-DE" dirty="0"/>
+            <a:endParaRPr lang="de-DE"/>
           </a:p>
           <a:p>
             <a:pPr algn="ctr"/>
             <a:r>
-              <a:rPr lang="de-DE" sz="3200" dirty="0"/>
+              <a:rPr lang="de-DE" sz="3200"/>
               <a:t>Thema 3:</a:t>
             </a:r>
           </a:p>
@@ -19943,7 +19943,7 @@
           <a:p>
             <a:pPr algn="ctr"/>
             <a:r>
-              <a:rPr lang="de-DE" dirty="0"/>
+              <a:rPr lang="de-DE"/>
               <a:t>Was ist der Unterschied zwischen einem normalen Motor und einem Servo Motor?</a:t>
             </a:r>
           </a:p>
@@ -20080,7 +20080,7 @@
           <a:p>
             <a:pPr algn="ctr"/>
             <a:r>
-              <a:rPr lang="de-DE" dirty="0"/>
+              <a:rPr lang="de-DE"/>
               <a:t>Anschlüsse</a:t>
             </a:r>
           </a:p>
@@ -20141,7 +20141,7 @@
                     <a:p>
                       <a:pPr algn="ctr"/>
                       <a:r>
-                        <a:rPr lang="de-DE" sz="3200" dirty="0">
+                        <a:rPr lang="de-DE" sz="3200">
                           <a:latin typeface="+mj-lt"/>
                         </a:rPr>
                         <a:t>Arduino</a:t>
@@ -20157,7 +20157,7 @@
                     <a:p>
                       <a:pPr algn="ctr"/>
                       <a:r>
-                        <a:rPr lang="de-DE" sz="3200" dirty="0">
+                        <a:rPr lang="de-DE" sz="3200">
                           <a:latin typeface="+mj-lt"/>
                         </a:rPr>
                         <a:t>Bauteil</a:t>
@@ -20180,7 +20180,7 @@
                     <a:p>
                       <a:pPr algn="ctr"/>
                       <a:r>
-                        <a:rPr lang="de-DE" sz="3200" dirty="0">
+                        <a:rPr lang="de-DE" sz="3200">
                           <a:latin typeface="+mn-lt"/>
                         </a:rPr>
                         <a:t>5V</a:t>
@@ -20196,11 +20196,11 @@
                     <a:p>
                       <a:pPr algn="ctr"/>
                       <a:r>
-                        <a:rPr lang="de-DE" sz="3200" dirty="0"/>
+                        <a:rPr lang="de-DE" sz="3200"/>
                         <a:t>Rote Kabel </a:t>
                       </a:r>
                       <a:r>
-                        <a:rPr lang="de-DE" sz="3200" kern="1200" dirty="0">
+                        <a:rPr lang="de-DE" sz="3200" kern="1200">
                           <a:solidFill>
                             <a:schemeClr val="dk1"/>
                           </a:solidFill>
@@ -20210,7 +20210,7 @@
                         </a:rPr>
                         <a:t>Servo</a:t>
                       </a:r>
-                      <a:endParaRPr lang="de-DE" sz="3200" dirty="0"/>
+                      <a:endParaRPr lang="de-DE" sz="3200"/>
                     </a:p>
                   </a:txBody>
                   <a:tcPr/>
@@ -20229,7 +20229,7 @@
                     <a:p>
                       <a:pPr algn="ctr"/>
                       <a:r>
-                        <a:rPr lang="de-DE" sz="3200" dirty="0"/>
+                        <a:rPr lang="de-DE" sz="3200"/>
                         <a:t>GND</a:t>
                       </a:r>
                     </a:p>
@@ -20243,11 +20243,11 @@
                     <a:p>
                       <a:pPr algn="ctr"/>
                       <a:r>
-                        <a:rPr lang="de-DE" sz="3200" dirty="0"/>
+                        <a:rPr lang="de-DE" sz="3200"/>
                         <a:t>Schwarzes Kable </a:t>
                       </a:r>
                       <a:r>
-                        <a:rPr lang="de-DE" sz="3200" kern="1200" dirty="0">
+                        <a:rPr lang="de-DE" sz="3200" kern="1200">
                           <a:solidFill>
                             <a:schemeClr val="dk1"/>
                           </a:solidFill>
@@ -20258,7 +20258,7 @@
                         <a:t>Servo</a:t>
                       </a:r>
                       <a:r>
-                        <a:rPr lang="de-DE" sz="3200" dirty="0"/>
+                        <a:rPr lang="de-DE" sz="3200"/>
                         <a:t> </a:t>
                       </a:r>
                     </a:p>
@@ -20279,7 +20279,7 @@
                     <a:p>
                       <a:pPr algn="ctr"/>
                       <a:r>
-                        <a:rPr lang="de-DE" sz="3200" dirty="0"/>
+                        <a:rPr lang="de-DE" sz="3200"/>
                         <a:t>D9</a:t>
                       </a:r>
                     </a:p>
@@ -20293,11 +20293,11 @@
                     <a:p>
                       <a:pPr algn="ctr"/>
                       <a:r>
-                        <a:rPr lang="de-DE" sz="3200" dirty="0"/>
+                        <a:rPr lang="de-DE" sz="3200"/>
                         <a:t>Gelbes Kabel </a:t>
                       </a:r>
                       <a:r>
-                        <a:rPr lang="de-DE" sz="3200" kern="1200" dirty="0">
+                        <a:rPr lang="de-DE" sz="3200" kern="1200">
                           <a:solidFill>
                             <a:schemeClr val="dk1"/>
                           </a:solidFill>
@@ -20307,7 +20307,7 @@
                         </a:rPr>
                         <a:t>Servo</a:t>
                       </a:r>
-                      <a:endParaRPr lang="de-DE" sz="3200" dirty="0"/>
+                      <a:endParaRPr lang="de-DE" sz="3200"/>
                     </a:p>
                   </a:txBody>
                   <a:tcPr/>
@@ -20326,7 +20326,7 @@
                     <a:p>
                       <a:pPr algn="ctr"/>
                       <a:r>
-                        <a:rPr lang="de-DE" sz="3200" dirty="0"/>
+                        <a:rPr lang="de-DE" sz="3200"/>
                         <a:t>D2</a:t>
                       </a:r>
                     </a:p>
@@ -20340,7 +20340,7 @@
                     <a:p>
                       <a:pPr algn="ctr"/>
                       <a:r>
-                        <a:rPr lang="de-DE" sz="3200" dirty="0"/>
+                        <a:rPr lang="de-DE" sz="3200"/>
                         <a:t>Knopf 1</a:t>
                       </a:r>
                     </a:p>
@@ -20366,9 +20366,6 @@
                         </a:rPr>
                         <a:t>D3</a:t>
                       </a:r>
-                      <a:endParaRPr lang="de-DE" sz="3200" dirty="0">
-                        <a:latin typeface="+mn-lt"/>
-                      </a:endParaRPr>
                     </a:p>
                   </a:txBody>
                   <a:tcPr/>
@@ -20380,7 +20377,7 @@
                     <a:p>
                       <a:pPr algn="ctr"/>
                       <a:r>
-                        <a:rPr lang="de-DE" sz="3200" dirty="0"/>
+                        <a:rPr lang="de-DE" sz="3200"/>
                         <a:t>Knopf 2</a:t>
                       </a:r>
                     </a:p>
@@ -20626,20 +20623,20 @@
           <a:p>
             <a:pPr algn="ctr"/>
             <a:r>
-              <a:rPr lang="de-DE" sz="4400" b="1" dirty="0"/>
+              <a:rPr lang="de-DE" sz="4400" b="1"/>
               <a:t>Das Steckbrett</a:t>
             </a:r>
             <a:br>
-              <a:rPr lang="de-DE" sz="4400" b="1" dirty="0"/>
+              <a:rPr lang="de-DE" sz="4400" b="1"/>
             </a:br>
             <a:br>
-              <a:rPr lang="de-DE" sz="4400" b="1" dirty="0"/>
+              <a:rPr lang="de-DE" sz="4400" b="1"/>
             </a:br>
             <a:r>
-              <a:rPr lang="de-DE" sz="3000" dirty="0"/>
+              <a:rPr lang="de-DE" sz="3000"/>
               <a:t>Die Vor- und Nachteile</a:t>
             </a:r>
-            <a:endParaRPr lang="de-DE" sz="3200" dirty="0"/>
+            <a:endParaRPr lang="de-DE" sz="3200"/>
           </a:p>
         </p:txBody>
       </p:sp>
@@ -20692,18 +20689,18 @@
           <a:p>
             <a:pPr algn="ctr"/>
             <a:r>
-              <a:rPr lang="de-DE" dirty="0"/>
+              <a:rPr lang="de-DE"/>
               <a:t>Microelektronik</a:t>
             </a:r>
           </a:p>
           <a:p>
             <a:pPr algn="ctr"/>
-            <a:endParaRPr lang="de-DE" dirty="0"/>
+            <a:endParaRPr lang="de-DE"/>
           </a:p>
           <a:p>
             <a:pPr algn="ctr"/>
             <a:r>
-              <a:rPr lang="de-DE" sz="3200" dirty="0"/>
+              <a:rPr lang="de-DE" sz="3200"/>
               <a:t>Thema 1:</a:t>
             </a:r>
           </a:p>
@@ -20886,7 +20883,7 @@
           <a:p>
             <a:pPr algn="ctr"/>
             <a:r>
-              <a:rPr lang="de-DE" dirty="0"/>
+              <a:rPr lang="de-DE"/>
               <a:t>Der Aufbau</a:t>
             </a:r>
           </a:p>
@@ -21149,7 +21146,7 @@
           <a:p>
             <a:pPr algn="ctr"/>
             <a:r>
-              <a:rPr lang="de-DE" dirty="0"/>
+              <a:rPr lang="de-DE"/>
               <a:t>Das Coden Teil 1</a:t>
             </a:r>
           </a:p>
@@ -21176,7 +21173,7 @@
           <a:bodyPr/>
           <a:lstStyle/>
           <a:p>
-            <a:endParaRPr lang="de-DE" dirty="0"/>
+            <a:endParaRPr lang="de-DE"/>
           </a:p>
           <a:p>
             <a:pPr marL="0" indent="0">
@@ -21189,7 +21186,7 @@
               <a:buNone/>
             </a:pPr>
             <a:r>
-              <a:rPr lang="de-DE" dirty="0">
+              <a:rPr lang="de-DE">
                 <a:solidFill>
                   <a:srgbClr val="728E00"/>
                 </a:solidFill>
@@ -21201,7 +21198,7 @@
               <a:t>#include</a:t>
             </a:r>
             <a:r>
-              <a:rPr lang="de-DE" dirty="0">
+              <a:rPr lang="de-DE">
                 <a:solidFill>
                   <a:srgbClr val="4E5B61"/>
                 </a:solidFill>
@@ -21213,7 +21210,7 @@
               <a:t> </a:t>
             </a:r>
             <a:r>
-              <a:rPr lang="de-DE" dirty="0">
+              <a:rPr lang="de-DE">
                 <a:solidFill>
                   <a:srgbClr val="005C5F"/>
                 </a:solidFill>
@@ -21225,7 +21222,7 @@
               <a:t>&lt;</a:t>
             </a:r>
             <a:r>
-              <a:rPr lang="de-DE" dirty="0" err="1">
+              <a:rPr lang="de-DE" err="1">
                 <a:solidFill>
                   <a:srgbClr val="005C5F"/>
                 </a:solidFill>
@@ -21237,7 +21234,7 @@
               <a:t>Servo.h</a:t>
             </a:r>
             <a:r>
-              <a:rPr lang="de-DE" dirty="0">
+              <a:rPr lang="de-DE">
                 <a:solidFill>
                   <a:srgbClr val="005C5F"/>
                 </a:solidFill>
@@ -21248,7 +21245,7 @@
               </a:rPr>
               <a:t>&gt;</a:t>
             </a:r>
-            <a:endParaRPr lang="de-DE" dirty="0">
+            <a:endParaRPr lang="de-DE">
               <a:effectLst/>
               <a:latin typeface="Calibri" panose="020F0502020204030204" pitchFamily="34" charset="0"/>
               <a:ea typeface="Calibri" panose="020F0502020204030204" pitchFamily="34" charset="0"/>
@@ -21266,7 +21263,7 @@
               <a:buNone/>
             </a:pPr>
             <a:r>
-              <a:rPr lang="de-DE" dirty="0">
+              <a:rPr lang="de-DE">
                 <a:solidFill>
                   <a:srgbClr val="4E5B61"/>
                 </a:solidFill>
@@ -21277,7 +21274,7 @@
               </a:rPr>
               <a:t> </a:t>
             </a:r>
-            <a:endParaRPr lang="de-DE" dirty="0">
+            <a:endParaRPr lang="de-DE">
               <a:effectLst/>
               <a:latin typeface="Calibri" panose="020F0502020204030204" pitchFamily="34" charset="0"/>
               <a:ea typeface="Calibri" panose="020F0502020204030204" pitchFamily="34" charset="0"/>
@@ -21295,7 +21292,7 @@
               <a:buNone/>
             </a:pPr>
             <a:r>
-              <a:rPr lang="de-DE" dirty="0">
+              <a:rPr lang="de-DE">
                 <a:solidFill>
                   <a:srgbClr val="00979D"/>
                 </a:solidFill>
@@ -21307,7 +21304,7 @@
               <a:t>const</a:t>
             </a:r>
             <a:r>
-              <a:rPr lang="de-DE" dirty="0">
+              <a:rPr lang="de-DE">
                 <a:solidFill>
                   <a:srgbClr val="4E5B61"/>
                 </a:solidFill>
@@ -21319,7 +21316,7 @@
               <a:t> </a:t>
             </a:r>
             <a:r>
-              <a:rPr lang="de-DE" dirty="0">
+              <a:rPr lang="de-DE">
                 <a:solidFill>
                   <a:srgbClr val="00979D"/>
                 </a:solidFill>
@@ -21331,7 +21328,7 @@
               <a:t>int</a:t>
             </a:r>
             <a:r>
-              <a:rPr lang="de-DE" dirty="0">
+              <a:rPr lang="de-DE">
                 <a:solidFill>
                   <a:srgbClr val="4E5B61"/>
                 </a:solidFill>
@@ -21343,7 +21340,7 @@
               <a:t> TASTER1_PIN = </a:t>
             </a:r>
             <a:r>
-              <a:rPr lang="de-DE" dirty="0">
+              <a:rPr lang="de-DE">
                 <a:solidFill>
                   <a:srgbClr val="005C5F"/>
                 </a:solidFill>
@@ -21355,7 +21352,7 @@
               <a:t>2</a:t>
             </a:r>
             <a:r>
-              <a:rPr lang="de-DE" dirty="0">
+              <a:rPr lang="de-DE">
                 <a:solidFill>
                   <a:srgbClr val="4E5B61"/>
                 </a:solidFill>
@@ -21366,7 +21363,7 @@
               </a:rPr>
               <a:t>;</a:t>
             </a:r>
-            <a:endParaRPr lang="de-DE" dirty="0">
+            <a:endParaRPr lang="de-DE">
               <a:effectLst/>
               <a:latin typeface="Calibri" panose="020F0502020204030204" pitchFamily="34" charset="0"/>
               <a:ea typeface="Calibri" panose="020F0502020204030204" pitchFamily="34" charset="0"/>
@@ -21384,7 +21381,7 @@
               <a:buNone/>
             </a:pPr>
             <a:r>
-              <a:rPr lang="de-DE" dirty="0">
+              <a:rPr lang="de-DE">
                 <a:solidFill>
                   <a:srgbClr val="00979D"/>
                 </a:solidFill>
@@ -21396,7 +21393,7 @@
               <a:t>const</a:t>
             </a:r>
             <a:r>
-              <a:rPr lang="de-DE" dirty="0">
+              <a:rPr lang="de-DE">
                 <a:solidFill>
                   <a:srgbClr val="4E5B61"/>
                 </a:solidFill>
@@ -21408,7 +21405,7 @@
               <a:t> </a:t>
             </a:r>
             <a:r>
-              <a:rPr lang="de-DE" dirty="0">
+              <a:rPr lang="de-DE">
                 <a:solidFill>
                   <a:srgbClr val="00979D"/>
                 </a:solidFill>
@@ -21420,7 +21417,7 @@
               <a:t>int</a:t>
             </a:r>
             <a:r>
-              <a:rPr lang="de-DE" dirty="0">
+              <a:rPr lang="de-DE">
                 <a:solidFill>
                   <a:srgbClr val="4E5B61"/>
                 </a:solidFill>
@@ -21432,7 +21429,7 @@
               <a:t> TASTER2_PIN = </a:t>
             </a:r>
             <a:r>
-              <a:rPr lang="de-DE" dirty="0">
+              <a:rPr lang="de-DE">
                 <a:solidFill>
                   <a:srgbClr val="005C5F"/>
                 </a:solidFill>
@@ -21444,7 +21441,7 @@
               <a:t>3</a:t>
             </a:r>
             <a:r>
-              <a:rPr lang="de-DE" dirty="0">
+              <a:rPr lang="de-DE">
                 <a:solidFill>
                   <a:srgbClr val="4E5B61"/>
                 </a:solidFill>
@@ -21455,7 +21452,7 @@
               </a:rPr>
               <a:t>;</a:t>
             </a:r>
-            <a:endParaRPr lang="de-DE" dirty="0">
+            <a:endParaRPr lang="de-DE">
               <a:effectLst/>
               <a:latin typeface="Calibri" panose="020F0502020204030204" pitchFamily="34" charset="0"/>
               <a:ea typeface="Calibri" panose="020F0502020204030204" pitchFamily="34" charset="0"/>
@@ -21473,7 +21470,7 @@
               <a:buNone/>
             </a:pPr>
             <a:r>
-              <a:rPr lang="de-DE" dirty="0">
+              <a:rPr lang="de-DE">
                 <a:solidFill>
                   <a:srgbClr val="00979D"/>
                 </a:solidFill>
@@ -21485,7 +21482,7 @@
               <a:t>const</a:t>
             </a:r>
             <a:r>
-              <a:rPr lang="de-DE" dirty="0">
+              <a:rPr lang="de-DE">
                 <a:solidFill>
                   <a:srgbClr val="4E5B61"/>
                 </a:solidFill>
@@ -21497,7 +21494,7 @@
               <a:t> </a:t>
             </a:r>
             <a:r>
-              <a:rPr lang="de-DE" dirty="0">
+              <a:rPr lang="de-DE">
                 <a:solidFill>
                   <a:srgbClr val="00979D"/>
                 </a:solidFill>
@@ -21509,7 +21506,7 @@
               <a:t>int</a:t>
             </a:r>
             <a:r>
-              <a:rPr lang="de-DE" dirty="0">
+              <a:rPr lang="de-DE">
                 <a:solidFill>
                   <a:srgbClr val="4E5B61"/>
                 </a:solidFill>
@@ -21521,7 +21518,7 @@
               <a:t> SERVO_PIN = </a:t>
             </a:r>
             <a:r>
-              <a:rPr lang="de-DE" dirty="0">
+              <a:rPr lang="de-DE">
                 <a:solidFill>
                   <a:srgbClr val="005C5F"/>
                 </a:solidFill>
@@ -21533,7 +21530,7 @@
               <a:t>9</a:t>
             </a:r>
             <a:r>
-              <a:rPr lang="de-DE" dirty="0">
+              <a:rPr lang="de-DE">
                 <a:solidFill>
                   <a:srgbClr val="4E5B61"/>
                 </a:solidFill>
@@ -21544,7 +21541,7 @@
               </a:rPr>
               <a:t>;</a:t>
             </a:r>
-            <a:endParaRPr lang="de-DE" dirty="0">
+            <a:endParaRPr lang="de-DE">
               <a:effectLst/>
               <a:latin typeface="Calibri" panose="020F0502020204030204" pitchFamily="34" charset="0"/>
               <a:ea typeface="Calibri" panose="020F0502020204030204" pitchFamily="34" charset="0"/>
@@ -21562,7 +21559,7 @@
               <a:buNone/>
             </a:pPr>
             <a:r>
-              <a:rPr lang="de-DE" dirty="0">
+              <a:rPr lang="de-DE">
                 <a:solidFill>
                   <a:srgbClr val="4E5B61"/>
                 </a:solidFill>
@@ -21573,7 +21570,7 @@
               </a:rPr>
               <a:t> </a:t>
             </a:r>
-            <a:endParaRPr lang="de-DE" dirty="0">
+            <a:endParaRPr lang="de-DE">
               <a:effectLst/>
               <a:latin typeface="Calibri" panose="020F0502020204030204" pitchFamily="34" charset="0"/>
               <a:ea typeface="Calibri" panose="020F0502020204030204" pitchFamily="34" charset="0"/>
@@ -21591,7 +21588,7 @@
               <a:buNone/>
             </a:pPr>
             <a:r>
-              <a:rPr lang="de-DE" dirty="0">
+              <a:rPr lang="de-DE">
                 <a:solidFill>
                   <a:srgbClr val="4E5B61"/>
                 </a:solidFill>
@@ -21603,7 +21600,7 @@
               <a:t>Servo </a:t>
             </a:r>
             <a:r>
-              <a:rPr lang="de-DE" dirty="0" err="1">
+              <a:rPr lang="de-DE" err="1">
                 <a:solidFill>
                   <a:srgbClr val="4E5B61"/>
                 </a:solidFill>
@@ -21615,7 +21612,7 @@
               <a:t>servo</a:t>
             </a:r>
             <a:r>
-              <a:rPr lang="de-DE" dirty="0">
+              <a:rPr lang="de-DE">
                 <a:solidFill>
                   <a:srgbClr val="4E5B61"/>
                 </a:solidFill>
@@ -21626,7 +21623,7 @@
               </a:rPr>
               <a:t>;</a:t>
             </a:r>
-            <a:endParaRPr lang="de-DE" dirty="0"/>
+            <a:endParaRPr lang="de-DE"/>
           </a:p>
         </p:txBody>
       </p:sp>
@@ -22374,7 +22371,7 @@
           <a:p>
             <a:pPr algn="ctr"/>
             <a:r>
-              <a:rPr lang="de-DE" dirty="0"/>
+              <a:rPr lang="de-DE"/>
               <a:t>Das Coden Teil 2</a:t>
             </a:r>
           </a:p>
@@ -22404,7 +22401,7 @@
             <a:pPr marL="0" indent="0">
               <a:buNone/>
             </a:pPr>
-            <a:endParaRPr lang="de-DE" dirty="0"/>
+            <a:endParaRPr lang="de-DE"/>
           </a:p>
           <a:p>
             <a:pPr marL="0" indent="0">
@@ -22417,7 +22414,7 @@
               <a:buNone/>
             </a:pPr>
             <a:r>
-              <a:rPr lang="de-DE" dirty="0" err="1">
+              <a:rPr lang="de-DE" err="1">
                 <a:solidFill>
                   <a:srgbClr val="00979D"/>
                 </a:solidFill>
@@ -22429,7 +22426,7 @@
               <a:t>void</a:t>
             </a:r>
             <a:r>
-              <a:rPr lang="de-DE" dirty="0">
+              <a:rPr lang="de-DE">
                 <a:solidFill>
                   <a:srgbClr val="4E5B61"/>
                 </a:solidFill>
@@ -22441,7 +22438,7 @@
               <a:t> </a:t>
             </a:r>
             <a:r>
-              <a:rPr lang="de-DE" dirty="0" err="1">
+              <a:rPr lang="de-DE" err="1">
                 <a:solidFill>
                   <a:srgbClr val="D35400"/>
                 </a:solidFill>
@@ -22453,7 +22450,7 @@
               <a:t>setup</a:t>
             </a:r>
             <a:r>
-              <a:rPr lang="de-DE" dirty="0">
+              <a:rPr lang="de-DE">
                 <a:solidFill>
                   <a:srgbClr val="434F54"/>
                 </a:solidFill>
@@ -22465,7 +22462,7 @@
               <a:t>()</a:t>
             </a:r>
             <a:r>
-              <a:rPr lang="de-DE" dirty="0">
+              <a:rPr lang="de-DE">
                 <a:solidFill>
                   <a:srgbClr val="4E5B61"/>
                 </a:solidFill>
@@ -22477,7 +22474,7 @@
               <a:t> </a:t>
             </a:r>
             <a:r>
-              <a:rPr lang="de-DE" dirty="0">
+              <a:rPr lang="de-DE">
                 <a:solidFill>
                   <a:srgbClr val="434F54"/>
                 </a:solidFill>
@@ -22488,7 +22485,7 @@
               </a:rPr>
               <a:t>{</a:t>
             </a:r>
-            <a:endParaRPr lang="de-DE" dirty="0">
+            <a:endParaRPr lang="de-DE">
               <a:effectLst/>
               <a:latin typeface="Calibri" panose="020F0502020204030204" pitchFamily="34" charset="0"/>
               <a:ea typeface="Calibri" panose="020F0502020204030204" pitchFamily="34" charset="0"/>
@@ -22506,7 +22503,7 @@
               <a:buNone/>
             </a:pPr>
             <a:r>
-              <a:rPr lang="de-DE" dirty="0">
+              <a:rPr lang="de-DE">
                 <a:solidFill>
                   <a:srgbClr val="4E5B61"/>
                 </a:solidFill>
@@ -22518,7 +22515,7 @@
               <a:t>  </a:t>
             </a:r>
             <a:r>
-              <a:rPr lang="de-DE" dirty="0" err="1">
+              <a:rPr lang="de-DE" err="1">
                 <a:solidFill>
                   <a:srgbClr val="D35400"/>
                 </a:solidFill>
@@ -22530,7 +22527,7 @@
               <a:t>Serial</a:t>
             </a:r>
             <a:r>
-              <a:rPr lang="de-DE" dirty="0" err="1">
+              <a:rPr lang="de-DE" err="1">
                 <a:solidFill>
                   <a:srgbClr val="4E5B61"/>
                 </a:solidFill>
@@ -22542,7 +22539,7 @@
               <a:t>.</a:t>
             </a:r>
             <a:r>
-              <a:rPr lang="de-DE" dirty="0" err="1">
+              <a:rPr lang="de-DE" err="1">
                 <a:solidFill>
                   <a:srgbClr val="D35400"/>
                 </a:solidFill>
@@ -22554,7 +22551,7 @@
               <a:t>begin</a:t>
             </a:r>
             <a:r>
-              <a:rPr lang="de-DE" dirty="0">
+              <a:rPr lang="de-DE">
                 <a:solidFill>
                   <a:srgbClr val="434F54"/>
                 </a:solidFill>
@@ -22566,7 +22563,7 @@
               <a:t>(</a:t>
             </a:r>
             <a:r>
-              <a:rPr lang="de-DE" dirty="0">
+              <a:rPr lang="de-DE">
                 <a:solidFill>
                   <a:srgbClr val="005C5F"/>
                 </a:solidFill>
@@ -22578,7 +22575,7 @@
               <a:t>9600</a:t>
             </a:r>
             <a:r>
-              <a:rPr lang="de-DE" dirty="0">
+              <a:rPr lang="de-DE">
                 <a:solidFill>
                   <a:srgbClr val="434F54"/>
                 </a:solidFill>
@@ -22590,7 +22587,7 @@
               <a:t>)</a:t>
             </a:r>
             <a:r>
-              <a:rPr lang="de-DE" dirty="0">
+              <a:rPr lang="de-DE">
                 <a:solidFill>
                   <a:srgbClr val="4E5B61"/>
                 </a:solidFill>
@@ -22601,7 +22598,7 @@
               </a:rPr>
               <a:t>;</a:t>
             </a:r>
-            <a:endParaRPr lang="de-DE" dirty="0">
+            <a:endParaRPr lang="de-DE">
               <a:effectLst/>
               <a:latin typeface="Calibri" panose="020F0502020204030204" pitchFamily="34" charset="0"/>
               <a:ea typeface="Calibri" panose="020F0502020204030204" pitchFamily="34" charset="0"/>
@@ -22619,7 +22616,7 @@
               <a:buNone/>
             </a:pPr>
             <a:r>
-              <a:rPr lang="de-DE" dirty="0">
+              <a:rPr lang="de-DE">
                 <a:solidFill>
                   <a:srgbClr val="4E5B61"/>
                 </a:solidFill>
@@ -22630,7 +22627,7 @@
               </a:rPr>
               <a:t> </a:t>
             </a:r>
-            <a:endParaRPr lang="de-DE" dirty="0">
+            <a:endParaRPr lang="de-DE">
               <a:effectLst/>
               <a:latin typeface="Calibri" panose="020F0502020204030204" pitchFamily="34" charset="0"/>
               <a:ea typeface="Calibri" panose="020F0502020204030204" pitchFamily="34" charset="0"/>
@@ -22648,7 +22645,7 @@
               <a:buNone/>
             </a:pPr>
             <a:r>
-              <a:rPr lang="de-DE" dirty="0">
+              <a:rPr lang="de-DE">
                 <a:solidFill>
                   <a:srgbClr val="4E5B61"/>
                 </a:solidFill>
@@ -22660,7 +22657,7 @@
               <a:t>  </a:t>
             </a:r>
             <a:r>
-              <a:rPr lang="de-DE" dirty="0" err="1">
+              <a:rPr lang="de-DE" err="1">
                 <a:solidFill>
                   <a:srgbClr val="D35400"/>
                 </a:solidFill>
@@ -22672,7 +22669,7 @@
               <a:t>pinMode</a:t>
             </a:r>
             <a:r>
-              <a:rPr lang="de-DE" dirty="0">
+              <a:rPr lang="de-DE">
                 <a:solidFill>
                   <a:srgbClr val="434F54"/>
                 </a:solidFill>
@@ -22684,7 +22681,7 @@
               <a:t>(</a:t>
             </a:r>
             <a:r>
-              <a:rPr lang="de-DE" dirty="0">
+              <a:rPr lang="de-DE">
                 <a:solidFill>
                   <a:srgbClr val="4E5B61"/>
                 </a:solidFill>
@@ -22696,7 +22693,7 @@
               <a:t>TASTER1_PIN, INPUT</a:t>
             </a:r>
             <a:r>
-              <a:rPr lang="de-DE" dirty="0">
+              <a:rPr lang="de-DE">
                 <a:solidFill>
                   <a:srgbClr val="434F54"/>
                 </a:solidFill>
@@ -22708,7 +22705,7 @@
               <a:t>)</a:t>
             </a:r>
             <a:r>
-              <a:rPr lang="de-DE" dirty="0">
+              <a:rPr lang="de-DE">
                 <a:solidFill>
                   <a:srgbClr val="4E5B61"/>
                 </a:solidFill>
@@ -22719,7 +22716,7 @@
               </a:rPr>
               <a:t>;</a:t>
             </a:r>
-            <a:endParaRPr lang="de-DE" dirty="0">
+            <a:endParaRPr lang="de-DE">
               <a:effectLst/>
               <a:latin typeface="Calibri" panose="020F0502020204030204" pitchFamily="34" charset="0"/>
               <a:ea typeface="Calibri" panose="020F0502020204030204" pitchFamily="34" charset="0"/>
@@ -22737,7 +22734,7 @@
               <a:buNone/>
             </a:pPr>
             <a:r>
-              <a:rPr lang="de-DE" dirty="0">
+              <a:rPr lang="de-DE">
                 <a:solidFill>
                   <a:srgbClr val="4E5B61"/>
                 </a:solidFill>
@@ -22749,7 +22746,7 @@
               <a:t>  </a:t>
             </a:r>
             <a:r>
-              <a:rPr lang="de-DE" dirty="0" err="1">
+              <a:rPr lang="de-DE" err="1">
                 <a:solidFill>
                   <a:srgbClr val="D35400"/>
                 </a:solidFill>
@@ -22761,7 +22758,7 @@
               <a:t>pinMode</a:t>
             </a:r>
             <a:r>
-              <a:rPr lang="de-DE" dirty="0">
+              <a:rPr lang="de-DE">
                 <a:solidFill>
                   <a:srgbClr val="434F54"/>
                 </a:solidFill>
@@ -22773,7 +22770,7 @@
               <a:t>(</a:t>
             </a:r>
             <a:r>
-              <a:rPr lang="de-DE" dirty="0">
+              <a:rPr lang="de-DE">
                 <a:solidFill>
                   <a:srgbClr val="4E5B61"/>
                 </a:solidFill>
@@ -22785,7 +22782,7 @@
               <a:t>TASTER2_PIN, INPUT</a:t>
             </a:r>
             <a:r>
-              <a:rPr lang="de-DE" dirty="0">
+              <a:rPr lang="de-DE">
                 <a:solidFill>
                   <a:srgbClr val="434F54"/>
                 </a:solidFill>
@@ -22797,7 +22794,7 @@
               <a:t>)</a:t>
             </a:r>
             <a:r>
-              <a:rPr lang="de-DE" dirty="0">
+              <a:rPr lang="de-DE">
                 <a:solidFill>
                   <a:srgbClr val="4E5B61"/>
                 </a:solidFill>
@@ -22808,7 +22805,7 @@
               </a:rPr>
               <a:t>;</a:t>
             </a:r>
-            <a:endParaRPr lang="de-DE" dirty="0">
+            <a:endParaRPr lang="de-DE">
               <a:effectLst/>
               <a:latin typeface="Calibri" panose="020F0502020204030204" pitchFamily="34" charset="0"/>
               <a:ea typeface="Calibri" panose="020F0502020204030204" pitchFamily="34" charset="0"/>
@@ -22826,7 +22823,7 @@
               <a:buNone/>
             </a:pPr>
             <a:r>
-              <a:rPr lang="de-DE" dirty="0">
+              <a:rPr lang="de-DE">
                 <a:solidFill>
                   <a:srgbClr val="4E5B61"/>
                 </a:solidFill>
@@ -22837,7 +22834,7 @@
               </a:rPr>
               <a:t> </a:t>
             </a:r>
-            <a:endParaRPr lang="de-DE" dirty="0">
+            <a:endParaRPr lang="de-DE">
               <a:effectLst/>
               <a:latin typeface="Calibri" panose="020F0502020204030204" pitchFamily="34" charset="0"/>
               <a:ea typeface="Calibri" panose="020F0502020204030204" pitchFamily="34" charset="0"/>
@@ -22855,7 +22852,7 @@
               <a:buNone/>
             </a:pPr>
             <a:r>
-              <a:rPr lang="de-DE" dirty="0">
+              <a:rPr lang="de-DE">
                 <a:solidFill>
                   <a:srgbClr val="4E5B61"/>
                 </a:solidFill>
@@ -22867,7 +22864,7 @@
               <a:t>  </a:t>
             </a:r>
             <a:r>
-              <a:rPr lang="de-DE" dirty="0" err="1">
+              <a:rPr lang="de-DE" err="1">
                 <a:solidFill>
                   <a:srgbClr val="D35400"/>
                 </a:solidFill>
@@ -22879,7 +22876,7 @@
               <a:t>servo</a:t>
             </a:r>
             <a:r>
-              <a:rPr lang="de-DE" dirty="0" err="1">
+              <a:rPr lang="de-DE" err="1">
                 <a:solidFill>
                   <a:srgbClr val="4E5B61"/>
                 </a:solidFill>
@@ -22891,7 +22888,7 @@
               <a:t>.</a:t>
             </a:r>
             <a:r>
-              <a:rPr lang="de-DE" dirty="0" err="1">
+              <a:rPr lang="de-DE" err="1">
                 <a:solidFill>
                   <a:srgbClr val="D35400"/>
                 </a:solidFill>
@@ -22903,7 +22900,7 @@
               <a:t>attach</a:t>
             </a:r>
             <a:r>
-              <a:rPr lang="de-DE" dirty="0">
+              <a:rPr lang="de-DE">
                 <a:solidFill>
                   <a:srgbClr val="434F54"/>
                 </a:solidFill>
@@ -22915,7 +22912,7 @@
               <a:t>(</a:t>
             </a:r>
             <a:r>
-              <a:rPr lang="de-DE" dirty="0">
+              <a:rPr lang="de-DE">
                 <a:solidFill>
                   <a:srgbClr val="4E5B61"/>
                 </a:solidFill>
@@ -22927,7 +22924,7 @@
               <a:t>SERVO_PIN</a:t>
             </a:r>
             <a:r>
-              <a:rPr lang="de-DE" dirty="0">
+              <a:rPr lang="de-DE">
                 <a:solidFill>
                   <a:srgbClr val="434F54"/>
                 </a:solidFill>
@@ -22939,7 +22936,7 @@
               <a:t>)</a:t>
             </a:r>
             <a:r>
-              <a:rPr lang="de-DE" dirty="0">
+              <a:rPr lang="de-DE">
                 <a:solidFill>
                   <a:srgbClr val="4E5B61"/>
                 </a:solidFill>
@@ -22950,7 +22947,7 @@
               </a:rPr>
               <a:t>;</a:t>
             </a:r>
-            <a:endParaRPr lang="de-DE" dirty="0">
+            <a:endParaRPr lang="de-DE">
               <a:effectLst/>
               <a:latin typeface="Calibri" panose="020F0502020204030204" pitchFamily="34" charset="0"/>
               <a:ea typeface="Calibri" panose="020F0502020204030204" pitchFamily="34" charset="0"/>
@@ -22968,7 +22965,7 @@
               <a:buNone/>
             </a:pPr>
             <a:r>
-              <a:rPr lang="de-DE" dirty="0">
+              <a:rPr lang="de-DE">
                 <a:solidFill>
                   <a:srgbClr val="434F54"/>
                 </a:solidFill>
@@ -22979,7 +22976,7 @@
               </a:rPr>
               <a:t>}</a:t>
             </a:r>
-            <a:endParaRPr lang="de-DE" dirty="0">
+            <a:endParaRPr lang="de-DE">
               <a:effectLst/>
               <a:latin typeface="Calibri" panose="020F0502020204030204" pitchFamily="34" charset="0"/>
               <a:ea typeface="Calibri" panose="020F0502020204030204" pitchFamily="34" charset="0"/>
@@ -22987,7 +22984,7 @@
             </a:endParaRPr>
           </a:p>
           <a:p>
-            <a:endParaRPr lang="de-DE" dirty="0"/>
+            <a:endParaRPr lang="de-DE"/>
           </a:p>
         </p:txBody>
       </p:sp>
@@ -23820,7 +23817,7 @@
           <a:p>
             <a:pPr algn="ctr"/>
             <a:r>
-              <a:rPr lang="de-DE" dirty="0"/>
+              <a:rPr lang="de-DE"/>
               <a:t>Das Coden Teil 3</a:t>
             </a:r>
           </a:p>
@@ -23852,7 +23849,7 @@
           <a:bodyPr/>
           <a:lstStyle/>
           <a:p>
-            <a:endParaRPr lang="de-DE" dirty="0"/>
+            <a:endParaRPr lang="de-DE"/>
           </a:p>
           <a:p>
             <a:pPr marL="0" indent="0">
@@ -23865,7 +23862,7 @@
               <a:buNone/>
             </a:pPr>
             <a:r>
-              <a:rPr lang="de-DE" sz="2400" dirty="0" err="1">
+              <a:rPr lang="de-DE" sz="2400" err="1">
                 <a:solidFill>
                   <a:srgbClr val="00979D"/>
                 </a:solidFill>
@@ -23877,7 +23874,7 @@
               <a:t>void</a:t>
             </a:r>
             <a:r>
-              <a:rPr lang="de-DE" sz="2400" dirty="0">
+              <a:rPr lang="de-DE" sz="2400">
                 <a:solidFill>
                   <a:srgbClr val="4E5B61"/>
                 </a:solidFill>
@@ -23889,7 +23886,7 @@
               <a:t> </a:t>
             </a:r>
             <a:r>
-              <a:rPr lang="de-DE" sz="2400" dirty="0">
+              <a:rPr lang="de-DE" sz="2400">
                 <a:solidFill>
                   <a:srgbClr val="D35400"/>
                 </a:solidFill>
@@ -23901,7 +23898,7 @@
               <a:t>loop</a:t>
             </a:r>
             <a:r>
-              <a:rPr lang="de-DE" sz="2400" dirty="0">
+              <a:rPr lang="de-DE" sz="2400">
                 <a:solidFill>
                   <a:srgbClr val="434F54"/>
                 </a:solidFill>
@@ -23913,7 +23910,7 @@
               <a:t>()</a:t>
             </a:r>
             <a:r>
-              <a:rPr lang="de-DE" sz="2400" dirty="0">
+              <a:rPr lang="de-DE" sz="2400">
                 <a:solidFill>
                   <a:srgbClr val="4E5B61"/>
                 </a:solidFill>
@@ -23925,7 +23922,7 @@
               <a:t> </a:t>
             </a:r>
             <a:r>
-              <a:rPr lang="de-DE" sz="2400" dirty="0">
+              <a:rPr lang="de-DE" sz="2400">
                 <a:solidFill>
                   <a:srgbClr val="434F54"/>
                 </a:solidFill>
@@ -23948,7 +23945,7 @@
               <a:buNone/>
             </a:pPr>
             <a:r>
-              <a:rPr lang="de-DE" sz="2400" dirty="0">
+              <a:rPr lang="de-DE" sz="2400">
                 <a:solidFill>
                   <a:srgbClr val="4E5B61"/>
                 </a:solidFill>
@@ -23960,7 +23957,7 @@
               <a:t>  </a:t>
             </a:r>
             <a:r>
-              <a:rPr lang="de-DE" sz="2400" dirty="0" err="1">
+              <a:rPr lang="de-DE" sz="2400" err="1">
                 <a:solidFill>
                   <a:srgbClr val="728E00"/>
                 </a:solidFill>
@@ -23972,7 +23969,7 @@
               <a:t>if</a:t>
             </a:r>
             <a:r>
-              <a:rPr lang="de-DE" sz="2400" dirty="0">
+              <a:rPr lang="de-DE" sz="2400">
                 <a:solidFill>
                   <a:srgbClr val="4E5B61"/>
                 </a:solidFill>
@@ -23984,7 +23981,7 @@
               <a:t> </a:t>
             </a:r>
             <a:r>
-              <a:rPr lang="de-DE" sz="2400" dirty="0">
+              <a:rPr lang="de-DE" sz="2400">
                 <a:solidFill>
                   <a:srgbClr val="434F54"/>
                 </a:solidFill>
@@ -23996,7 +23993,7 @@
               <a:t>(</a:t>
             </a:r>
             <a:r>
-              <a:rPr lang="de-DE" sz="2400" dirty="0" err="1">
+              <a:rPr lang="de-DE" sz="2400" err="1">
                 <a:solidFill>
                   <a:srgbClr val="D35400"/>
                 </a:solidFill>
@@ -24008,7 +24005,7 @@
               <a:t>digitalRead</a:t>
             </a:r>
             <a:r>
-              <a:rPr lang="de-DE" sz="2400" dirty="0">
+              <a:rPr lang="de-DE" sz="2400">
                 <a:solidFill>
                   <a:srgbClr val="434F54"/>
                 </a:solidFill>
@@ -24020,7 +24017,7 @@
               <a:t>(</a:t>
             </a:r>
             <a:r>
-              <a:rPr lang="de-DE" sz="2400" dirty="0">
+              <a:rPr lang="de-DE" sz="2400">
                 <a:solidFill>
                   <a:srgbClr val="4E5B61"/>
                 </a:solidFill>
@@ -24032,7 +24029,7 @@
               <a:t>TASTER1_PIN</a:t>
             </a:r>
             <a:r>
-              <a:rPr lang="de-DE" sz="2400" dirty="0">
+              <a:rPr lang="de-DE" sz="2400">
                 <a:solidFill>
                   <a:srgbClr val="434F54"/>
                 </a:solidFill>
@@ -24044,7 +24041,7 @@
               <a:t>)</a:t>
             </a:r>
             <a:r>
-              <a:rPr lang="de-DE" sz="2400" dirty="0">
+              <a:rPr lang="de-DE" sz="2400">
                 <a:solidFill>
                   <a:srgbClr val="4E5B61"/>
                 </a:solidFill>
@@ -24056,7 +24053,7 @@
               <a:t> == HIGH</a:t>
             </a:r>
             <a:r>
-              <a:rPr lang="de-DE" sz="2400" dirty="0">
+              <a:rPr lang="de-DE" sz="2400">
                 <a:solidFill>
                   <a:srgbClr val="434F54"/>
                 </a:solidFill>
@@ -24068,7 +24065,7 @@
               <a:t>)</a:t>
             </a:r>
             <a:r>
-              <a:rPr lang="de-DE" sz="2400" dirty="0">
+              <a:rPr lang="de-DE" sz="2400">
                 <a:solidFill>
                   <a:srgbClr val="4E5B61"/>
                 </a:solidFill>
@@ -24080,7 +24077,7 @@
               <a:t> </a:t>
             </a:r>
             <a:r>
-              <a:rPr lang="de-DE" sz="2400" dirty="0">
+              <a:rPr lang="de-DE" sz="2400">
                 <a:solidFill>
                   <a:srgbClr val="434F54"/>
                 </a:solidFill>
@@ -24091,7 +24088,7 @@
               </a:rPr>
               <a:t>{ </a:t>
             </a:r>
-            <a:endParaRPr lang="de-DE" sz="2400" dirty="0">
+            <a:endParaRPr lang="de-DE" sz="2400">
               <a:effectLst/>
               <a:latin typeface="Calibri" panose="020F0502020204030204" pitchFamily="34" charset="0"/>
               <a:ea typeface="Calibri" panose="020F0502020204030204" pitchFamily="34" charset="0"/>
@@ -24109,7 +24106,7 @@
               <a:buNone/>
             </a:pPr>
             <a:r>
-              <a:rPr lang="de-DE" sz="2400" dirty="0">
+              <a:rPr lang="de-DE" sz="2400">
                 <a:solidFill>
                   <a:srgbClr val="4E5B61"/>
                 </a:solidFill>
@@ -24121,7 +24118,7 @@
               <a:t>    </a:t>
             </a:r>
             <a:r>
-              <a:rPr lang="de-DE" sz="2400" dirty="0" err="1">
+              <a:rPr lang="de-DE" sz="2400" err="1">
                 <a:solidFill>
                   <a:srgbClr val="D35400"/>
                 </a:solidFill>
@@ -24133,7 +24130,7 @@
               <a:t>Serial</a:t>
             </a:r>
             <a:r>
-              <a:rPr lang="de-DE" sz="2400" dirty="0" err="1">
+              <a:rPr lang="de-DE" sz="2400" err="1">
                 <a:solidFill>
                   <a:srgbClr val="4E5B61"/>
                 </a:solidFill>
@@ -24145,7 +24142,7 @@
               <a:t>.</a:t>
             </a:r>
             <a:r>
-              <a:rPr lang="de-DE" sz="2400" dirty="0" err="1">
+              <a:rPr lang="de-DE" sz="2400" err="1">
                 <a:solidFill>
                   <a:srgbClr val="D35400"/>
                 </a:solidFill>
@@ -24157,7 +24154,7 @@
               <a:t>println</a:t>
             </a:r>
             <a:r>
-              <a:rPr lang="de-DE" sz="2400" dirty="0">
+              <a:rPr lang="de-DE" sz="2400">
                 <a:solidFill>
                   <a:srgbClr val="434F54"/>
                 </a:solidFill>
@@ -24169,7 +24166,7 @@
               <a:t>(</a:t>
             </a:r>
             <a:r>
-              <a:rPr lang="de-DE" sz="2400" dirty="0">
+              <a:rPr lang="de-DE" sz="2400">
                 <a:solidFill>
                   <a:srgbClr val="005C5F"/>
                 </a:solidFill>
@@ -24181,7 +24178,7 @@
               <a:t>"Taster 1 gedrückt - Servo fährt vorwärts"</a:t>
             </a:r>
             <a:r>
-              <a:rPr lang="de-DE" sz="2400" dirty="0">
+              <a:rPr lang="de-DE" sz="2400">
                 <a:solidFill>
                   <a:srgbClr val="434F54"/>
                 </a:solidFill>
@@ -24193,7 +24190,7 @@
               <a:t>)</a:t>
             </a:r>
             <a:r>
-              <a:rPr lang="de-DE" sz="2400" dirty="0">
+              <a:rPr lang="de-DE" sz="2400">
                 <a:solidFill>
                   <a:srgbClr val="4E5B61"/>
                 </a:solidFill>
@@ -24204,7 +24201,7 @@
               </a:rPr>
               <a:t>;</a:t>
             </a:r>
-            <a:endParaRPr lang="de-DE" sz="2400" dirty="0">
+            <a:endParaRPr lang="de-DE" sz="2400">
               <a:solidFill>
                 <a:srgbClr val="005C5F"/>
               </a:solidFill>
@@ -24225,7 +24222,7 @@
               <a:buNone/>
             </a:pPr>
             <a:r>
-              <a:rPr lang="de-DE" sz="2400" dirty="0">
+              <a:rPr lang="de-DE" sz="2400">
                 <a:solidFill>
                   <a:srgbClr val="4E5B61"/>
                 </a:solidFill>
@@ -24237,7 +24234,7 @@
               <a:t>    </a:t>
             </a:r>
             <a:r>
-              <a:rPr lang="de-DE" sz="2400" dirty="0" err="1">
+              <a:rPr lang="de-DE" sz="2400" err="1">
                 <a:solidFill>
                   <a:srgbClr val="D35400"/>
                 </a:solidFill>
@@ -24249,7 +24246,7 @@
               <a:t>servo</a:t>
             </a:r>
             <a:r>
-              <a:rPr lang="de-DE" sz="2400" dirty="0" err="1">
+              <a:rPr lang="de-DE" sz="2400" err="1">
                 <a:solidFill>
                   <a:srgbClr val="4E5B61"/>
                 </a:solidFill>
@@ -24261,7 +24258,7 @@
               <a:t>.</a:t>
             </a:r>
             <a:r>
-              <a:rPr lang="de-DE" sz="2400" dirty="0" err="1">
+              <a:rPr lang="de-DE" sz="2400" err="1">
                 <a:solidFill>
                   <a:srgbClr val="D35400"/>
                 </a:solidFill>
@@ -24273,7 +24270,7 @@
               <a:t>write</a:t>
             </a:r>
             <a:r>
-              <a:rPr lang="de-DE" sz="2400" dirty="0">
+              <a:rPr lang="de-DE" sz="2400">
                 <a:solidFill>
                   <a:srgbClr val="434F54"/>
                 </a:solidFill>
@@ -24285,7 +24282,7 @@
               <a:t>(</a:t>
             </a:r>
             <a:r>
-              <a:rPr lang="de-DE" sz="2400" dirty="0">
+              <a:rPr lang="de-DE" sz="2400">
                 <a:solidFill>
                   <a:srgbClr val="005C5F"/>
                 </a:solidFill>
@@ -24297,7 +24294,7 @@
               <a:t>180</a:t>
             </a:r>
             <a:r>
-              <a:rPr lang="de-DE" sz="2400" dirty="0">
+              <a:rPr lang="de-DE" sz="2400">
                 <a:solidFill>
                   <a:srgbClr val="434F54"/>
                 </a:solidFill>
@@ -24309,7 +24306,7 @@
               <a:t>)</a:t>
             </a:r>
             <a:r>
-              <a:rPr lang="de-DE" sz="2400" dirty="0">
+              <a:rPr lang="de-DE" sz="2400">
                 <a:solidFill>
                   <a:srgbClr val="4E5B61"/>
                 </a:solidFill>
@@ -24332,7 +24329,7 @@
               <a:buNone/>
             </a:pPr>
             <a:r>
-              <a:rPr lang="de-DE" sz="2400" dirty="0">
+              <a:rPr lang="de-DE" sz="2400">
                 <a:solidFill>
                   <a:srgbClr val="4E5B61"/>
                 </a:solidFill>
@@ -24344,7 +24341,7 @@
               <a:t>    </a:t>
             </a:r>
             <a:r>
-              <a:rPr lang="de-DE" sz="2400" dirty="0" err="1">
+              <a:rPr lang="de-DE" sz="2400" err="1">
                 <a:solidFill>
                   <a:srgbClr val="D35400"/>
                 </a:solidFill>
@@ -24356,7 +24353,7 @@
               <a:t>delay</a:t>
             </a:r>
             <a:r>
-              <a:rPr lang="de-DE" sz="2400" dirty="0">
+              <a:rPr lang="de-DE" sz="2400">
                 <a:solidFill>
                   <a:srgbClr val="434F54"/>
                 </a:solidFill>
@@ -24368,7 +24365,7 @@
               <a:t>(</a:t>
             </a:r>
             <a:r>
-              <a:rPr lang="de-DE" sz="2400" dirty="0">
+              <a:rPr lang="de-DE" sz="2400">
                 <a:solidFill>
                   <a:srgbClr val="005C5F"/>
                 </a:solidFill>
@@ -24380,7 +24377,7 @@
               <a:t>1000</a:t>
             </a:r>
             <a:r>
-              <a:rPr lang="de-DE" sz="2400" dirty="0">
+              <a:rPr lang="de-DE" sz="2400">
                 <a:solidFill>
                   <a:srgbClr val="434F54"/>
                 </a:solidFill>
@@ -24392,7 +24389,7 @@
               <a:t>)</a:t>
             </a:r>
             <a:r>
-              <a:rPr lang="de-DE" sz="2400" dirty="0">
+              <a:rPr lang="de-DE" sz="2400">
                 <a:solidFill>
                   <a:srgbClr val="4E5B61"/>
                 </a:solidFill>
@@ -24403,7 +24400,7 @@
               </a:rPr>
               <a:t>;</a:t>
             </a:r>
-            <a:endParaRPr lang="de-DE" sz="2400" dirty="0">
+            <a:endParaRPr lang="de-DE" sz="2400">
               <a:effectLst/>
               <a:latin typeface="Calibri" panose="020F0502020204030204" pitchFamily="34" charset="0"/>
               <a:ea typeface="Calibri" panose="020F0502020204030204" pitchFamily="34" charset="0"/>
@@ -24421,7 +24418,7 @@
               <a:buNone/>
             </a:pPr>
             <a:r>
-              <a:rPr lang="de-DE" sz="2400" dirty="0">
+              <a:rPr lang="de-DE" sz="2400">
                 <a:solidFill>
                   <a:srgbClr val="4E5B61"/>
                 </a:solidFill>
@@ -24433,7 +24430,7 @@
               <a:t>    </a:t>
             </a:r>
             <a:r>
-              <a:rPr lang="de-DE" sz="2400" dirty="0" err="1">
+              <a:rPr lang="de-DE" sz="2400" err="1">
                 <a:solidFill>
                   <a:srgbClr val="D35400"/>
                 </a:solidFill>
@@ -24445,7 +24442,7 @@
               <a:t>servo</a:t>
             </a:r>
             <a:r>
-              <a:rPr lang="de-DE" sz="2400" dirty="0" err="1">
+              <a:rPr lang="de-DE" sz="2400" err="1">
                 <a:solidFill>
                   <a:srgbClr val="4E5B61"/>
                 </a:solidFill>
@@ -24457,7 +24454,7 @@
               <a:t>.</a:t>
             </a:r>
             <a:r>
-              <a:rPr lang="de-DE" sz="2400" dirty="0" err="1">
+              <a:rPr lang="de-DE" sz="2400" err="1">
                 <a:solidFill>
                   <a:srgbClr val="D35400"/>
                 </a:solidFill>
@@ -24469,7 +24466,7 @@
               <a:t>write</a:t>
             </a:r>
             <a:r>
-              <a:rPr lang="de-DE" sz="2400" dirty="0">
+              <a:rPr lang="de-DE" sz="2400">
                 <a:solidFill>
                   <a:srgbClr val="434F54"/>
                 </a:solidFill>
@@ -24481,7 +24478,7 @@
               <a:t>(</a:t>
             </a:r>
             <a:r>
-              <a:rPr lang="de-DE" sz="2400" dirty="0">
+              <a:rPr lang="de-DE" sz="2400">
                 <a:solidFill>
                   <a:srgbClr val="005C5F"/>
                 </a:solidFill>
@@ -24493,7 +24490,7 @@
               <a:t>90</a:t>
             </a:r>
             <a:r>
-              <a:rPr lang="de-DE" sz="2400" dirty="0">
+              <a:rPr lang="de-DE" sz="2400">
                 <a:solidFill>
                   <a:srgbClr val="434F54"/>
                 </a:solidFill>
@@ -24505,7 +24502,7 @@
               <a:t>)</a:t>
             </a:r>
             <a:r>
-              <a:rPr lang="de-DE" sz="2400" dirty="0">
+              <a:rPr lang="de-DE" sz="2400">
                 <a:solidFill>
                   <a:srgbClr val="4E5B61"/>
                 </a:solidFill>
@@ -24516,7 +24513,7 @@
               </a:rPr>
               <a:t>;</a:t>
             </a:r>
-            <a:endParaRPr lang="de-DE" sz="2400" dirty="0">
+            <a:endParaRPr lang="de-DE" sz="2400">
               <a:effectLst/>
               <a:latin typeface="Calibri" panose="020F0502020204030204" pitchFamily="34" charset="0"/>
               <a:ea typeface="Calibri" panose="020F0502020204030204" pitchFamily="34" charset="0"/>
@@ -24534,7 +24531,7 @@
               <a:buNone/>
             </a:pPr>
             <a:r>
-              <a:rPr lang="de-DE" sz="2400" dirty="0">
+              <a:rPr lang="de-DE" sz="2400">
                 <a:solidFill>
                   <a:srgbClr val="4E5B61"/>
                 </a:solidFill>
@@ -24546,7 +24543,7 @@
               <a:t>    </a:t>
             </a:r>
             <a:r>
-              <a:rPr lang="de-DE" sz="2400" dirty="0" err="1">
+              <a:rPr lang="de-DE" sz="2400" err="1">
                 <a:solidFill>
                   <a:srgbClr val="D35400"/>
                 </a:solidFill>
@@ -24558,7 +24555,7 @@
               <a:t>Serial</a:t>
             </a:r>
             <a:r>
-              <a:rPr lang="de-DE" sz="2400" dirty="0" err="1">
+              <a:rPr lang="de-DE" sz="2400" err="1">
                 <a:solidFill>
                   <a:srgbClr val="4E5B61"/>
                 </a:solidFill>
@@ -24570,7 +24567,7 @@
               <a:t>.</a:t>
             </a:r>
             <a:r>
-              <a:rPr lang="de-DE" sz="2400" dirty="0" err="1">
+              <a:rPr lang="de-DE" sz="2400" err="1">
                 <a:solidFill>
                   <a:srgbClr val="D35400"/>
                 </a:solidFill>
@@ -24582,7 +24579,7 @@
               <a:t>println</a:t>
             </a:r>
             <a:r>
-              <a:rPr lang="de-DE" sz="2400" dirty="0">
+              <a:rPr lang="de-DE" sz="2400">
                 <a:solidFill>
                   <a:srgbClr val="434F54"/>
                 </a:solidFill>
@@ -24594,7 +24591,7 @@
               <a:t>(</a:t>
             </a:r>
             <a:r>
-              <a:rPr lang="de-DE" sz="2400" dirty="0">
+              <a:rPr lang="de-DE" sz="2400">
                 <a:solidFill>
                   <a:srgbClr val="005C5F"/>
                 </a:solidFill>
@@ -24606,7 +24603,7 @@
               <a:t>"Servo fährt zu Ausgangsposition"</a:t>
             </a:r>
             <a:r>
-              <a:rPr lang="de-DE" sz="2400" dirty="0">
+              <a:rPr lang="de-DE" sz="2400">
                 <a:solidFill>
                   <a:srgbClr val="434F54"/>
                 </a:solidFill>
@@ -24618,7 +24615,7 @@
               <a:t>)</a:t>
             </a:r>
             <a:r>
-              <a:rPr lang="de-DE" sz="2400" dirty="0">
+              <a:rPr lang="de-DE" sz="2400">
                 <a:solidFill>
                   <a:srgbClr val="4E5B61"/>
                 </a:solidFill>
@@ -24629,7 +24626,7 @@
               </a:rPr>
               <a:t>;</a:t>
             </a:r>
-            <a:endParaRPr lang="de-DE" sz="2400" dirty="0">
+            <a:endParaRPr lang="de-DE" sz="2400">
               <a:effectLst/>
               <a:latin typeface="Calibri" panose="020F0502020204030204" pitchFamily="34" charset="0"/>
               <a:ea typeface="Calibri" panose="020F0502020204030204" pitchFamily="34" charset="0"/>
@@ -24647,7 +24644,7 @@
               <a:buNone/>
             </a:pPr>
             <a:r>
-              <a:rPr lang="de-DE" sz="2400" dirty="0">
+              <a:rPr lang="de-DE" sz="2400">
                 <a:solidFill>
                   <a:srgbClr val="4E5B61"/>
                 </a:solidFill>
@@ -24659,7 +24656,7 @@
               <a:t>  </a:t>
             </a:r>
             <a:r>
-              <a:rPr lang="de-DE" sz="2400" dirty="0">
+              <a:rPr lang="de-DE" sz="2400">
                 <a:solidFill>
                   <a:srgbClr val="434F54"/>
                 </a:solidFill>
@@ -24670,7 +24667,7 @@
               </a:rPr>
               <a:t>}</a:t>
             </a:r>
-            <a:endParaRPr lang="de-DE" sz="2400" dirty="0">
+            <a:endParaRPr lang="de-DE" sz="2400">
               <a:effectLst/>
               <a:latin typeface="Calibri" panose="020F0502020204030204" pitchFamily="34" charset="0"/>
               <a:ea typeface="Calibri" panose="020F0502020204030204" pitchFamily="34" charset="0"/>
@@ -24678,7 +24675,7 @@
             </a:endParaRPr>
           </a:p>
           <a:p>
-            <a:endParaRPr lang="de-DE" dirty="0"/>
+            <a:endParaRPr lang="de-DE"/>
           </a:p>
         </p:txBody>
       </p:sp>
@@ -25511,7 +25508,7 @@
           <a:p>
             <a:pPr algn="ctr"/>
             <a:r>
-              <a:rPr lang="de-DE" dirty="0"/>
+              <a:rPr lang="de-DE"/>
               <a:t>Das Coden Teil 4</a:t>
             </a:r>
           </a:p>
@@ -25545,7 +25542,7 @@
           </a:bodyPr>
           <a:lstStyle/>
           <a:p>
-            <a:endParaRPr lang="de-DE" dirty="0"/>
+            <a:endParaRPr lang="de-DE"/>
           </a:p>
           <a:p>
             <a:pPr marL="0" indent="0">
@@ -25558,7 +25555,7 @@
               <a:buNone/>
             </a:pPr>
             <a:r>
-              <a:rPr lang="de-DE" dirty="0" err="1">
+              <a:rPr lang="de-DE" err="1">
                 <a:solidFill>
                   <a:srgbClr val="728E00"/>
                 </a:solidFill>
@@ -25570,7 +25567,7 @@
               <a:t>if</a:t>
             </a:r>
             <a:r>
-              <a:rPr lang="de-DE" dirty="0">
+              <a:rPr lang="de-DE">
                 <a:solidFill>
                   <a:srgbClr val="4E5B61"/>
                 </a:solidFill>
@@ -25582,7 +25579,7 @@
               <a:t> </a:t>
             </a:r>
             <a:r>
-              <a:rPr lang="de-DE" dirty="0">
+              <a:rPr lang="de-DE">
                 <a:solidFill>
                   <a:srgbClr val="434F54"/>
                 </a:solidFill>
@@ -25594,7 +25591,7 @@
               <a:t>(</a:t>
             </a:r>
             <a:r>
-              <a:rPr lang="de-DE" dirty="0" err="1">
+              <a:rPr lang="de-DE" err="1">
                 <a:solidFill>
                   <a:srgbClr val="D35400"/>
                 </a:solidFill>
@@ -25606,7 +25603,7 @@
               <a:t>digitalRead</a:t>
             </a:r>
             <a:r>
-              <a:rPr lang="de-DE" dirty="0">
+              <a:rPr lang="de-DE">
                 <a:solidFill>
                   <a:srgbClr val="434F54"/>
                 </a:solidFill>
@@ -25618,7 +25615,7 @@
               <a:t>(</a:t>
             </a:r>
             <a:r>
-              <a:rPr lang="de-DE" dirty="0">
+              <a:rPr lang="de-DE">
                 <a:solidFill>
                   <a:srgbClr val="4E5B61"/>
                 </a:solidFill>
@@ -25630,7 +25627,7 @@
               <a:t>TASTER2_PIN</a:t>
             </a:r>
             <a:r>
-              <a:rPr lang="de-DE" dirty="0">
+              <a:rPr lang="de-DE">
                 <a:solidFill>
                   <a:srgbClr val="434F54"/>
                 </a:solidFill>
@@ -25642,7 +25639,7 @@
               <a:t>)</a:t>
             </a:r>
             <a:r>
-              <a:rPr lang="de-DE" dirty="0">
+              <a:rPr lang="de-DE">
                 <a:solidFill>
                   <a:srgbClr val="4E5B61"/>
                 </a:solidFill>
@@ -25654,7 +25651,7 @@
               <a:t> == HIGH</a:t>
             </a:r>
             <a:r>
-              <a:rPr lang="de-DE" dirty="0">
+              <a:rPr lang="de-DE">
                 <a:solidFill>
                   <a:srgbClr val="434F54"/>
                 </a:solidFill>
@@ -25666,7 +25663,7 @@
               <a:t>)</a:t>
             </a:r>
             <a:r>
-              <a:rPr lang="de-DE" dirty="0">
+              <a:rPr lang="de-DE">
                 <a:solidFill>
                   <a:srgbClr val="4E5B61"/>
                 </a:solidFill>
@@ -25678,7 +25675,7 @@
               <a:t> </a:t>
             </a:r>
             <a:r>
-              <a:rPr lang="de-DE" dirty="0">
+              <a:rPr lang="de-DE">
                 <a:solidFill>
                   <a:srgbClr val="434F54"/>
                 </a:solidFill>
@@ -25689,7 +25686,7 @@
               </a:rPr>
               <a:t>{</a:t>
             </a:r>
-            <a:endParaRPr lang="de-DE" dirty="0">
+            <a:endParaRPr lang="de-DE">
               <a:effectLst/>
               <a:latin typeface="Calibri" panose="020F0502020204030204" pitchFamily="34" charset="0"/>
               <a:ea typeface="Calibri" panose="020F0502020204030204" pitchFamily="34" charset="0"/>
@@ -25707,7 +25704,7 @@
               <a:buNone/>
             </a:pPr>
             <a:r>
-              <a:rPr lang="de-DE" dirty="0">
+              <a:rPr lang="de-DE">
                 <a:solidFill>
                   <a:srgbClr val="4E5B61"/>
                 </a:solidFill>
@@ -25719,7 +25716,7 @@
               <a:t>    </a:t>
             </a:r>
             <a:r>
-              <a:rPr lang="de-DE" dirty="0" err="1">
+              <a:rPr lang="de-DE" err="1">
                 <a:solidFill>
                   <a:srgbClr val="D35400"/>
                 </a:solidFill>
@@ -25731,7 +25728,7 @@
               <a:t>Serial</a:t>
             </a:r>
             <a:r>
-              <a:rPr lang="de-DE" dirty="0" err="1">
+              <a:rPr lang="de-DE" err="1">
                 <a:solidFill>
                   <a:srgbClr val="4E5B61"/>
                 </a:solidFill>
@@ -25743,7 +25740,7 @@
               <a:t>.</a:t>
             </a:r>
             <a:r>
-              <a:rPr lang="de-DE" dirty="0" err="1">
+              <a:rPr lang="de-DE" err="1">
                 <a:solidFill>
                   <a:srgbClr val="D35400"/>
                 </a:solidFill>
@@ -25755,7 +25752,7 @@
               <a:t>println</a:t>
             </a:r>
             <a:r>
-              <a:rPr lang="de-DE" dirty="0">
+              <a:rPr lang="de-DE">
                 <a:solidFill>
                   <a:srgbClr val="434F54"/>
                 </a:solidFill>
@@ -25767,7 +25764,7 @@
               <a:t>(</a:t>
             </a:r>
             <a:r>
-              <a:rPr lang="de-DE" dirty="0">
+              <a:rPr lang="de-DE">
                 <a:solidFill>
                   <a:srgbClr val="005C5F"/>
                 </a:solidFill>
@@ -25779,7 +25776,7 @@
               <a:t>"Taster 2 gedrückt - Servo fährt …");</a:t>
             </a:r>
             <a:r>
-              <a:rPr lang="de-DE" dirty="0">
+              <a:rPr lang="de-DE">
                 <a:solidFill>
                   <a:srgbClr val="4E5B61"/>
                 </a:solidFill>
@@ -25790,7 +25787,7 @@
               </a:rPr>
               <a:t> </a:t>
             </a:r>
-            <a:endParaRPr lang="de-DE" dirty="0">
+            <a:endParaRPr lang="de-DE">
               <a:effectLst/>
               <a:latin typeface="Calibri" panose="020F0502020204030204" pitchFamily="34" charset="0"/>
               <a:ea typeface="Calibri" panose="020F0502020204030204" pitchFamily="34" charset="0"/>
@@ -25808,7 +25805,7 @@
               <a:buNone/>
             </a:pPr>
             <a:r>
-              <a:rPr lang="de-DE" dirty="0">
+              <a:rPr lang="de-DE">
                 <a:solidFill>
                   <a:srgbClr val="4E5B61"/>
                 </a:solidFill>
@@ -25820,7 +25817,7 @@
               <a:t>    </a:t>
             </a:r>
             <a:r>
-              <a:rPr lang="de-DE" dirty="0" err="1">
+              <a:rPr lang="de-DE" err="1">
                 <a:solidFill>
                   <a:srgbClr val="D35400"/>
                 </a:solidFill>
@@ -25832,7 +25829,7 @@
               <a:t>servo</a:t>
             </a:r>
             <a:r>
-              <a:rPr lang="de-DE" dirty="0" err="1">
+              <a:rPr lang="de-DE" err="1">
                 <a:solidFill>
                   <a:srgbClr val="4E5B61"/>
                 </a:solidFill>
@@ -25844,7 +25841,7 @@
               <a:t>.</a:t>
             </a:r>
             <a:r>
-              <a:rPr lang="de-DE" dirty="0" err="1">
+              <a:rPr lang="de-DE" err="1">
                 <a:solidFill>
                   <a:srgbClr val="D35400"/>
                 </a:solidFill>
@@ -25856,7 +25853,7 @@
               <a:t>write</a:t>
             </a:r>
             <a:r>
-              <a:rPr lang="de-DE" dirty="0">
+              <a:rPr lang="de-DE">
                 <a:solidFill>
                   <a:srgbClr val="434F54"/>
                 </a:solidFill>
@@ -25868,7 +25865,7 @@
               <a:t>(</a:t>
             </a:r>
             <a:r>
-              <a:rPr lang="de-DE" dirty="0">
+              <a:rPr lang="de-DE">
                 <a:solidFill>
                   <a:srgbClr val="005C5F"/>
                 </a:solidFill>
@@ -25880,7 +25877,7 @@
               <a:t>0</a:t>
             </a:r>
             <a:r>
-              <a:rPr lang="de-DE" dirty="0">
+              <a:rPr lang="de-DE">
                 <a:solidFill>
                   <a:srgbClr val="434F54"/>
                 </a:solidFill>
@@ -25892,7 +25889,7 @@
               <a:t>)</a:t>
             </a:r>
             <a:r>
-              <a:rPr lang="de-DE" dirty="0">
+              <a:rPr lang="de-DE">
                 <a:solidFill>
                   <a:srgbClr val="4E5B61"/>
                 </a:solidFill>
@@ -25915,7 +25912,7 @@
               <a:buNone/>
             </a:pPr>
             <a:r>
-              <a:rPr lang="de-DE" dirty="0">
+              <a:rPr lang="de-DE">
                 <a:solidFill>
                   <a:srgbClr val="4E5B61"/>
                 </a:solidFill>
@@ -25927,7 +25924,7 @@
               <a:t>    </a:t>
             </a:r>
             <a:r>
-              <a:rPr lang="de-DE" dirty="0" err="1">
+              <a:rPr lang="de-DE" err="1">
                 <a:solidFill>
                   <a:srgbClr val="D35400"/>
                 </a:solidFill>
@@ -25939,7 +25936,7 @@
               <a:t>delay</a:t>
             </a:r>
             <a:r>
-              <a:rPr lang="de-DE" dirty="0">
+              <a:rPr lang="de-DE">
                 <a:solidFill>
                   <a:srgbClr val="434F54"/>
                 </a:solidFill>
@@ -25951,7 +25948,7 @@
               <a:t>(</a:t>
             </a:r>
             <a:r>
-              <a:rPr lang="de-DE" dirty="0">
+              <a:rPr lang="de-DE">
                 <a:solidFill>
                   <a:srgbClr val="005C5F"/>
                 </a:solidFill>
@@ -25963,7 +25960,7 @@
               <a:t>1000</a:t>
             </a:r>
             <a:r>
-              <a:rPr lang="de-DE" dirty="0">
+              <a:rPr lang="de-DE">
                 <a:solidFill>
                   <a:srgbClr val="434F54"/>
                 </a:solidFill>
@@ -25975,7 +25972,7 @@
               <a:t>)</a:t>
             </a:r>
             <a:r>
-              <a:rPr lang="de-DE" dirty="0">
+              <a:rPr lang="de-DE">
                 <a:solidFill>
                   <a:srgbClr val="4E5B61"/>
                 </a:solidFill>
@@ -25986,7 +25983,7 @@
               </a:rPr>
               <a:t>; </a:t>
             </a:r>
-            <a:endParaRPr lang="de-DE" dirty="0">
+            <a:endParaRPr lang="de-DE">
               <a:effectLst/>
               <a:latin typeface="Calibri" panose="020F0502020204030204" pitchFamily="34" charset="0"/>
               <a:ea typeface="Calibri" panose="020F0502020204030204" pitchFamily="34" charset="0"/>
@@ -26004,7 +26001,7 @@
               <a:buNone/>
             </a:pPr>
             <a:r>
-              <a:rPr lang="de-DE" dirty="0">
+              <a:rPr lang="de-DE">
                 <a:solidFill>
                   <a:srgbClr val="4E5B61"/>
                 </a:solidFill>
@@ -26016,7 +26013,7 @@
               <a:t>    </a:t>
             </a:r>
             <a:r>
-              <a:rPr lang="de-DE" dirty="0" err="1">
+              <a:rPr lang="de-DE" err="1">
                 <a:solidFill>
                   <a:srgbClr val="D35400"/>
                 </a:solidFill>
@@ -26028,7 +26025,7 @@
               <a:t>servo</a:t>
             </a:r>
             <a:r>
-              <a:rPr lang="de-DE" dirty="0" err="1">
+              <a:rPr lang="de-DE" err="1">
                 <a:solidFill>
                   <a:srgbClr val="4E5B61"/>
                 </a:solidFill>
@@ -26040,7 +26037,7 @@
               <a:t>.</a:t>
             </a:r>
             <a:r>
-              <a:rPr lang="de-DE" dirty="0" err="1">
+              <a:rPr lang="de-DE" err="1">
                 <a:solidFill>
                   <a:srgbClr val="D35400"/>
                 </a:solidFill>
@@ -26052,7 +26049,7 @@
               <a:t>write</a:t>
             </a:r>
             <a:r>
-              <a:rPr lang="de-DE" dirty="0">
+              <a:rPr lang="de-DE">
                 <a:solidFill>
                   <a:srgbClr val="434F54"/>
                 </a:solidFill>
@@ -26064,7 +26061,7 @@
               <a:t>(</a:t>
             </a:r>
             <a:r>
-              <a:rPr lang="de-DE" dirty="0">
+              <a:rPr lang="de-DE">
                 <a:solidFill>
                   <a:srgbClr val="005C5F"/>
                 </a:solidFill>
@@ -26076,7 +26073,7 @@
               <a:t>90</a:t>
             </a:r>
             <a:r>
-              <a:rPr lang="de-DE" dirty="0">
+              <a:rPr lang="de-DE">
                 <a:solidFill>
                   <a:srgbClr val="434F54"/>
                 </a:solidFill>
@@ -26088,7 +26085,7 @@
               <a:t>)</a:t>
             </a:r>
             <a:r>
-              <a:rPr lang="de-DE" dirty="0">
+              <a:rPr lang="de-DE">
                 <a:solidFill>
                   <a:srgbClr val="4E5B61"/>
                 </a:solidFill>
@@ -26099,7 +26096,7 @@
               </a:rPr>
               <a:t>;</a:t>
             </a:r>
-            <a:endParaRPr lang="de-DE" dirty="0">
+            <a:endParaRPr lang="de-DE">
               <a:effectLst/>
               <a:latin typeface="Calibri" panose="020F0502020204030204" pitchFamily="34" charset="0"/>
               <a:ea typeface="Calibri" panose="020F0502020204030204" pitchFamily="34" charset="0"/>
@@ -26117,7 +26114,7 @@
               <a:buNone/>
             </a:pPr>
             <a:r>
-              <a:rPr lang="de-DE" dirty="0">
+              <a:rPr lang="de-DE">
                 <a:solidFill>
                   <a:srgbClr val="4E5B61"/>
                 </a:solidFill>
@@ -26129,7 +26126,7 @@
               <a:t>    </a:t>
             </a:r>
             <a:r>
-              <a:rPr lang="de-DE" dirty="0" err="1">
+              <a:rPr lang="de-DE" err="1">
                 <a:solidFill>
                   <a:srgbClr val="D35400"/>
                 </a:solidFill>
@@ -26141,7 +26138,7 @@
               <a:t>Serial</a:t>
             </a:r>
             <a:r>
-              <a:rPr lang="de-DE" dirty="0" err="1">
+              <a:rPr lang="de-DE" err="1">
                 <a:solidFill>
                   <a:srgbClr val="4E5B61"/>
                 </a:solidFill>
@@ -26153,7 +26150,7 @@
               <a:t>.</a:t>
             </a:r>
             <a:r>
-              <a:rPr lang="de-DE" dirty="0" err="1">
+              <a:rPr lang="de-DE" err="1">
                 <a:solidFill>
                   <a:srgbClr val="D35400"/>
                 </a:solidFill>
@@ -26165,7 +26162,7 @@
               <a:t>println</a:t>
             </a:r>
             <a:r>
-              <a:rPr lang="de-DE" dirty="0">
+              <a:rPr lang="de-DE">
                 <a:solidFill>
                   <a:srgbClr val="434F54"/>
                 </a:solidFill>
@@ -26177,7 +26174,7 @@
               <a:t>(</a:t>
             </a:r>
             <a:r>
-              <a:rPr lang="de-DE" dirty="0">
+              <a:rPr lang="de-DE">
                 <a:solidFill>
                   <a:srgbClr val="005C5F"/>
                 </a:solidFill>
@@ -26189,7 +26186,7 @@
               <a:t>"Servo fährt zu Ausgangsposition"</a:t>
             </a:r>
             <a:r>
-              <a:rPr lang="de-DE" dirty="0">
+              <a:rPr lang="de-DE">
                 <a:solidFill>
                   <a:srgbClr val="434F54"/>
                 </a:solidFill>
@@ -26201,7 +26198,7 @@
               <a:t>)</a:t>
             </a:r>
             <a:r>
-              <a:rPr lang="de-DE" dirty="0">
+              <a:rPr lang="de-DE">
                 <a:solidFill>
                   <a:srgbClr val="4E5B61"/>
                 </a:solidFill>
@@ -26212,7 +26209,7 @@
               </a:rPr>
               <a:t>; </a:t>
             </a:r>
-            <a:endParaRPr lang="de-DE" dirty="0">
+            <a:endParaRPr lang="de-DE">
               <a:effectLst/>
               <a:latin typeface="Calibri" panose="020F0502020204030204" pitchFamily="34" charset="0"/>
               <a:ea typeface="Calibri" panose="020F0502020204030204" pitchFamily="34" charset="0"/>
@@ -26230,7 +26227,7 @@
               <a:buNone/>
             </a:pPr>
             <a:r>
-              <a:rPr lang="de-DE" dirty="0">
+              <a:rPr lang="de-DE">
                 <a:solidFill>
                   <a:srgbClr val="4E5B61"/>
                 </a:solidFill>
@@ -26242,7 +26239,7 @@
               <a:t>  </a:t>
             </a:r>
             <a:r>
-              <a:rPr lang="de-DE" dirty="0">
+              <a:rPr lang="de-DE">
                 <a:solidFill>
                   <a:srgbClr val="434F54"/>
                 </a:solidFill>
@@ -26253,7 +26250,7 @@
               </a:rPr>
               <a:t>}</a:t>
             </a:r>
-            <a:endParaRPr lang="de-DE" dirty="0">
+            <a:endParaRPr lang="de-DE">
               <a:effectLst/>
               <a:latin typeface="Calibri" panose="020F0502020204030204" pitchFamily="34" charset="0"/>
               <a:ea typeface="Calibri" panose="020F0502020204030204" pitchFamily="34" charset="0"/>
@@ -26271,7 +26268,7 @@
               <a:buNone/>
             </a:pPr>
             <a:r>
-              <a:rPr lang="de-DE" dirty="0">
+              <a:rPr lang="de-DE">
                 <a:solidFill>
                   <a:srgbClr val="434F54"/>
                 </a:solidFill>
@@ -26282,7 +26279,7 @@
               </a:rPr>
               <a:t>}</a:t>
             </a:r>
-            <a:endParaRPr lang="de-DE" dirty="0">
+            <a:endParaRPr lang="de-DE">
               <a:effectLst/>
               <a:latin typeface="Calibri" panose="020F0502020204030204" pitchFamily="34" charset="0"/>
               <a:ea typeface="Calibri" panose="020F0502020204030204" pitchFamily="34" charset="0"/>
@@ -26293,7 +26290,7 @@
             <a:pPr marL="0" indent="0">
               <a:buNone/>
             </a:pPr>
-            <a:endParaRPr lang="de-DE" dirty="0"/>
+            <a:endParaRPr lang="de-DE"/>
           </a:p>
         </p:txBody>
       </p:sp>
@@ -27133,21 +27130,21 @@
           <a:p>
             <a:pPr algn="ctr"/>
             <a:r>
-              <a:rPr lang="de-DE" b="1" dirty="0"/>
+              <a:rPr lang="de-DE" b="1"/>
               <a:t>Die LED Steuern </a:t>
             </a:r>
             <a:r>
-              <a:rPr lang="de-DE" sz="4400" b="1" dirty="0"/>
+              <a:rPr lang="de-DE" sz="4400" b="1"/>
               <a:t>mit Arduino</a:t>
             </a:r>
             <a:br>
-              <a:rPr lang="de-DE" sz="4400" b="1" dirty="0"/>
+              <a:rPr lang="de-DE" sz="4400" b="1"/>
             </a:br>
             <a:br>
-              <a:rPr lang="de-DE" sz="4400" b="1" dirty="0"/>
+              <a:rPr lang="de-DE" sz="4400" b="1"/>
             </a:br>
             <a:r>
-              <a:rPr lang="de-DE" sz="2700" dirty="0"/>
+              <a:rPr lang="de-DE" sz="2700"/>
               <a:t>Blinken und Schalten</a:t>
             </a:r>
           </a:p>
@@ -27202,18 +27199,18 @@
           <a:p>
             <a:pPr algn="ctr"/>
             <a:r>
-              <a:rPr lang="de-DE" dirty="0"/>
+              <a:rPr lang="de-DE"/>
               <a:t>Microcontroller Programmieren</a:t>
             </a:r>
           </a:p>
           <a:p>
             <a:pPr algn="ctr"/>
-            <a:endParaRPr lang="de-DE" dirty="0"/>
+            <a:endParaRPr lang="de-DE"/>
           </a:p>
           <a:p>
             <a:pPr algn="ctr"/>
             <a:r>
-              <a:rPr lang="de-DE" sz="3200" dirty="0"/>
+              <a:rPr lang="de-DE" sz="3200"/>
               <a:t>Thema 4:</a:t>
             </a:r>
           </a:p>
@@ -27396,7 +27393,7 @@
           <a:p>
             <a:pPr algn="ctr"/>
             <a:r>
-              <a:rPr lang="de-DE" dirty="0"/>
+              <a:rPr lang="de-DE"/>
               <a:t>LED Blinken lassen – Aufbau</a:t>
             </a:r>
           </a:p>
@@ -27660,7 +27657,7 @@
           <a:p>
             <a:pPr algn="ctr"/>
             <a:r>
-              <a:rPr lang="de-DE" dirty="0"/>
+              <a:rPr lang="de-DE"/>
               <a:t>LED Blinken lassen – Code Hilfe</a:t>
             </a:r>
           </a:p>
@@ -27690,7 +27687,7 @@
           <a:lstStyle/>
           <a:p>
             <a:r>
-              <a:rPr lang="de-DE" sz="3200" dirty="0">
+              <a:rPr lang="de-DE" sz="3200">
                 <a:effectLst/>
                 <a:latin typeface="Calibri" panose="020F0502020204030204" pitchFamily="34" charset="0"/>
                 <a:ea typeface="Calibri" panose="020F0502020204030204" pitchFamily="34" charset="0"/>
@@ -27698,7 +27695,7 @@
               <a:t>Speichert die </a:t>
             </a:r>
             <a:r>
-              <a:rPr lang="de-DE" sz="3200" dirty="0" err="1">
+              <a:rPr lang="de-DE" sz="3200" err="1">
                 <a:effectLst/>
                 <a:latin typeface="Calibri" panose="020F0502020204030204" pitchFamily="34" charset="0"/>
                 <a:ea typeface="Calibri" panose="020F0502020204030204" pitchFamily="34" charset="0"/>
@@ -27706,7 +27703,7 @@
               <a:t>Pin-Nummer</a:t>
             </a:r>
             <a:r>
-              <a:rPr lang="de-DE" sz="3200" dirty="0">
+              <a:rPr lang="de-DE" sz="3200">
                 <a:effectLst/>
                 <a:latin typeface="Calibri" panose="020F0502020204030204" pitchFamily="34" charset="0"/>
                 <a:ea typeface="Calibri" panose="020F0502020204030204" pitchFamily="34" charset="0"/>
@@ -27716,7 +27713,7 @@
           </a:p>
           <a:p>
             <a:r>
-              <a:rPr lang="de-DE" sz="3200" kern="100" dirty="0">
+              <a:rPr lang="de-DE" sz="3200" kern="100">
                 <a:effectLst/>
                 <a:latin typeface="Calibri" panose="020F0502020204030204" pitchFamily="34" charset="0"/>
                 <a:ea typeface="Calibri" panose="020F0502020204030204" pitchFamily="34" charset="0"/>
@@ -27725,7 +27722,7 @@
               <a:t>Ihr müsst den Pin auf Output stellen: </a:t>
             </a:r>
             <a:r>
-              <a:rPr lang="de-DE" sz="3200" kern="100" dirty="0" err="1">
+              <a:rPr lang="de-DE" sz="3200" kern="100" err="1">
                 <a:solidFill>
                   <a:srgbClr val="D35400"/>
                 </a:solidFill>
@@ -27737,7 +27734,7 @@
               <a:t>pinMode</a:t>
             </a:r>
             <a:r>
-              <a:rPr lang="de-DE" sz="3200" kern="100" dirty="0">
+              <a:rPr lang="de-DE" sz="3200" kern="100">
                 <a:solidFill>
                   <a:srgbClr val="434F54"/>
                 </a:solidFill>
@@ -27749,7 +27746,7 @@
               <a:t>(</a:t>
             </a:r>
             <a:r>
-              <a:rPr lang="de-DE" sz="3200" kern="100" dirty="0" err="1">
+              <a:rPr lang="de-DE" sz="3200" kern="100" err="1">
                 <a:solidFill>
                   <a:srgbClr val="4E5B61"/>
                 </a:solidFill>
@@ -27761,7 +27758,7 @@
               <a:t>ledPin</a:t>
             </a:r>
             <a:r>
-              <a:rPr lang="de-DE" sz="3200" kern="100" dirty="0">
+              <a:rPr lang="de-DE" sz="3200" kern="100">
                 <a:solidFill>
                   <a:srgbClr val="4E5B61"/>
                 </a:solidFill>
@@ -27773,7 +27770,7 @@
               <a:t>, OUTPUT</a:t>
             </a:r>
             <a:r>
-              <a:rPr lang="de-DE" sz="3200" kern="100" dirty="0">
+              <a:rPr lang="de-DE" sz="3200" kern="100">
                 <a:solidFill>
                   <a:srgbClr val="434F54"/>
                 </a:solidFill>
@@ -27785,7 +27782,7 @@
               <a:t>)</a:t>
             </a:r>
             <a:r>
-              <a:rPr lang="de-DE" sz="3200" kern="100" dirty="0">
+              <a:rPr lang="de-DE" sz="3200" kern="100">
                 <a:solidFill>
                   <a:srgbClr val="4E5B61"/>
                 </a:solidFill>
@@ -27799,7 +27796,7 @@
           </a:p>
           <a:p>
             <a:r>
-              <a:rPr lang="de-DE" sz="3200" kern="100" dirty="0">
+              <a:rPr lang="de-DE" sz="3200" kern="100">
                 <a:effectLst/>
                 <a:latin typeface="Calibri" panose="020F0502020204030204" pitchFamily="34" charset="0"/>
                 <a:ea typeface="Calibri" panose="020F0502020204030204" pitchFamily="34" charset="0"/>
@@ -27808,7 +27805,7 @@
               <a:t>An und Ausschalten mit </a:t>
             </a:r>
             <a:r>
-              <a:rPr lang="de-DE" sz="3200" dirty="0" err="1">
+              <a:rPr lang="de-DE" sz="3200" err="1">
                 <a:solidFill>
                   <a:srgbClr val="D35400"/>
                 </a:solidFill>
@@ -27820,7 +27817,7 @@
               <a:t>digitalWrite</a:t>
             </a:r>
             <a:r>
-              <a:rPr lang="de-DE" sz="3200" dirty="0">
+              <a:rPr lang="de-DE" sz="3200">
                 <a:solidFill>
                   <a:srgbClr val="434F54"/>
                 </a:solidFill>
@@ -27832,7 +27829,7 @@
               <a:t>(</a:t>
             </a:r>
             <a:r>
-              <a:rPr lang="de-DE" sz="3200" dirty="0" err="1">
+              <a:rPr lang="de-DE" sz="3200" err="1">
                 <a:solidFill>
                   <a:srgbClr val="4E5B61"/>
                 </a:solidFill>
@@ -27844,7 +27841,7 @@
               <a:t>ledPin</a:t>
             </a:r>
             <a:r>
-              <a:rPr lang="de-DE" sz="3200" dirty="0">
+              <a:rPr lang="de-DE" sz="3200">
                 <a:solidFill>
                   <a:srgbClr val="4E5B61"/>
                 </a:solidFill>
@@ -27856,7 +27853,7 @@
               <a:t>, HIGH</a:t>
             </a:r>
             <a:r>
-              <a:rPr lang="de-DE" sz="3200" dirty="0">
+              <a:rPr lang="de-DE" sz="3200">
                 <a:solidFill>
                   <a:srgbClr val="434F54"/>
                 </a:solidFill>
@@ -27868,7 +27865,7 @@
               <a:t>)</a:t>
             </a:r>
             <a:r>
-              <a:rPr lang="de-DE" sz="3200" dirty="0">
+              <a:rPr lang="de-DE" sz="3200">
                 <a:solidFill>
                   <a:srgbClr val="4E5B61"/>
                 </a:solidFill>
@@ -27880,7 +27877,7 @@
               <a:t>; </a:t>
             </a:r>
             <a:r>
-              <a:rPr lang="de-DE" sz="3200" dirty="0">
+              <a:rPr lang="de-DE" sz="3200">
                 <a:effectLst/>
                 <a:latin typeface="Consolas" panose="020B0609020204030204" pitchFamily="49" charset="0"/>
                 <a:ea typeface="Times New Roman" panose="02020603050405020304" pitchFamily="18" charset="0"/>
@@ -27891,7 +27888,7 @@
           </a:p>
           <a:p>
             <a:r>
-              <a:rPr lang="de-DE" sz="3200" kern="100" dirty="0">
+              <a:rPr lang="de-DE" sz="3200" kern="100">
                 <a:latin typeface="Consolas" panose="020B0609020204030204" pitchFamily="49" charset="0"/>
                 <a:ea typeface="Calibri" panose="020F0502020204030204" pitchFamily="34" charset="0"/>
                 <a:cs typeface="Times New Roman" panose="02020603050405020304" pitchFamily="18" charset="0"/>
@@ -27899,7 +27896,7 @@
               <a:t>Ihr dürft </a:t>
             </a:r>
             <a:r>
-              <a:rPr lang="de-DE" sz="3200" kern="100" dirty="0" err="1">
+              <a:rPr lang="de-DE" sz="3200" kern="100" err="1">
                 <a:latin typeface="Consolas" panose="020B0609020204030204" pitchFamily="49" charset="0"/>
                 <a:ea typeface="Calibri" panose="020F0502020204030204" pitchFamily="34" charset="0"/>
                 <a:cs typeface="Times New Roman" panose="02020603050405020304" pitchFamily="18" charset="0"/>
@@ -27907,7 +27904,7 @@
               <a:t>delay</a:t>
             </a:r>
             <a:r>
-              <a:rPr lang="de-DE" sz="3200" kern="100" dirty="0">
+              <a:rPr lang="de-DE" sz="3200" kern="100">
                 <a:latin typeface="Consolas" panose="020B0609020204030204" pitchFamily="49" charset="0"/>
                 <a:ea typeface="Calibri" panose="020F0502020204030204" pitchFamily="34" charset="0"/>
                 <a:cs typeface="Times New Roman" panose="02020603050405020304" pitchFamily="18" charset="0"/>
@@ -27915,7 +27912,7 @@
               <a:t> verenden</a:t>
             </a:r>
             <a:r>
-              <a:rPr lang="de-DE" sz="3200" kern="100" dirty="0">
+              <a:rPr lang="de-DE" sz="3200" kern="100">
                 <a:effectLst/>
                 <a:latin typeface="Calibri" panose="020F0502020204030204" pitchFamily="34" charset="0"/>
                 <a:ea typeface="Calibri" panose="020F0502020204030204" pitchFamily="34" charset="0"/>
@@ -27925,7 +27922,7 @@
             </a:r>
           </a:p>
           <a:p>
-            <a:endParaRPr lang="de-DE" sz="4400" dirty="0"/>
+            <a:endParaRPr lang="de-DE" sz="4400"/>
           </a:p>
         </p:txBody>
       </p:sp>
@@ -28262,7 +28259,7 @@
           <a:p>
             <a:pPr algn="ctr"/>
             <a:r>
-              <a:rPr lang="de-DE" dirty="0"/>
+              <a:rPr lang="de-DE"/>
               <a:t>LED Blinken lassen mit Knopf – Aufbau</a:t>
             </a:r>
           </a:p>
@@ -28526,7 +28523,7 @@
           <a:p>
             <a:pPr algn="ctr"/>
             <a:r>
-              <a:rPr lang="de-DE" dirty="0"/>
+              <a:rPr lang="de-DE"/>
               <a:t>Die neue Loop-Funktion</a:t>
             </a:r>
           </a:p>
@@ -28570,7 +28567,7 @@
               <a:buNone/>
             </a:pPr>
             <a:r>
-              <a:rPr lang="de-DE" sz="11200" dirty="0" err="1">
+              <a:rPr lang="de-DE" sz="11200" err="1">
                 <a:solidFill>
                   <a:srgbClr val="00979D"/>
                 </a:solidFill>
@@ -28582,7 +28579,7 @@
               <a:t>void</a:t>
             </a:r>
             <a:r>
-              <a:rPr lang="de-DE" sz="11200" dirty="0">
+              <a:rPr lang="de-DE" sz="11200">
                 <a:solidFill>
                   <a:srgbClr val="4E5B61"/>
                 </a:solidFill>
@@ -28594,7 +28591,7 @@
               <a:t> </a:t>
             </a:r>
             <a:r>
-              <a:rPr lang="de-DE" sz="11200" dirty="0">
+              <a:rPr lang="de-DE" sz="11200">
                 <a:solidFill>
                   <a:srgbClr val="D35400"/>
                 </a:solidFill>
@@ -28606,7 +28603,7 @@
               <a:t>loop</a:t>
             </a:r>
             <a:r>
-              <a:rPr lang="de-DE" sz="11200" dirty="0">
+              <a:rPr lang="de-DE" sz="11200">
                 <a:solidFill>
                   <a:srgbClr val="434F54"/>
                 </a:solidFill>
@@ -28618,7 +28615,7 @@
               <a:t>()</a:t>
             </a:r>
             <a:r>
-              <a:rPr lang="de-DE" sz="11200" dirty="0">
+              <a:rPr lang="de-DE" sz="11200">
                 <a:solidFill>
                   <a:srgbClr val="4E5B61"/>
                 </a:solidFill>
@@ -28630,7 +28627,7 @@
               <a:t> </a:t>
             </a:r>
             <a:r>
-              <a:rPr lang="de-DE" sz="11200" dirty="0">
+              <a:rPr lang="de-DE" sz="11200">
                 <a:solidFill>
                   <a:srgbClr val="434F54"/>
                 </a:solidFill>
@@ -28641,7 +28638,7 @@
               </a:rPr>
               <a:t>{</a:t>
             </a:r>
-            <a:endParaRPr lang="de-DE" sz="11200" dirty="0">
+            <a:endParaRPr lang="de-DE" sz="11200">
               <a:effectLst/>
               <a:latin typeface="Calibri" panose="020F0502020204030204" pitchFamily="34" charset="0"/>
               <a:ea typeface="Calibri" panose="020F0502020204030204" pitchFamily="34" charset="0"/>
@@ -28659,7 +28656,7 @@
               <a:buNone/>
             </a:pPr>
             <a:r>
-              <a:rPr lang="de-DE" sz="11200" dirty="0">
+              <a:rPr lang="de-DE" sz="11200">
                 <a:solidFill>
                   <a:srgbClr val="4E5B61"/>
                 </a:solidFill>
@@ -28671,7 +28668,7 @@
               <a:t>  </a:t>
             </a:r>
             <a:r>
-              <a:rPr lang="de-DE" sz="11200" dirty="0">
+              <a:rPr lang="de-DE" sz="11200">
                 <a:solidFill>
                   <a:srgbClr val="00979D"/>
                 </a:solidFill>
@@ -28683,7 +28680,7 @@
               <a:t>int</a:t>
             </a:r>
             <a:r>
-              <a:rPr lang="de-DE" sz="11200" dirty="0">
+              <a:rPr lang="de-DE" sz="11200">
                 <a:solidFill>
                   <a:srgbClr val="4E5B61"/>
                 </a:solidFill>
@@ -28695,7 +28692,7 @@
               <a:t> </a:t>
             </a:r>
             <a:r>
-              <a:rPr lang="de-DE" sz="11200" dirty="0" err="1">
+              <a:rPr lang="de-DE" sz="11200" err="1">
                 <a:solidFill>
                   <a:srgbClr val="4E5B61"/>
                 </a:solidFill>
@@ -28707,7 +28704,7 @@
               <a:t>buttonState</a:t>
             </a:r>
             <a:r>
-              <a:rPr lang="de-DE" sz="11200" dirty="0">
+              <a:rPr lang="de-DE" sz="11200">
                 <a:solidFill>
                   <a:srgbClr val="4E5B61"/>
                 </a:solidFill>
@@ -28719,7 +28716,7 @@
               <a:t> = </a:t>
             </a:r>
             <a:r>
-              <a:rPr lang="de-DE" sz="11200" dirty="0" err="1">
+              <a:rPr lang="de-DE" sz="11200" err="1">
                 <a:solidFill>
                   <a:srgbClr val="D35400"/>
                 </a:solidFill>
@@ -28731,7 +28728,7 @@
               <a:t>digitalRead</a:t>
             </a:r>
             <a:r>
-              <a:rPr lang="de-DE" sz="11200" dirty="0">
+              <a:rPr lang="de-DE" sz="11200">
                 <a:solidFill>
                   <a:srgbClr val="434F54"/>
                 </a:solidFill>
@@ -28743,7 +28740,7 @@
               <a:t>(</a:t>
             </a:r>
             <a:r>
-              <a:rPr lang="de-DE" sz="11200" dirty="0" err="1">
+              <a:rPr lang="de-DE" sz="11200" err="1">
                 <a:solidFill>
                   <a:srgbClr val="4E5B61"/>
                 </a:solidFill>
@@ -28755,7 +28752,7 @@
               <a:t>buttonPin</a:t>
             </a:r>
             <a:r>
-              <a:rPr lang="de-DE" sz="11200" dirty="0">
+              <a:rPr lang="de-DE" sz="11200">
                 <a:solidFill>
                   <a:srgbClr val="434F54"/>
                 </a:solidFill>
@@ -28767,7 +28764,7 @@
               <a:t>)</a:t>
             </a:r>
             <a:r>
-              <a:rPr lang="de-DE" sz="11200" dirty="0">
+              <a:rPr lang="de-DE" sz="11200">
                 <a:solidFill>
                   <a:srgbClr val="4E5B61"/>
                 </a:solidFill>
@@ -28779,7 +28776,7 @@
               <a:t>;</a:t>
             </a:r>
             <a:r>
-              <a:rPr lang="de-DE" sz="11200" dirty="0">
+              <a:rPr lang="de-DE" sz="11200">
                 <a:solidFill>
                   <a:srgbClr val="95A5A6"/>
                 </a:solidFill>
@@ -28790,7 +28787,7 @@
               </a:rPr>
               <a:t> </a:t>
             </a:r>
-            <a:endParaRPr lang="de-DE" sz="11200" dirty="0">
+            <a:endParaRPr lang="de-DE" sz="11200">
               <a:effectLst/>
               <a:latin typeface="Calibri" panose="020F0502020204030204" pitchFamily="34" charset="0"/>
               <a:ea typeface="Calibri" panose="020F0502020204030204" pitchFamily="34" charset="0"/>
@@ -28808,7 +28805,7 @@
               <a:buNone/>
             </a:pPr>
             <a:r>
-              <a:rPr lang="de-DE" sz="11200" dirty="0">
+              <a:rPr lang="de-DE" sz="11200">
                 <a:solidFill>
                   <a:srgbClr val="4E5B61"/>
                 </a:solidFill>
@@ -28819,7 +28816,7 @@
               </a:rPr>
               <a:t> </a:t>
             </a:r>
-            <a:endParaRPr lang="de-DE" sz="11200" dirty="0">
+            <a:endParaRPr lang="de-DE" sz="11200">
               <a:effectLst/>
               <a:latin typeface="Calibri" panose="020F0502020204030204" pitchFamily="34" charset="0"/>
               <a:ea typeface="Calibri" panose="020F0502020204030204" pitchFamily="34" charset="0"/>
@@ -28837,7 +28834,7 @@
               <a:buNone/>
             </a:pPr>
             <a:r>
-              <a:rPr lang="de-DE" sz="11200" dirty="0">
+              <a:rPr lang="de-DE" sz="11200">
                 <a:solidFill>
                   <a:srgbClr val="4E5B61"/>
                 </a:solidFill>
@@ -28849,7 +28846,7 @@
               <a:t>  </a:t>
             </a:r>
             <a:r>
-              <a:rPr lang="de-DE" sz="11200" dirty="0" err="1">
+              <a:rPr lang="de-DE" sz="11200" err="1">
                 <a:solidFill>
                   <a:srgbClr val="728E00"/>
                 </a:solidFill>
@@ -28861,7 +28858,7 @@
               <a:t>if</a:t>
             </a:r>
             <a:r>
-              <a:rPr lang="de-DE" sz="11200" dirty="0">
+              <a:rPr lang="de-DE" sz="11200">
                 <a:solidFill>
                   <a:srgbClr val="4E5B61"/>
                 </a:solidFill>
@@ -28873,7 +28870,7 @@
               <a:t> </a:t>
             </a:r>
             <a:r>
-              <a:rPr lang="de-DE" sz="11200" dirty="0">
+              <a:rPr lang="de-DE" sz="11200">
                 <a:solidFill>
                   <a:srgbClr val="434F54"/>
                 </a:solidFill>
@@ -28885,7 +28882,7 @@
               <a:t>(</a:t>
             </a:r>
             <a:r>
-              <a:rPr lang="de-DE" sz="11200" dirty="0" err="1">
+              <a:rPr lang="de-DE" sz="11200" err="1">
                 <a:solidFill>
                   <a:srgbClr val="4E5B61"/>
                 </a:solidFill>
@@ -28897,7 +28894,7 @@
               <a:t>buttonState</a:t>
             </a:r>
             <a:r>
-              <a:rPr lang="de-DE" sz="11200" dirty="0">
+              <a:rPr lang="de-DE" sz="11200">
                 <a:solidFill>
                   <a:srgbClr val="4E5B61"/>
                 </a:solidFill>
@@ -28909,7 +28906,7 @@
               <a:t> == HIGH</a:t>
             </a:r>
             <a:r>
-              <a:rPr lang="de-DE" sz="11200" dirty="0">
+              <a:rPr lang="de-DE" sz="11200">
                 <a:solidFill>
                   <a:srgbClr val="434F54"/>
                 </a:solidFill>
@@ -28921,7 +28918,7 @@
               <a:t>)</a:t>
             </a:r>
             <a:r>
-              <a:rPr lang="de-DE" sz="11200" dirty="0">
+              <a:rPr lang="de-DE" sz="11200">
                 <a:solidFill>
                   <a:srgbClr val="4E5B61"/>
                 </a:solidFill>
@@ -28933,7 +28930,7 @@
               <a:t> </a:t>
             </a:r>
             <a:r>
-              <a:rPr lang="de-DE" sz="11200" dirty="0">
+              <a:rPr lang="de-DE" sz="11200">
                 <a:solidFill>
                   <a:srgbClr val="434F54"/>
                 </a:solidFill>
@@ -28945,7 +28942,7 @@
               <a:t>{</a:t>
             </a:r>
             <a:r>
-              <a:rPr lang="de-DE" sz="11200" dirty="0">
+              <a:rPr lang="de-DE" sz="11200">
                 <a:solidFill>
                   <a:srgbClr val="95A5A6"/>
                 </a:solidFill>
@@ -28956,7 +28953,7 @@
               </a:rPr>
               <a:t> </a:t>
             </a:r>
-            <a:endParaRPr lang="de-DE" sz="11200" dirty="0">
+            <a:endParaRPr lang="de-DE" sz="11200">
               <a:effectLst/>
               <a:latin typeface="Calibri" panose="020F0502020204030204" pitchFamily="34" charset="0"/>
               <a:ea typeface="Calibri" panose="020F0502020204030204" pitchFamily="34" charset="0"/>
@@ -28974,7 +28971,7 @@
               <a:buNone/>
             </a:pPr>
             <a:r>
-              <a:rPr lang="de-DE" sz="11200" dirty="0">
+              <a:rPr lang="de-DE" sz="11200">
                 <a:solidFill>
                   <a:srgbClr val="4E5B61"/>
                 </a:solidFill>
@@ -28986,7 +28983,7 @@
               <a:t>    </a:t>
             </a:r>
             <a:r>
-              <a:rPr lang="de-DE" sz="11200" dirty="0" err="1">
+              <a:rPr lang="de-DE" sz="11200" err="1">
                 <a:solidFill>
                   <a:srgbClr val="D35400"/>
                 </a:solidFill>
@@ -28998,7 +28995,7 @@
               <a:t>digitalWrite</a:t>
             </a:r>
             <a:r>
-              <a:rPr lang="de-DE" sz="11200" dirty="0">
+              <a:rPr lang="de-DE" sz="11200">
                 <a:solidFill>
                   <a:srgbClr val="434F54"/>
                 </a:solidFill>
@@ -29010,7 +29007,7 @@
               <a:t>(</a:t>
             </a:r>
             <a:r>
-              <a:rPr lang="de-DE" sz="11200" dirty="0" err="1">
+              <a:rPr lang="de-DE" sz="11200" err="1">
                 <a:solidFill>
                   <a:srgbClr val="4E5B61"/>
                 </a:solidFill>
@@ -29022,7 +29019,7 @@
               <a:t>ledPin</a:t>
             </a:r>
             <a:r>
-              <a:rPr lang="de-DE" sz="11200" dirty="0">
+              <a:rPr lang="de-DE" sz="11200">
                 <a:solidFill>
                   <a:srgbClr val="4E5B61"/>
                 </a:solidFill>
@@ -29034,7 +29031,7 @@
               <a:t>, HIGH</a:t>
             </a:r>
             <a:r>
-              <a:rPr lang="de-DE" sz="11200" dirty="0">
+              <a:rPr lang="de-DE" sz="11200">
                 <a:solidFill>
                   <a:srgbClr val="434F54"/>
                 </a:solidFill>
@@ -29046,7 +29043,7 @@
               <a:t>)</a:t>
             </a:r>
             <a:r>
-              <a:rPr lang="de-DE" sz="11200" dirty="0">
+              <a:rPr lang="de-DE" sz="11200">
                 <a:solidFill>
                   <a:srgbClr val="4E5B61"/>
                 </a:solidFill>
@@ -29058,7 +29055,7 @@
               <a:t>;</a:t>
             </a:r>
             <a:r>
-              <a:rPr lang="de-DE" sz="11200" dirty="0">
+              <a:rPr lang="de-DE" sz="11200">
                 <a:solidFill>
                   <a:srgbClr val="95A5A6"/>
                 </a:solidFill>
@@ -29069,7 +29066,7 @@
               </a:rPr>
               <a:t> </a:t>
             </a:r>
-            <a:endParaRPr lang="de-DE" sz="11200" dirty="0">
+            <a:endParaRPr lang="de-DE" sz="11200">
               <a:effectLst/>
               <a:latin typeface="Calibri" panose="020F0502020204030204" pitchFamily="34" charset="0"/>
               <a:ea typeface="Calibri" panose="020F0502020204030204" pitchFamily="34" charset="0"/>
@@ -29087,7 +29084,7 @@
               <a:buNone/>
             </a:pPr>
             <a:r>
-              <a:rPr lang="de-DE" sz="11200" dirty="0">
+              <a:rPr lang="de-DE" sz="11200">
                 <a:solidFill>
                   <a:srgbClr val="4E5B61"/>
                 </a:solidFill>
@@ -29099,7 +29096,7 @@
               <a:t>    </a:t>
             </a:r>
             <a:r>
-              <a:rPr lang="de-DE" sz="11200" dirty="0" err="1">
+              <a:rPr lang="de-DE" sz="11200" err="1">
                 <a:solidFill>
                   <a:srgbClr val="D35400"/>
                 </a:solidFill>
@@ -29111,7 +29108,7 @@
               <a:t>delay</a:t>
             </a:r>
             <a:r>
-              <a:rPr lang="de-DE" sz="11200" dirty="0">
+              <a:rPr lang="de-DE" sz="11200">
                 <a:solidFill>
                   <a:srgbClr val="434F54"/>
                 </a:solidFill>
@@ -29123,7 +29120,7 @@
               <a:t>(</a:t>
             </a:r>
             <a:r>
-              <a:rPr lang="de-DE" sz="11200" dirty="0">
+              <a:rPr lang="de-DE" sz="11200">
                 <a:solidFill>
                   <a:srgbClr val="005C5F"/>
                 </a:solidFill>
@@ -29135,7 +29132,7 @@
               <a:t>1000</a:t>
             </a:r>
             <a:r>
-              <a:rPr lang="de-DE" sz="11200" dirty="0">
+              <a:rPr lang="de-DE" sz="11200">
                 <a:solidFill>
                   <a:srgbClr val="434F54"/>
                 </a:solidFill>
@@ -29147,7 +29144,7 @@
               <a:t>)</a:t>
             </a:r>
             <a:r>
-              <a:rPr lang="de-DE" sz="11200" dirty="0">
+              <a:rPr lang="de-DE" sz="11200">
                 <a:solidFill>
                   <a:srgbClr val="4E5B61"/>
                 </a:solidFill>
@@ -29158,7 +29155,7 @@
               </a:rPr>
               <a:t>;</a:t>
             </a:r>
-            <a:endParaRPr lang="de-DE" sz="11200" dirty="0">
+            <a:endParaRPr lang="de-DE" sz="11200">
               <a:effectLst/>
               <a:latin typeface="Calibri" panose="020F0502020204030204" pitchFamily="34" charset="0"/>
               <a:ea typeface="Calibri" panose="020F0502020204030204" pitchFamily="34" charset="0"/>
@@ -29176,7 +29173,7 @@
               <a:buNone/>
             </a:pPr>
             <a:r>
-              <a:rPr lang="de-DE" sz="11200" dirty="0">
+              <a:rPr lang="de-DE" sz="11200">
                 <a:solidFill>
                   <a:srgbClr val="4E5B61"/>
                 </a:solidFill>
@@ -29188,7 +29185,7 @@
               <a:t>    </a:t>
             </a:r>
             <a:r>
-              <a:rPr lang="de-DE" sz="11200" dirty="0" err="1">
+              <a:rPr lang="de-DE" sz="11200" err="1">
                 <a:solidFill>
                   <a:srgbClr val="D35400"/>
                 </a:solidFill>
@@ -29200,7 +29197,7 @@
               <a:t>digitalWrite</a:t>
             </a:r>
             <a:r>
-              <a:rPr lang="de-DE" sz="11200" dirty="0">
+              <a:rPr lang="de-DE" sz="11200">
                 <a:solidFill>
                   <a:srgbClr val="434F54"/>
                 </a:solidFill>
@@ -29212,7 +29209,7 @@
               <a:t>(</a:t>
             </a:r>
             <a:r>
-              <a:rPr lang="de-DE" sz="11200" dirty="0" err="1">
+              <a:rPr lang="de-DE" sz="11200" err="1">
                 <a:solidFill>
                   <a:srgbClr val="4E5B61"/>
                 </a:solidFill>
@@ -29224,7 +29221,7 @@
               <a:t>ledPin</a:t>
             </a:r>
             <a:r>
-              <a:rPr lang="de-DE" sz="11200" dirty="0">
+              <a:rPr lang="de-DE" sz="11200">
                 <a:solidFill>
                   <a:srgbClr val="4E5B61"/>
                 </a:solidFill>
@@ -29236,7 +29233,7 @@
               <a:t>, LOW</a:t>
             </a:r>
             <a:r>
-              <a:rPr lang="de-DE" sz="11200" dirty="0">
+              <a:rPr lang="de-DE" sz="11200">
                 <a:solidFill>
                   <a:srgbClr val="434F54"/>
                 </a:solidFill>
@@ -29248,7 +29245,7 @@
               <a:t>)</a:t>
             </a:r>
             <a:r>
-              <a:rPr lang="de-DE" sz="11200" dirty="0">
+              <a:rPr lang="de-DE" sz="11200">
                 <a:solidFill>
                   <a:srgbClr val="4E5B61"/>
                 </a:solidFill>
@@ -29260,7 +29257,7 @@
               <a:t>;</a:t>
             </a:r>
             <a:r>
-              <a:rPr lang="de-DE" sz="11200" dirty="0">
+              <a:rPr lang="de-DE" sz="11200">
                 <a:solidFill>
                   <a:srgbClr val="95A5A6"/>
                 </a:solidFill>
@@ -29283,7 +29280,7 @@
               <a:buNone/>
             </a:pPr>
             <a:r>
-              <a:rPr lang="de-DE" sz="11200" dirty="0">
+              <a:rPr lang="de-DE" sz="11200">
                 <a:solidFill>
                   <a:srgbClr val="4E5B61"/>
                 </a:solidFill>
@@ -29295,7 +29292,7 @@
               <a:t>    </a:t>
             </a:r>
             <a:r>
-              <a:rPr lang="de-DE" sz="11200" dirty="0" err="1">
+              <a:rPr lang="de-DE" sz="11200" err="1">
                 <a:solidFill>
                   <a:srgbClr val="D35400"/>
                 </a:solidFill>
@@ -29307,7 +29304,7 @@
               <a:t>delay</a:t>
             </a:r>
             <a:r>
-              <a:rPr lang="de-DE" sz="11200" dirty="0">
+              <a:rPr lang="de-DE" sz="11200">
                 <a:solidFill>
                   <a:srgbClr val="434F54"/>
                 </a:solidFill>
@@ -29319,7 +29316,7 @@
               <a:t>(</a:t>
             </a:r>
             <a:r>
-              <a:rPr lang="de-DE" sz="11200" dirty="0">
+              <a:rPr lang="de-DE" sz="11200">
                 <a:solidFill>
                   <a:srgbClr val="005C5F"/>
                 </a:solidFill>
@@ -29331,7 +29328,7 @@
               <a:t>1000</a:t>
             </a:r>
             <a:r>
-              <a:rPr lang="de-DE" sz="11200" dirty="0">
+              <a:rPr lang="de-DE" sz="11200">
                 <a:solidFill>
                   <a:srgbClr val="434F54"/>
                 </a:solidFill>
@@ -29343,7 +29340,7 @@
               <a:t>)</a:t>
             </a:r>
             <a:r>
-              <a:rPr lang="de-DE" sz="11200" dirty="0">
+              <a:rPr lang="de-DE" sz="11200">
                 <a:solidFill>
                   <a:srgbClr val="4E5B61"/>
                 </a:solidFill>
@@ -29354,7 +29351,7 @@
               </a:rPr>
               <a:t>;</a:t>
             </a:r>
-            <a:endParaRPr lang="de-DE" sz="11200" dirty="0">
+            <a:endParaRPr lang="de-DE" sz="11200">
               <a:effectLst/>
               <a:latin typeface="Calibri" panose="020F0502020204030204" pitchFamily="34" charset="0"/>
               <a:ea typeface="Calibri" panose="020F0502020204030204" pitchFamily="34" charset="0"/>
@@ -29372,7 +29369,7 @@
               <a:buNone/>
             </a:pPr>
             <a:r>
-              <a:rPr lang="de-DE" sz="11200" dirty="0">
+              <a:rPr lang="de-DE" sz="11200">
                 <a:solidFill>
                   <a:srgbClr val="4E5B61"/>
                 </a:solidFill>
@@ -29384,7 +29381,7 @@
               <a:t>  </a:t>
             </a:r>
             <a:r>
-              <a:rPr lang="de-DE" sz="11200" dirty="0">
+              <a:rPr lang="de-DE" sz="11200">
                 <a:solidFill>
                   <a:srgbClr val="434F54"/>
                 </a:solidFill>
@@ -29396,7 +29393,7 @@
               <a:t>}</a:t>
             </a:r>
             <a:r>
-              <a:rPr lang="de-DE" sz="11200" dirty="0">
+              <a:rPr lang="de-DE" sz="11200">
                 <a:solidFill>
                   <a:srgbClr val="4E5B61"/>
                 </a:solidFill>
@@ -29408,7 +29405,7 @@
               <a:t> </a:t>
             </a:r>
             <a:r>
-              <a:rPr lang="de-DE" sz="11200" dirty="0" err="1">
+              <a:rPr lang="de-DE" sz="11200" err="1">
                 <a:solidFill>
                   <a:srgbClr val="728E00"/>
                 </a:solidFill>
@@ -29420,7 +29417,7 @@
               <a:t>else</a:t>
             </a:r>
             <a:r>
-              <a:rPr lang="de-DE" sz="11200" dirty="0">
+              <a:rPr lang="de-DE" sz="11200">
                 <a:solidFill>
                   <a:srgbClr val="4E5B61"/>
                 </a:solidFill>
@@ -29432,7 +29429,7 @@
               <a:t> </a:t>
             </a:r>
             <a:r>
-              <a:rPr lang="de-DE" sz="11200" dirty="0">
+              <a:rPr lang="de-DE" sz="11200">
                 <a:solidFill>
                   <a:srgbClr val="434F54"/>
                 </a:solidFill>
@@ -29443,7 +29440,7 @@
               </a:rPr>
               <a:t>{</a:t>
             </a:r>
-            <a:endParaRPr lang="de-DE" sz="11200" dirty="0">
+            <a:endParaRPr lang="de-DE" sz="11200">
               <a:effectLst/>
               <a:latin typeface="Calibri" panose="020F0502020204030204" pitchFamily="34" charset="0"/>
               <a:ea typeface="Calibri" panose="020F0502020204030204" pitchFamily="34" charset="0"/>
@@ -29461,7 +29458,7 @@
               <a:buNone/>
             </a:pPr>
             <a:r>
-              <a:rPr lang="de-DE" sz="11200" dirty="0">
+              <a:rPr lang="de-DE" sz="11200">
                 <a:solidFill>
                   <a:srgbClr val="4E5B61"/>
                 </a:solidFill>
@@ -29473,7 +29470,7 @@
               <a:t>    </a:t>
             </a:r>
             <a:r>
-              <a:rPr lang="de-DE" sz="11200" dirty="0" err="1">
+              <a:rPr lang="de-DE" sz="11200" err="1">
                 <a:solidFill>
                   <a:srgbClr val="D35400"/>
                 </a:solidFill>
@@ -29485,7 +29482,7 @@
               <a:t>digitalWrite</a:t>
             </a:r>
             <a:r>
-              <a:rPr lang="de-DE" sz="11200" dirty="0">
+              <a:rPr lang="de-DE" sz="11200">
                 <a:solidFill>
                   <a:srgbClr val="434F54"/>
                 </a:solidFill>
@@ -29497,7 +29494,7 @@
               <a:t>(</a:t>
             </a:r>
             <a:r>
-              <a:rPr lang="de-DE" sz="11200" dirty="0" err="1">
+              <a:rPr lang="de-DE" sz="11200" err="1">
                 <a:solidFill>
                   <a:srgbClr val="4E5B61"/>
                 </a:solidFill>
@@ -29509,7 +29506,7 @@
               <a:t>ledPin</a:t>
             </a:r>
             <a:r>
-              <a:rPr lang="de-DE" sz="11200" dirty="0">
+              <a:rPr lang="de-DE" sz="11200">
                 <a:solidFill>
                   <a:srgbClr val="4E5B61"/>
                 </a:solidFill>
@@ -29521,7 +29518,7 @@
               <a:t>, LOW</a:t>
             </a:r>
             <a:r>
-              <a:rPr lang="de-DE" sz="11200" dirty="0">
+              <a:rPr lang="de-DE" sz="11200">
                 <a:solidFill>
                   <a:srgbClr val="434F54"/>
                 </a:solidFill>
@@ -29533,7 +29530,7 @@
               <a:t>)</a:t>
             </a:r>
             <a:r>
-              <a:rPr lang="de-DE" sz="11200" dirty="0">
+              <a:rPr lang="de-DE" sz="11200">
                 <a:solidFill>
                   <a:srgbClr val="4E5B61"/>
                 </a:solidFill>
@@ -29544,7 +29541,7 @@
               </a:rPr>
               <a:t>;</a:t>
             </a:r>
-            <a:endParaRPr lang="de-DE" sz="11200" dirty="0">
+            <a:endParaRPr lang="de-DE" sz="11200">
               <a:solidFill>
                 <a:srgbClr val="95A5A6"/>
               </a:solidFill>
@@ -29564,7 +29561,7 @@
               <a:buNone/>
             </a:pPr>
             <a:r>
-              <a:rPr lang="de-DE" sz="11200" dirty="0">
+              <a:rPr lang="de-DE" sz="11200">
                 <a:solidFill>
                   <a:srgbClr val="4E5B61"/>
                 </a:solidFill>
@@ -29576,7 +29573,7 @@
               <a:t>  </a:t>
             </a:r>
             <a:r>
-              <a:rPr lang="de-DE" sz="11200" dirty="0">
+              <a:rPr lang="de-DE" sz="11200">
                 <a:solidFill>
                   <a:srgbClr val="434F54"/>
                 </a:solidFill>
@@ -29587,7 +29584,7 @@
               </a:rPr>
               <a:t>}</a:t>
             </a:r>
-            <a:endParaRPr lang="de-DE" sz="11200" dirty="0">
+            <a:endParaRPr lang="de-DE" sz="11200">
               <a:effectLst/>
               <a:latin typeface="Calibri" panose="020F0502020204030204" pitchFamily="34" charset="0"/>
               <a:ea typeface="Calibri" panose="020F0502020204030204" pitchFamily="34" charset="0"/>
@@ -29605,7 +29602,7 @@
               <a:buNone/>
             </a:pPr>
             <a:r>
-              <a:rPr lang="de-DE" sz="11200" dirty="0">
+              <a:rPr lang="de-DE" sz="11200">
                 <a:solidFill>
                   <a:srgbClr val="434F54"/>
                 </a:solidFill>
@@ -29616,7 +29613,7 @@
               </a:rPr>
               <a:t>}</a:t>
             </a:r>
-            <a:endParaRPr lang="de-DE" sz="11200" dirty="0">
+            <a:endParaRPr lang="de-DE" sz="11200">
               <a:effectLst/>
               <a:latin typeface="Calibri" panose="020F0502020204030204" pitchFamily="34" charset="0"/>
               <a:ea typeface="Calibri" panose="020F0502020204030204" pitchFamily="34" charset="0"/>
@@ -29624,7 +29621,7 @@
             </a:endParaRPr>
           </a:p>
           <a:p>
-            <a:endParaRPr lang="de-DE" dirty="0"/>
+            <a:endParaRPr lang="de-DE"/>
           </a:p>
         </p:txBody>
       </p:sp>
@@ -29657,12 +29654,12 @@
           <a:lstStyle/>
           <a:p>
             <a:r>
-              <a:rPr lang="de-DE" sz="4000" dirty="0"/>
+              <a:rPr lang="de-DE" sz="4000"/>
               <a:t>Die Knopf-Pin Variabel und den Pin-Mode müsst ihr selber Definieren. Bei Frage bitte melden</a:t>
             </a:r>
           </a:p>
           <a:p>
-            <a:endParaRPr lang="de-DE" sz="4400" dirty="0"/>
+            <a:endParaRPr lang="de-DE" sz="4400"/>
           </a:p>
         </p:txBody>
       </p:sp>
@@ -30918,10 +30915,10 @@
           <a:p>
             <a:pPr algn="ctr"/>
             <a:r>
-              <a:rPr lang="de-DE" sz="6000" b="1" dirty="0"/>
+              <a:rPr lang="de-DE" sz="6000" b="1"/>
               <a:t>Das Steckbrett</a:t>
             </a:r>
-            <a:endParaRPr lang="de-DE" sz="4400" dirty="0"/>
+            <a:endParaRPr lang="de-DE" sz="4400"/>
           </a:p>
         </p:txBody>
       </p:sp>
@@ -30954,7 +30951,7 @@
           <a:lstStyle/>
           <a:p>
             <a:pPr algn="l"/>
-            <a:endParaRPr lang="de-DE" dirty="0"/>
+            <a:endParaRPr lang="de-DE"/>
           </a:p>
         </p:txBody>
       </p:sp>
@@ -30988,7 +30985,7 @@
           <a:p>
             <a:pPr algn="ctr"/>
             <a:r>
-              <a:rPr lang="de-DE" sz="3200" dirty="0"/>
+              <a:rPr lang="de-DE" sz="3200"/>
               <a:t>Die Leiterbahnen </a:t>
             </a:r>
           </a:p>
@@ -31269,17 +31266,17 @@
           <a:p>
             <a:pPr algn="ctr"/>
             <a:r>
-              <a:rPr lang="de-DE" b="1" dirty="0"/>
+              <a:rPr lang="de-DE" b="1"/>
               <a:t>Die Relais</a:t>
             </a:r>
             <a:br>
-              <a:rPr lang="de-DE" sz="4400" b="1" dirty="0"/>
+              <a:rPr lang="de-DE" sz="4400" b="1"/>
             </a:br>
             <a:br>
-              <a:rPr lang="de-DE" sz="4400" b="1" dirty="0"/>
+              <a:rPr lang="de-DE" sz="4400" b="1"/>
             </a:br>
             <a:r>
-              <a:rPr lang="de-DE" sz="2700" dirty="0"/>
+              <a:rPr lang="de-DE" sz="2700"/>
               <a:t>Schalten &amp; Coden</a:t>
             </a:r>
           </a:p>
@@ -31334,18 +31331,18 @@
           <a:p>
             <a:pPr algn="ctr"/>
             <a:r>
-              <a:rPr lang="de-DE" dirty="0"/>
+              <a:rPr lang="de-DE"/>
               <a:t>Microcontroller Programmieren</a:t>
             </a:r>
           </a:p>
           <a:p>
             <a:pPr algn="ctr"/>
-            <a:endParaRPr lang="de-DE" dirty="0"/>
+            <a:endParaRPr lang="de-DE"/>
           </a:p>
           <a:p>
             <a:pPr algn="ctr"/>
             <a:r>
-              <a:rPr lang="de-DE" sz="3200" dirty="0"/>
+              <a:rPr lang="de-DE" sz="3200"/>
               <a:t>Thema 5:</a:t>
             </a:r>
           </a:p>
@@ -31533,7 +31530,7 @@
           <a:p>
             <a:pPr algn="ctr"/>
             <a:r>
-              <a:rPr lang="de-DE" dirty="0"/>
+              <a:rPr lang="de-DE"/>
               <a:t>Was können Relais?</a:t>
             </a:r>
           </a:p>
@@ -31813,7 +31810,7 @@
           <a:p>
             <a:pPr algn="ctr"/>
             <a:r>
-              <a:rPr lang="de-DE" dirty="0"/>
+              <a:rPr lang="de-DE"/>
               <a:t>Wie verende ich die ganzen Anschlüsse richtig?</a:t>
             </a:r>
           </a:p>
@@ -31855,7 +31852,7 @@
               <a:buChar char="-"/>
             </a:pPr>
             <a:r>
-              <a:rPr lang="de-DE" sz="3600" kern="100" dirty="0">
+              <a:rPr lang="de-DE" sz="3600" kern="100">
                 <a:effectLst/>
                 <a:latin typeface="Calibri" panose="020F0502020204030204" pitchFamily="34" charset="0"/>
                 <a:ea typeface="Calibri" panose="020F0502020204030204" pitchFamily="34" charset="0"/>
@@ -31863,7 +31860,7 @@
               </a:rPr>
               <a:t>+; Die Versorgung der Platine.</a:t>
             </a:r>
-            <a:endParaRPr lang="de-DE" sz="3600" kern="100" dirty="0">
+            <a:endParaRPr lang="de-DE" sz="3600" kern="100">
               <a:effectLst/>
               <a:latin typeface="Calibri" panose="020F0502020204030204" pitchFamily="34" charset="0"/>
               <a:ea typeface="Calibri" panose="020F0502020204030204" pitchFamily="34" charset="0"/>
@@ -31879,7 +31876,7 @@
               <a:buChar char="-"/>
             </a:pPr>
             <a:r>
-              <a:rPr lang="de-DE" sz="3600" kern="100" dirty="0">
+              <a:rPr lang="de-DE" sz="3600" kern="100">
                 <a:effectLst/>
                 <a:latin typeface="Calibri" panose="020F0502020204030204" pitchFamily="34" charset="0"/>
                 <a:ea typeface="Calibri" panose="020F0502020204030204" pitchFamily="34" charset="0"/>
@@ -31887,7 +31884,7 @@
               </a:rPr>
               <a:t>-; Die Versorgung der Platine.</a:t>
             </a:r>
-            <a:endParaRPr lang="de-DE" sz="3600" kern="100" dirty="0">
+            <a:endParaRPr lang="de-DE" sz="3600" kern="100">
               <a:effectLst/>
               <a:latin typeface="Calibri" panose="020F0502020204030204" pitchFamily="34" charset="0"/>
               <a:ea typeface="Calibri" panose="020F0502020204030204" pitchFamily="34" charset="0"/>
@@ -31906,7 +31903,7 @@
               <a:buChar char="-"/>
             </a:pPr>
             <a:r>
-              <a:rPr lang="de-DE" sz="3600" kern="100" dirty="0">
+              <a:rPr lang="de-DE" sz="3600" kern="100">
                 <a:effectLst/>
                 <a:latin typeface="Calibri" panose="020F0502020204030204" pitchFamily="34" charset="0"/>
                 <a:ea typeface="Calibri" panose="020F0502020204030204" pitchFamily="34" charset="0"/>
@@ -31914,7 +31911,7 @@
               </a:rPr>
               <a:t>S; Zum Schalten.</a:t>
             </a:r>
-            <a:endParaRPr lang="de-DE" sz="3600" kern="100" dirty="0">
+            <a:endParaRPr lang="de-DE" sz="3600" kern="100">
               <a:effectLst/>
               <a:latin typeface="Calibri" panose="020F0502020204030204" pitchFamily="34" charset="0"/>
               <a:ea typeface="Calibri" panose="020F0502020204030204" pitchFamily="34" charset="0"/>
@@ -31922,7 +31919,7 @@
             </a:endParaRPr>
           </a:p>
           <a:p>
-            <a:endParaRPr lang="de-DE" dirty="0"/>
+            <a:endParaRPr lang="de-DE"/>
           </a:p>
         </p:txBody>
       </p:sp>
@@ -32209,7 +32206,7 @@
           <a:p>
             <a:pPr algn="ctr"/>
             <a:r>
-              <a:rPr lang="de-DE" dirty="0"/>
+              <a:rPr lang="de-DE"/>
               <a:t>Wie Schalte ich die Relais?</a:t>
             </a:r>
           </a:p>
@@ -32351,7 +32348,7 @@
           <a:p>
             <a:pPr algn="ctr"/>
             <a:r>
-              <a:rPr lang="de-DE" dirty="0"/>
+              <a:rPr lang="de-DE"/>
               <a:t>Beispielschaltung</a:t>
             </a:r>
           </a:p>
@@ -32493,17 +32490,17 @@
           <a:p>
             <a:pPr algn="ctr"/>
             <a:r>
-              <a:rPr lang="de-DE" dirty="0"/>
+              <a:rPr lang="de-DE"/>
               <a:t>Mein Projekt:</a:t>
             </a:r>
             <a:br>
-              <a:rPr lang="de-DE" dirty="0"/>
+              <a:rPr lang="de-DE"/>
             </a:br>
             <a:r>
-              <a:rPr lang="de-DE" sz="2800" dirty="0"/>
+              <a:rPr lang="de-DE" sz="2800"/>
               <a:t>Als Beispiel was man mit dem Arduino machen kann.</a:t>
             </a:r>
-            <a:endParaRPr lang="de-DE" dirty="0"/>
+            <a:endParaRPr lang="de-DE"/>
           </a:p>
         </p:txBody>
       </p:sp>
@@ -32536,7 +32533,7 @@
           <a:lstStyle/>
           <a:p>
             <a:r>
-              <a:rPr lang="de-DE" sz="2800" dirty="0"/>
+              <a:rPr lang="de-DE" sz="2800"/>
               <a:t>Vorführung</a:t>
             </a:r>
           </a:p>
@@ -32571,7 +32568,7 @@
           <a:lstStyle/>
           <a:p>
             <a:r>
-              <a:rPr lang="de-DE" sz="2800" dirty="0"/>
+              <a:rPr lang="de-DE" sz="2800"/>
               <a:t>Welche Bauelemente habe ich verwendet?</a:t>
             </a:r>
           </a:p>
@@ -32606,7 +32603,7 @@
           <a:lstStyle/>
           <a:p>
             <a:r>
-              <a:rPr lang="de-DE" sz="2800" dirty="0"/>
+              <a:rPr lang="de-DE" sz="2800"/>
               <a:t>Was macht das Verwendet Bauelemente? (DF-Player)</a:t>
             </a:r>
           </a:p>
@@ -33034,7 +33031,7 @@
           <a:p>
             <a:pPr algn="ctr"/>
             <a:r>
-              <a:rPr lang="de-DE" sz="4800" dirty="0">
+              <a:rPr lang="de-DE" sz="4800">
                 <a:solidFill>
                   <a:schemeClr val="bg1"/>
                 </a:solidFill>
@@ -33101,7 +33098,7 @@
           <a:lstStyle/>
           <a:p>
             <a:r>
-              <a:rPr lang="de-DE" dirty="0"/>
+              <a:rPr lang="de-DE"/>
               <a:t>Quellen</a:t>
             </a:r>
           </a:p>
@@ -33136,12 +33133,12 @@
           <a:lstStyle/>
           <a:p>
             <a:r>
-              <a:rPr lang="de-DE" dirty="0">
+              <a:rPr lang="de-DE">
                 <a:hlinkClick r:id="rId3"/>
               </a:rPr>
               <a:t>LED-Info</a:t>
             </a:r>
-            <a:endParaRPr lang="de-DE" dirty="0"/>
+            <a:endParaRPr lang="de-DE"/>
           </a:p>
         </p:txBody>
       </p:sp>
@@ -33174,12 +33171,12 @@
           <a:lstStyle/>
           <a:p>
             <a:r>
-              <a:rPr lang="de-DE" dirty="0">
+              <a:rPr lang="de-DE">
                 <a:hlinkClick r:id="rId4"/>
               </a:rPr>
               <a:t>LED Symbol</a:t>
             </a:r>
-            <a:endParaRPr lang="de-DE" dirty="0"/>
+            <a:endParaRPr lang="de-DE"/>
           </a:p>
         </p:txBody>
       </p:sp>
@@ -33212,14 +33209,14 @@
           <a:lstStyle/>
           <a:p>
             <a:r>
-              <a:rPr lang="de-DE" dirty="0"/>
+              <a:rPr lang="de-DE"/>
               <a:t>Schaltpläne sind selber gemacht mit </a:t>
             </a:r>
             <a:r>
-              <a:rPr lang="de-DE" dirty="0" err="1"/>
+              <a:rPr lang="de-DE" err="1"/>
               <a:t>TinkerCAD</a:t>
             </a:r>
-            <a:endParaRPr lang="de-DE" dirty="0"/>
+            <a:endParaRPr lang="de-DE"/>
           </a:p>
         </p:txBody>
       </p:sp>
@@ -33252,12 +33249,12 @@
           <a:lstStyle/>
           <a:p>
             <a:r>
-              <a:rPr lang="de-DE" dirty="0" err="1">
+              <a:rPr lang="de-DE" err="1">
                 <a:hlinkClick r:id="rId5"/>
               </a:rPr>
               <a:t>Widestandstabele</a:t>
             </a:r>
-            <a:endParaRPr lang="de-DE" dirty="0"/>
+            <a:endParaRPr lang="de-DE"/>
           </a:p>
         </p:txBody>
       </p:sp>
@@ -33290,12 +33287,12 @@
           <a:lstStyle/>
           <a:p>
             <a:r>
-              <a:rPr lang="de-DE" dirty="0">
+              <a:rPr lang="de-DE">
                 <a:hlinkClick r:id="rId6"/>
               </a:rPr>
               <a:t>Servo Bild</a:t>
             </a:r>
-            <a:endParaRPr lang="de-DE" dirty="0"/>
+            <a:endParaRPr lang="de-DE"/>
           </a:p>
         </p:txBody>
       </p:sp>
@@ -33328,12 +33325,12 @@
           <a:lstStyle/>
           <a:p>
             <a:r>
-              <a:rPr lang="de-DE" dirty="0">
+              <a:rPr lang="de-DE">
                 <a:hlinkClick r:id="rId7"/>
               </a:rPr>
               <a:t>Relais Bild</a:t>
             </a:r>
-            <a:endParaRPr lang="de-DE" dirty="0"/>
+            <a:endParaRPr lang="de-DE"/>
           </a:p>
         </p:txBody>
       </p:sp>
@@ -33366,7 +33363,7 @@
           <a:lstStyle/>
           <a:p>
             <a:r>
-              <a:rPr lang="de-DE" dirty="0"/>
+              <a:rPr lang="de-DE"/>
               <a:t>Letzter Zugriff: 24.04.2023</a:t>
             </a:r>
           </a:p>
@@ -33432,42 +33429,42 @@
           <a:p>
             <a:pPr algn="ctr"/>
             <a:r>
-              <a:rPr lang="de-DE" sz="4400" b="1" dirty="0"/>
+              <a:rPr lang="de-DE" sz="4400" b="1"/>
               <a:t>Die LED</a:t>
             </a:r>
             <a:br>
-              <a:rPr lang="de-DE" sz="4400" b="1" dirty="0"/>
+              <a:rPr lang="de-DE" sz="4400" b="1"/>
             </a:br>
             <a:r>
-              <a:rPr lang="de-DE" sz="1000" b="1" dirty="0"/>
+              <a:rPr lang="de-DE" sz="1000" b="1"/>
               <a:t> </a:t>
             </a:r>
             <a:br>
-              <a:rPr lang="de-DE" sz="4400" b="1" dirty="0"/>
+              <a:rPr lang="de-DE" sz="4400" b="1"/>
             </a:br>
             <a:r>
-              <a:rPr lang="de-DE" sz="4400" dirty="0"/>
+              <a:rPr lang="de-DE" sz="4400"/>
               <a:t>Light </a:t>
             </a:r>
             <a:r>
-              <a:rPr lang="de-DE" sz="4400" dirty="0" err="1"/>
+              <a:rPr lang="de-DE" sz="4400" err="1"/>
               <a:t>Emitting</a:t>
             </a:r>
             <a:r>
-              <a:rPr lang="de-DE" sz="4400" dirty="0"/>
+              <a:rPr lang="de-DE" sz="4400"/>
               <a:t> Diode</a:t>
             </a:r>
             <a:br>
-              <a:rPr lang="de-DE" sz="4400" b="1" dirty="0"/>
+              <a:rPr lang="de-DE" sz="4400" b="1"/>
             </a:br>
             <a:br>
-              <a:rPr lang="de-DE" sz="4400" b="1" dirty="0"/>
+              <a:rPr lang="de-DE" sz="4400" b="1"/>
             </a:br>
             <a:r>
-              <a:rPr lang="de-DE" sz="3000" dirty="0"/>
+              <a:rPr lang="de-DE" sz="3000"/>
               <a:t>Aufbau und Erste Versuche</a:t>
             </a:r>
-            <a:endParaRPr lang="de-DE" sz="3200" dirty="0"/>
+            <a:endParaRPr lang="de-DE" sz="3200"/>
           </a:p>
         </p:txBody>
       </p:sp>
@@ -33520,18 +33517,18 @@
           <a:p>
             <a:pPr algn="ctr"/>
             <a:r>
-              <a:rPr lang="de-DE" dirty="0"/>
+              <a:rPr lang="de-DE"/>
               <a:t>Microelektronik</a:t>
             </a:r>
           </a:p>
           <a:p>
             <a:pPr algn="ctr"/>
-            <a:endParaRPr lang="de-DE" dirty="0"/>
+            <a:endParaRPr lang="de-DE"/>
           </a:p>
           <a:p>
             <a:pPr algn="ctr"/>
             <a:r>
-              <a:rPr lang="de-DE" sz="3200" dirty="0"/>
+              <a:rPr lang="de-DE" sz="3200"/>
               <a:t>Thema 2:</a:t>
             </a:r>
           </a:p>
@@ -33714,7 +33711,7 @@
           <a:p>
             <a:pPr algn="ctr"/>
             <a:r>
-              <a:rPr lang="de-DE" dirty="0"/>
+              <a:rPr lang="de-DE"/>
               <a:t>Der Aufbau der LED</a:t>
             </a:r>
           </a:p>
@@ -34095,14 +34092,14 @@
           <a:p>
             <a:pPr algn="ctr"/>
             <a:r>
-              <a:rPr lang="de-DE" dirty="0"/>
+              <a:rPr lang="de-DE"/>
               <a:t>Der </a:t>
             </a:r>
             <a:r>
-              <a:rPr lang="de-DE" sz="4400" dirty="0"/>
+              <a:rPr lang="de-DE" sz="4400"/>
               <a:t>Erste Versuch</a:t>
             </a:r>
-            <a:endParaRPr lang="de-DE" dirty="0"/>
+            <a:endParaRPr lang="de-DE"/>
           </a:p>
         </p:txBody>
       </p:sp>
@@ -34137,17 +34134,17 @@
             <a:pPr marL="0" indent="0" algn="ctr">
               <a:buNone/>
             </a:pPr>
-            <a:endParaRPr lang="de-DE" dirty="0"/>
-          </a:p>
-          <a:p>
-            <a:r>
-              <a:rPr lang="de-DE" dirty="0"/>
+            <a:endParaRPr lang="de-DE"/>
+          </a:p>
+          <a:p>
+            <a:r>
+              <a:rPr lang="de-DE"/>
               <a:t>Die LED auf das Steckbrett stecken</a:t>
             </a:r>
           </a:p>
           <a:p>
             <a:r>
-              <a:rPr lang="de-DE" dirty="0"/>
+              <a:rPr lang="de-DE"/>
               <a:t>Stromquelle anschließen</a:t>
             </a:r>
           </a:p>
@@ -34510,7 +34507,7 @@
           <a:p>
             <a:pPr algn="ctr"/>
             <a:r>
-              <a:rPr lang="de-DE" dirty="0"/>
+              <a:rPr lang="de-DE"/>
               <a:t>Was ist Passiert?</a:t>
             </a:r>
           </a:p>
@@ -34540,14 +34537,14 @@
             <a:pPr marL="0" indent="0" algn="ctr">
               <a:buNone/>
             </a:pPr>
-            <a:endParaRPr lang="de-DE" dirty="0"/>
+            <a:endParaRPr lang="de-DE"/>
           </a:p>
           <a:p>
             <a:pPr marL="0" indent="0" algn="ctr">
               <a:buNone/>
             </a:pPr>
             <a:r>
-              <a:rPr lang="de-DE" dirty="0"/>
+              <a:rPr lang="de-DE"/>
               <a:t>Die LED hat kurz ganz hell geleuchtet</a:t>
             </a:r>
           </a:p>
@@ -34556,7 +34553,7 @@
               <a:buNone/>
             </a:pPr>
             <a:r>
-              <a:rPr lang="de-DE" dirty="0"/>
+              <a:rPr lang="de-DE"/>
               <a:t>und ist danach wieder ausgegangen</a:t>
             </a:r>
           </a:p>
@@ -34564,18 +34561,18 @@
             <a:pPr marL="0" indent="0" algn="ctr">
               <a:buNone/>
             </a:pPr>
-            <a:endParaRPr lang="de-DE" dirty="0"/>
+            <a:endParaRPr lang="de-DE"/>
           </a:p>
           <a:p>
             <a:pPr marL="0" indent="0" algn="ctr">
               <a:buNone/>
             </a:pPr>
             <a:r>
-              <a:rPr lang="de-DE" dirty="0"/>
+              <a:rPr lang="de-DE"/>
               <a:t>Das nennt man </a:t>
             </a:r>
             <a:r>
-              <a:rPr lang="de-DE" b="1" dirty="0"/>
+              <a:rPr lang="de-DE" b="1"/>
               <a:t>Durchbrennen</a:t>
             </a:r>
           </a:p>
@@ -34841,7 +34838,7 @@
           <a:p>
             <a:pPr algn="ctr"/>
             <a:r>
-              <a:rPr lang="de-DE" dirty="0"/>
+              <a:rPr lang="de-DE"/>
               <a:t>Wieso?</a:t>
             </a:r>
           </a:p>
@@ -34868,17 +34865,17 @@
           <a:bodyPr/>
           <a:lstStyle/>
           <a:p>
-            <a:endParaRPr lang="de-DE" dirty="0"/>
-          </a:p>
-          <a:p>
-            <a:endParaRPr lang="de-DE" dirty="0"/>
+            <a:endParaRPr lang="de-DE"/>
+          </a:p>
+          <a:p>
+            <a:endParaRPr lang="de-DE"/>
           </a:p>
           <a:p>
             <a:pPr marL="0" indent="0" algn="ctr">
               <a:buNone/>
             </a:pPr>
             <a:r>
-              <a:rPr lang="de-DE" dirty="0"/>
+              <a:rPr lang="de-DE"/>
               <a:t>Die LED bekommt zu viel Spannung</a:t>
             </a:r>
           </a:p>
@@ -34886,14 +34883,14 @@
             <a:pPr marL="0" indent="0" algn="ctr">
               <a:buNone/>
             </a:pPr>
-            <a:endParaRPr lang="de-DE" dirty="0"/>
+            <a:endParaRPr lang="de-DE"/>
           </a:p>
           <a:p>
             <a:pPr marL="0" indent="0" algn="ctr">
               <a:buNone/>
             </a:pPr>
             <a:r>
-              <a:rPr lang="de-DE" dirty="0"/>
+              <a:rPr lang="de-DE"/>
               <a:t>Die LED(Rote) hat nur eine LED Durchlass Spannung zwischen</a:t>
             </a:r>
           </a:p>
@@ -34902,7 +34899,7 @@
               <a:buNone/>
             </a:pPr>
             <a:r>
-              <a:rPr lang="de-DE" dirty="0"/>
+              <a:rPr lang="de-DE"/>
               <a:t>1,7V bis 2,1V.</a:t>
             </a:r>
           </a:p>
